--- a/Counter_Malign_Information/4-Implement-For_Instructors/Lesson_Plans/Lesson_01-Creating_Synthetic_Content/Audio_Visual-Template/Lesson_Slide-Create_AI_Content-English.pptx
+++ b/Counter_Malign_Information/4-Implement-For_Instructors/Lesson_Plans/Lesson_01-Creating_Synthetic_Content/Audio_Visual-Template/Lesson_Slide-Create_AI_Content-English.pptx
@@ -1,21 +1,23 @@
 
 <file path=ppt/presentation.xml><?xml version="1.0" encoding="utf-8"?>
-<p:presentation xmlns:a="http://schemas.openxmlformats.org/drawingml/2006/main" xmlns:r="http://schemas.openxmlformats.org/officeDocument/2006/relationships" xmlns:p="http://schemas.openxmlformats.org/presentationml/2006/main" xmlns:m="http://schemas.openxmlformats.org/officeDocument/2006/math" xmlns:a14="http://schemas.microsoft.com/office/drawing/2010/main">
+<p:presentation xmlns:a="http://schemas.openxmlformats.org/drawingml/2006/main" xmlns:r="http://schemas.openxmlformats.org/officeDocument/2006/relationships" xmlns:p="http://schemas.openxmlformats.org/presentationml/2006/main">
   <p:sldMasterIdLst>
-    <p:sldMasterId id="2147483648" r:id="rId5"/>
+    <p:sldMasterId id="2147483648" r:id="rId1"/>
   </p:sldMasterIdLst>
   <p:notesMasterIdLst>
-    <p:notesMasterId r:id="rId7"/>
+    <p:notesMasterId r:id="rId12"/>
   </p:notesMasterIdLst>
   <p:sldIdLst>
-    <p:sldId id="256" r:id="rId8"/>
-    <p:sldId id="257" r:id="rId9"/>
-    <p:sldId id="258" r:id="rId10"/>
-    <p:sldId id="259" r:id="rId11"/>
-    <p:sldId id="260" r:id="rId12"/>
-    <p:sldId id="261" r:id="rId13"/>
-    <p:sldId id="262" r:id="rId14"/>
-    <p:sldId id="263" r:id="rId15"/>
+    <p:sldId id="256" r:id="rId2"/>
+    <p:sldId id="257" r:id="rId3"/>
+    <p:sldId id="258" r:id="rId4"/>
+    <p:sldId id="259" r:id="rId5"/>
+    <p:sldId id="260" r:id="rId6"/>
+    <p:sldId id="264" r:id="rId7"/>
+    <p:sldId id="265" r:id="rId8"/>
+    <p:sldId id="262" r:id="rId9"/>
+    <p:sldId id="261" r:id="rId10"/>
+    <p:sldId id="263" r:id="rId11"/>
   </p:sldIdLst>
   <p:sldSz cx="12192000" cy="6858000"/>
   <p:notesSz cx="6858000" cy="9144000"/>
@@ -35,7 +37,7 @@
       <a:buFontTx/>
       <a:buNone/>
       <a:tabLst/>
-      <a:defRPr b="0" baseline="0" cap="none" i="0" spc="0" strike="noStrike" sz="1800" u="none" kumimoji="0" normalizeH="0">
+      <a:defRPr kumimoji="0" sz="1800" b="0" i="0" u="none" strike="noStrike" cap="none" spc="0" normalizeH="0" baseline="0">
         <a:ln>
           <a:noFill/>
         </a:ln>
@@ -61,7 +63,7 @@
       <a:buFontTx/>
       <a:buNone/>
       <a:tabLst/>
-      <a:defRPr b="0" baseline="0" cap="none" i="0" spc="0" strike="noStrike" sz="1800" u="none" kumimoji="0" normalizeH="0">
+      <a:defRPr kumimoji="0" sz="1800" b="0" i="0" u="none" strike="noStrike" cap="none" spc="0" normalizeH="0" baseline="0">
         <a:ln>
           <a:noFill/>
         </a:ln>
@@ -91,7 +93,7 @@
       <a:buFontTx/>
       <a:buNone/>
       <a:tabLst/>
-      <a:defRPr b="0" baseline="0" cap="none" i="0" spc="0" strike="noStrike" sz="1800" u="none" kumimoji="0" normalizeH="0">
+      <a:defRPr kumimoji="0" sz="1800" b="0" i="0" u="none" strike="noStrike" cap="none" spc="0" normalizeH="0" baseline="0">
         <a:ln>
           <a:noFill/>
         </a:ln>
@@ -121,7 +123,7 @@
       <a:buFontTx/>
       <a:buNone/>
       <a:tabLst/>
-      <a:defRPr b="0" baseline="0" cap="none" i="0" spc="0" strike="noStrike" sz="1800" u="none" kumimoji="0" normalizeH="0">
+      <a:defRPr kumimoji="0" sz="1800" b="0" i="0" u="none" strike="noStrike" cap="none" spc="0" normalizeH="0" baseline="0">
         <a:ln>
           <a:noFill/>
         </a:ln>
@@ -151,7 +153,7 @@
       <a:buFontTx/>
       <a:buNone/>
       <a:tabLst/>
-      <a:defRPr b="0" baseline="0" cap="none" i="0" spc="0" strike="noStrike" sz="1800" u="none" kumimoji="0" normalizeH="0">
+      <a:defRPr kumimoji="0" sz="1800" b="0" i="0" u="none" strike="noStrike" cap="none" spc="0" normalizeH="0" baseline="0">
         <a:ln>
           <a:noFill/>
         </a:ln>
@@ -181,7 +183,7 @@
       <a:buFontTx/>
       <a:buNone/>
       <a:tabLst/>
-      <a:defRPr b="0" baseline="0" cap="none" i="0" spc="0" strike="noStrike" sz="1800" u="none" kumimoji="0" normalizeH="0">
+      <a:defRPr kumimoji="0" sz="1800" b="0" i="0" u="none" strike="noStrike" cap="none" spc="0" normalizeH="0" baseline="0">
         <a:ln>
           <a:noFill/>
         </a:ln>
@@ -211,7 +213,7 @@
       <a:buFontTx/>
       <a:buNone/>
       <a:tabLst/>
-      <a:defRPr b="0" baseline="0" cap="none" i="0" spc="0" strike="noStrike" sz="1800" u="none" kumimoji="0" normalizeH="0">
+      <a:defRPr kumimoji="0" sz="1800" b="0" i="0" u="none" strike="noStrike" cap="none" spc="0" normalizeH="0" baseline="0">
         <a:ln>
           <a:noFill/>
         </a:ln>
@@ -241,7 +243,7 @@
       <a:buFontTx/>
       <a:buNone/>
       <a:tabLst/>
-      <a:defRPr b="0" baseline="0" cap="none" i="0" spc="0" strike="noStrike" sz="1800" u="none" kumimoji="0" normalizeH="0">
+      <a:defRPr kumimoji="0" sz="1800" b="0" i="0" u="none" strike="noStrike" cap="none" spc="0" normalizeH="0" baseline="0">
         <a:ln>
           <a:noFill/>
         </a:ln>
@@ -271,7 +273,7 @@
       <a:buFontTx/>
       <a:buNone/>
       <a:tabLst/>
-      <a:defRPr b="0" baseline="0" cap="none" i="0" spc="0" strike="noStrike" sz="1800" u="none" kumimoji="0" normalizeH="0">
+      <a:defRPr kumimoji="0" sz="1800" b="0" i="0" u="none" strike="noStrike" cap="none" spc="0" normalizeH="0" baseline="0">
         <a:ln>
           <a:noFill/>
         </a:ln>
@@ -301,7 +303,7 @@
       <a:buFontTx/>
       <a:buNone/>
       <a:tabLst/>
-      <a:defRPr b="0" baseline="0" cap="none" i="0" spc="0" strike="noStrike" sz="1800" u="none" kumimoji="0" normalizeH="0">
+      <a:defRPr kumimoji="0" sz="1800" b="0" i="0" u="none" strike="noStrike" cap="none" spc="0" normalizeH="0" baseline="0">
         <a:ln>
           <a:noFill/>
         </a:ln>
@@ -320,13 +322,14 @@
 </p:presentation>
 </file>
 
-<file path=ppt/commentAuthors.xml><?xml version="1.0" encoding="utf-8"?>
-<p:cmAuthorLst xmlns:a="http://schemas.openxmlformats.org/drawingml/2006/main" xmlns:r="http://schemas.openxmlformats.org/officeDocument/2006/relationships" xmlns:p="http://schemas.openxmlformats.org/presentationml/2006/main" xmlns:m="http://schemas.openxmlformats.org/officeDocument/2006/math" xmlns:a14="http://schemas.microsoft.com/office/drawing/2010/main"/>
-</file>
-
 <file path=ppt/notesMasters/notesMaster1.xml><?xml version="1.0" encoding="utf-8"?>
-<p:notesMaster xmlns:a="http://schemas.openxmlformats.org/drawingml/2006/main" xmlns:r="http://schemas.openxmlformats.org/officeDocument/2006/relationships" xmlns:p="http://schemas.openxmlformats.org/presentationml/2006/main" xmlns:m="http://schemas.openxmlformats.org/officeDocument/2006/math" xmlns:a14="http://schemas.microsoft.com/office/drawing/2010/main">
+<p:notesMaster xmlns:a="http://schemas.openxmlformats.org/drawingml/2006/main" xmlns:r="http://schemas.openxmlformats.org/officeDocument/2006/relationships" xmlns:p="http://schemas.openxmlformats.org/presentationml/2006/main">
   <p:cSld>
+    <p:bg>
+      <p:bgRef idx="1001">
+        <a:schemeClr val="bg1"/>
+      </p:bgRef>
+    </p:bg>
     <p:spTree>
       <p:nvGrpSpPr>
         <p:cNvPr id="1" name=""/>
@@ -344,7 +347,9 @@
       <p:sp>
         <p:nvSpPr>
           <p:cNvPr id="123" name="Shape 123"/>
-          <p:cNvSpPr/>
+          <p:cNvSpPr>
+            <a:spLocks noGrp="1" noRot="1" noChangeAspect="1"/>
+          </p:cNvSpPr>
           <p:nvPr>
             <p:ph type="sldImg"/>
           </p:nvPr>
@@ -362,14 +367,16 @@
           <a:bodyPr/>
           <a:lstStyle/>
           <a:p>
-            <a:pPr/>
+            <a:endParaRPr/>
           </a:p>
         </p:txBody>
       </p:sp>
       <p:sp>
         <p:nvSpPr>
           <p:cNvPr id="124" name="Shape 124"/>
-          <p:cNvSpPr/>
+          <p:cNvSpPr>
+            <a:spLocks noGrp="1"/>
+          </p:cNvSpPr>
           <p:nvPr>
             <p:ph type="body" sz="quarter" idx="1"/>
           </p:nvPr>
@@ -387,7 +394,7 @@
           <a:bodyPr/>
           <a:lstStyle/>
           <a:p>
-            <a:pPr/>
+            <a:endParaRPr/>
           </a:p>
         </p:txBody>
       </p:sp>
@@ -472,7 +479,7 @@
 </file>
 
 <file path=ppt/slideLayouts/slideLayout1.xml><?xml version="1.0" encoding="utf-8"?>
-<p:sldLayout xmlns:a="http://schemas.openxmlformats.org/drawingml/2006/main" xmlns:r="http://schemas.openxmlformats.org/officeDocument/2006/relationships" xmlns:p="http://schemas.openxmlformats.org/presentationml/2006/main" xmlns:m="http://schemas.openxmlformats.org/officeDocument/2006/math" xmlns:a14="http://schemas.microsoft.com/office/drawing/2010/main" type="title" showMasterSp="1" showMasterPhAnim="1">
+<p:sldLayout xmlns:a="http://schemas.openxmlformats.org/drawingml/2006/main" xmlns:r="http://schemas.openxmlformats.org/officeDocument/2006/relationships" xmlns:p="http://schemas.openxmlformats.org/presentationml/2006/main" type="title">
   <p:cSld name="Title Slide">
     <p:spTree>
       <p:nvGrpSpPr>
@@ -491,7 +498,9 @@
       <p:sp>
         <p:nvSpPr>
           <p:cNvPr id="11" name="Click To Edit Master Title Style"/>
-          <p:cNvSpPr txBox="1"/>
+          <p:cNvSpPr txBox="1">
+            <a:spLocks noGrp="1"/>
+          </p:cNvSpPr>
           <p:nvPr>
             <p:ph type="title" hasCustomPrompt="1"/>
           </p:nvPr>
@@ -513,7 +522,6 @@
             </a:lvl1pPr>
           </a:lstStyle>
           <a:p>
-            <a:pPr/>
             <a:r>
               <a:t>Click To Edit Master Title Style</a:t>
             </a:r>
@@ -523,7 +531,9 @@
       <p:sp>
         <p:nvSpPr>
           <p:cNvPr id="12" name="Body Level One…"/>
-          <p:cNvSpPr txBox="1"/>
+          <p:cNvSpPr txBox="1">
+            <a:spLocks noGrp="1"/>
+          </p:cNvSpPr>
           <p:nvPr>
             <p:ph type="body" sz="quarter" idx="1"/>
           </p:nvPr>
@@ -572,7 +582,6 @@
             </a:lvl5pPr>
           </a:lstStyle>
           <a:p>
-            <a:pPr/>
             <a:r>
               <a:t>Body Level One</a:t>
             </a:r>
@@ -606,7 +615,9 @@
       <p:sp>
         <p:nvSpPr>
           <p:cNvPr id="13" name="Slide Number"/>
-          <p:cNvSpPr txBox="1"/>
+          <p:cNvSpPr txBox="1">
+            <a:spLocks noGrp="1"/>
+          </p:cNvSpPr>
           <p:nvPr>
             <p:ph type="sldNum" sz="quarter" idx="2"/>
           </p:nvPr>
@@ -620,8 +631,10 @@
           <a:bodyPr/>
           <a:lstStyle/>
           <a:p>
-            <a:pPr/>
-            <a:fld id="{86CB4B4D-7CA3-9044-876B-883B54F8677D}" type="slidenum"/>
+            <a:fld id="{86CB4B4D-7CA3-9044-876B-883B54F8677D}" type="slidenum">
+              <a:t>‹#›</a:t>
+            </a:fld>
+            <a:endParaRPr/>
           </a:p>
         </p:txBody>
       </p:sp>
@@ -630,12 +643,12 @@
   <p:clrMapOvr>
     <a:masterClrMapping/>
   </p:clrMapOvr>
-  <p:transition xmlns:p14="http://schemas.microsoft.com/office/powerpoint/2010/main" spd="med" advClick="1"/>
+  <p:transition spd="med"/>
 </p:sldLayout>
 </file>
 
 <file path=ppt/slideLayouts/slideLayout10.xml><?xml version="1.0" encoding="utf-8"?>
-<p:sldLayout xmlns:a="http://schemas.openxmlformats.org/drawingml/2006/main" xmlns:r="http://schemas.openxmlformats.org/officeDocument/2006/relationships" xmlns:p="http://schemas.openxmlformats.org/presentationml/2006/main" xmlns:m="http://schemas.openxmlformats.org/officeDocument/2006/math" xmlns:a14="http://schemas.microsoft.com/office/drawing/2010/main" type="tx" showMasterSp="1" showMasterPhAnim="1">
+<p:sldLayout xmlns:a="http://schemas.openxmlformats.org/drawingml/2006/main" xmlns:r="http://schemas.openxmlformats.org/officeDocument/2006/relationships" xmlns:p="http://schemas.openxmlformats.org/presentationml/2006/main" type="tx">
   <p:cSld name="Custom Layout">
     <p:spTree>
       <p:nvGrpSpPr>
@@ -654,7 +667,9 @@
       <p:sp>
         <p:nvSpPr>
           <p:cNvPr id="92" name="Slide Number"/>
-          <p:cNvSpPr txBox="1"/>
+          <p:cNvSpPr txBox="1">
+            <a:spLocks noGrp="1"/>
+          </p:cNvSpPr>
           <p:nvPr>
             <p:ph type="sldNum" sz="quarter" idx="2"/>
           </p:nvPr>
@@ -668,8 +683,10 @@
           <a:bodyPr/>
           <a:lstStyle/>
           <a:p>
-            <a:pPr/>
-            <a:fld id="{86CB4B4D-7CA3-9044-876B-883B54F8677D}" type="slidenum"/>
+            <a:fld id="{86CB4B4D-7CA3-9044-876B-883B54F8677D}" type="slidenum">
+              <a:t>‹#›</a:t>
+            </a:fld>
+            <a:endParaRPr/>
           </a:p>
         </p:txBody>
       </p:sp>
@@ -678,12 +695,12 @@
   <p:clrMapOvr>
     <a:masterClrMapping/>
   </p:clrMapOvr>
-  <p:transition xmlns:p14="http://schemas.microsoft.com/office/powerpoint/2010/main" spd="med" advClick="1"/>
+  <p:transition spd="med"/>
 </p:sldLayout>
 </file>
 
 <file path=ppt/slideLayouts/slideLayout11.xml><?xml version="1.0" encoding="utf-8"?>
-<p:sldLayout xmlns:a="http://schemas.openxmlformats.org/drawingml/2006/main" xmlns:r="http://schemas.openxmlformats.org/officeDocument/2006/relationships" xmlns:p="http://schemas.openxmlformats.org/presentationml/2006/main" xmlns:m="http://schemas.openxmlformats.org/officeDocument/2006/math" xmlns:a14="http://schemas.microsoft.com/office/drawing/2010/main" type="tx" showMasterSp="1" showMasterPhAnim="1">
+<p:sldLayout xmlns:a="http://schemas.openxmlformats.org/drawingml/2006/main" xmlns:r="http://schemas.openxmlformats.org/officeDocument/2006/relationships" xmlns:p="http://schemas.openxmlformats.org/presentationml/2006/main" type="tx">
   <p:cSld name="Title, Content">
     <p:spTree>
       <p:nvGrpSpPr>
@@ -702,7 +719,9 @@
       <p:sp>
         <p:nvSpPr>
           <p:cNvPr id="99" name="Body Level One…"/>
-          <p:cNvSpPr txBox="1"/>
+          <p:cNvSpPr txBox="1">
+            <a:spLocks noGrp="1"/>
+          </p:cNvSpPr>
           <p:nvPr>
             <p:ph type="body" idx="1"/>
           </p:nvPr>
@@ -720,7 +739,6 @@
           <a:bodyPr lIns="0" tIns="0" rIns="0" bIns="0"/>
           <a:lstStyle/>
           <a:p>
-            <a:pPr/>
             <a:r>
               <a:t>Body Level One</a:t>
             </a:r>
@@ -754,7 +772,9 @@
       <p:sp>
         <p:nvSpPr>
           <p:cNvPr id="100" name="Title Text"/>
-          <p:cNvSpPr txBox="1"/>
+          <p:cNvSpPr txBox="1">
+            <a:spLocks noGrp="1"/>
+          </p:cNvSpPr>
           <p:nvPr>
             <p:ph type="title"/>
           </p:nvPr>
@@ -772,7 +792,6 @@
             </a:lvl1pPr>
           </a:lstStyle>
           <a:p>
-            <a:pPr/>
             <a:r>
               <a:t>Title Text</a:t>
             </a:r>
@@ -782,7 +801,9 @@
       <p:sp>
         <p:nvSpPr>
           <p:cNvPr id="101" name="Slide Number"/>
-          <p:cNvSpPr txBox="1"/>
+          <p:cNvSpPr txBox="1">
+            <a:spLocks noGrp="1"/>
+          </p:cNvSpPr>
           <p:nvPr>
             <p:ph type="sldNum" sz="quarter" idx="2"/>
           </p:nvPr>
@@ -796,8 +817,10 @@
           <a:bodyPr/>
           <a:lstStyle/>
           <a:p>
-            <a:pPr/>
-            <a:fld id="{86CB4B4D-7CA3-9044-876B-883B54F8677D}" type="slidenum"/>
+            <a:fld id="{86CB4B4D-7CA3-9044-876B-883B54F8677D}" type="slidenum">
+              <a:t>‹#›</a:t>
+            </a:fld>
+            <a:endParaRPr/>
           </a:p>
         </p:txBody>
       </p:sp>
@@ -806,12 +829,12 @@
   <p:clrMapOvr>
     <a:masterClrMapping/>
   </p:clrMapOvr>
-  <p:transition xmlns:p14="http://schemas.microsoft.com/office/powerpoint/2010/main" spd="med" advClick="1"/>
+  <p:transition spd="med"/>
 </p:sldLayout>
 </file>
 
 <file path=ppt/slideLayouts/slideLayout12.xml><?xml version="1.0" encoding="utf-8"?>
-<p:sldLayout xmlns:a="http://schemas.openxmlformats.org/drawingml/2006/main" xmlns:r="http://schemas.openxmlformats.org/officeDocument/2006/relationships" xmlns:p="http://schemas.openxmlformats.org/presentationml/2006/main" xmlns:m="http://schemas.openxmlformats.org/officeDocument/2006/math" xmlns:a14="http://schemas.microsoft.com/office/drawing/2010/main" type="tx" showMasterSp="1" showMasterPhAnim="1">
+<p:sldLayout xmlns:a="http://schemas.openxmlformats.org/drawingml/2006/main" xmlns:r="http://schemas.openxmlformats.org/officeDocument/2006/relationships" xmlns:p="http://schemas.openxmlformats.org/presentationml/2006/main" type="tx">
   <p:cSld name="Title Slide">
     <p:spTree>
       <p:nvGrpSpPr>
@@ -830,7 +853,9 @@
       <p:sp>
         <p:nvSpPr>
           <p:cNvPr id="108" name="Slide Number"/>
-          <p:cNvSpPr txBox="1"/>
+          <p:cNvSpPr txBox="1">
+            <a:spLocks noGrp="1"/>
+          </p:cNvSpPr>
           <p:nvPr>
             <p:ph type="sldNum" sz="quarter" idx="2"/>
           </p:nvPr>
@@ -848,8 +873,10 @@
           <a:bodyPr/>
           <a:lstStyle/>
           <a:p>
-            <a:pPr/>
-            <a:fld id="{86CB4B4D-7CA3-9044-876B-883B54F8677D}" type="slidenum"/>
+            <a:fld id="{86CB4B4D-7CA3-9044-876B-883B54F8677D}" type="slidenum">
+              <a:t>‹#›</a:t>
+            </a:fld>
+            <a:endParaRPr/>
           </a:p>
         </p:txBody>
       </p:sp>
@@ -858,12 +885,12 @@
   <p:clrMapOvr>
     <a:masterClrMapping/>
   </p:clrMapOvr>
-  <p:transition xmlns:p14="http://schemas.microsoft.com/office/powerpoint/2010/main" spd="med" advClick="1"/>
+  <p:transition spd="med"/>
 </p:sldLayout>
 </file>
 
 <file path=ppt/slideLayouts/slideLayout13.xml><?xml version="1.0" encoding="utf-8"?>
-<p:sldLayout xmlns:a="http://schemas.openxmlformats.org/drawingml/2006/main" xmlns:r="http://schemas.openxmlformats.org/officeDocument/2006/relationships" xmlns:p="http://schemas.openxmlformats.org/presentationml/2006/main" xmlns:m="http://schemas.openxmlformats.org/officeDocument/2006/math" xmlns:a14="http://schemas.microsoft.com/office/drawing/2010/main" type="tx" showMasterSp="1" showMasterPhAnim="1">
+<p:sldLayout xmlns:a="http://schemas.openxmlformats.org/drawingml/2006/main" xmlns:r="http://schemas.openxmlformats.org/officeDocument/2006/relationships" xmlns:p="http://schemas.openxmlformats.org/presentationml/2006/main" type="tx">
   <p:cSld name="1_Title Slide">
     <p:spTree>
       <p:nvGrpSpPr>
@@ -882,7 +909,9 @@
       <p:sp>
         <p:nvSpPr>
           <p:cNvPr id="115" name="Body Level One…"/>
-          <p:cNvSpPr txBox="1"/>
+          <p:cNvSpPr txBox="1">
+            <a:spLocks noGrp="1"/>
+          </p:cNvSpPr>
           <p:nvPr>
             <p:ph type="body" sz="half" idx="1"/>
           </p:nvPr>
@@ -922,7 +951,6 @@
             </a:lvl5pPr>
           </a:lstStyle>
           <a:p>
-            <a:pPr/>
             <a:r>
               <a:t>Body Level One</a:t>
             </a:r>
@@ -956,7 +984,9 @@
       <p:sp>
         <p:nvSpPr>
           <p:cNvPr id="116" name="Text Placeholder 5"/>
-          <p:cNvSpPr/>
+          <p:cNvSpPr>
+            <a:spLocks noGrp="1"/>
+          </p:cNvSpPr>
           <p:nvPr>
             <p:ph type="body" sz="quarter" idx="21"/>
           </p:nvPr>
@@ -985,13 +1015,16 @@
                 <a:sym typeface="Arial"/>
               </a:defRPr>
             </a:pPr>
+            <a:endParaRPr/>
           </a:p>
         </p:txBody>
       </p:sp>
       <p:sp>
         <p:nvSpPr>
           <p:cNvPr id="117" name="Slide Number"/>
-          <p:cNvSpPr txBox="1"/>
+          <p:cNvSpPr txBox="1">
+            <a:spLocks noGrp="1"/>
+          </p:cNvSpPr>
           <p:nvPr>
             <p:ph type="sldNum" sz="quarter" idx="2"/>
           </p:nvPr>
@@ -1009,8 +1042,10 @@
           <a:bodyPr/>
           <a:lstStyle/>
           <a:p>
-            <a:pPr/>
-            <a:fld id="{86CB4B4D-7CA3-9044-876B-883B54F8677D}" type="slidenum"/>
+            <a:fld id="{86CB4B4D-7CA3-9044-876B-883B54F8677D}" type="slidenum">
+              <a:t>‹#›</a:t>
+            </a:fld>
+            <a:endParaRPr/>
           </a:p>
         </p:txBody>
       </p:sp>
@@ -1019,12 +1054,12 @@
   <p:clrMapOvr>
     <a:masterClrMapping/>
   </p:clrMapOvr>
-  <p:transition xmlns:p14="http://schemas.microsoft.com/office/powerpoint/2010/main" spd="med" advClick="1"/>
+  <p:transition spd="med"/>
 </p:sldLayout>
 </file>
 
 <file path=ppt/slideLayouts/slideLayout2.xml><?xml version="1.0" encoding="utf-8"?>
-<p:sldLayout xmlns:a="http://schemas.openxmlformats.org/drawingml/2006/main" xmlns:r="http://schemas.openxmlformats.org/officeDocument/2006/relationships" xmlns:p="http://schemas.openxmlformats.org/presentationml/2006/main" xmlns:m="http://schemas.openxmlformats.org/officeDocument/2006/math" xmlns:a14="http://schemas.microsoft.com/office/drawing/2010/main" type="tx" showMasterSp="1" showMasterPhAnim="1">
+<p:sldLayout xmlns:a="http://schemas.openxmlformats.org/drawingml/2006/main" xmlns:r="http://schemas.openxmlformats.org/officeDocument/2006/relationships" xmlns:p="http://schemas.openxmlformats.org/presentationml/2006/main" type="tx">
   <p:cSld name="Title and Content">
     <p:spTree>
       <p:nvGrpSpPr>
@@ -1043,7 +1078,9 @@
       <p:sp>
         <p:nvSpPr>
           <p:cNvPr id="20" name="Click To Edit Master Title Style"/>
-          <p:cNvSpPr txBox="1"/>
+          <p:cNvSpPr txBox="1">
+            <a:spLocks noGrp="1"/>
+          </p:cNvSpPr>
           <p:nvPr>
             <p:ph type="title" hasCustomPrompt="1"/>
           </p:nvPr>
@@ -1057,7 +1094,6 @@
           <a:bodyPr/>
           <a:lstStyle/>
           <a:p>
-            <a:pPr/>
             <a:r>
               <a:t>Click To Edit Master Title Style</a:t>
             </a:r>
@@ -1067,7 +1103,9 @@
       <p:sp>
         <p:nvSpPr>
           <p:cNvPr id="21" name="Body Level One…"/>
-          <p:cNvSpPr txBox="1"/>
+          <p:cNvSpPr txBox="1">
+            <a:spLocks noGrp="1"/>
+          </p:cNvSpPr>
           <p:nvPr>
             <p:ph type="body" idx="1"/>
           </p:nvPr>
@@ -1081,7 +1119,6 @@
           <a:bodyPr/>
           <a:lstStyle/>
           <a:p>
-            <a:pPr/>
             <a:r>
               <a:t>Body Level One</a:t>
             </a:r>
@@ -1115,7 +1152,9 @@
       <p:sp>
         <p:nvSpPr>
           <p:cNvPr id="22" name="Slide Number"/>
-          <p:cNvSpPr txBox="1"/>
+          <p:cNvSpPr txBox="1">
+            <a:spLocks noGrp="1"/>
+          </p:cNvSpPr>
           <p:nvPr>
             <p:ph type="sldNum" sz="quarter" idx="2"/>
           </p:nvPr>
@@ -1129,8 +1168,10 @@
           <a:bodyPr/>
           <a:lstStyle/>
           <a:p>
-            <a:pPr/>
-            <a:fld id="{86CB4B4D-7CA3-9044-876B-883B54F8677D}" type="slidenum"/>
+            <a:fld id="{86CB4B4D-7CA3-9044-876B-883B54F8677D}" type="slidenum">
+              <a:t>‹#›</a:t>
+            </a:fld>
+            <a:endParaRPr/>
           </a:p>
         </p:txBody>
       </p:sp>
@@ -1139,12 +1180,12 @@
   <p:clrMapOvr>
     <a:masterClrMapping/>
   </p:clrMapOvr>
-  <p:transition xmlns:p14="http://schemas.microsoft.com/office/powerpoint/2010/main" spd="med" advClick="1"/>
+  <p:transition spd="med"/>
 </p:sldLayout>
 </file>
 
 <file path=ppt/slideLayouts/slideLayout3.xml><?xml version="1.0" encoding="utf-8"?>
-<p:sldLayout xmlns:a="http://schemas.openxmlformats.org/drawingml/2006/main" xmlns:r="http://schemas.openxmlformats.org/officeDocument/2006/relationships" xmlns:p="http://schemas.openxmlformats.org/presentationml/2006/main" xmlns:m="http://schemas.openxmlformats.org/officeDocument/2006/math" xmlns:a14="http://schemas.microsoft.com/office/drawing/2010/main" type="tx" showMasterSp="1" showMasterPhAnim="1">
+<p:sldLayout xmlns:a="http://schemas.openxmlformats.org/drawingml/2006/main" xmlns:r="http://schemas.openxmlformats.org/officeDocument/2006/relationships" xmlns:p="http://schemas.openxmlformats.org/presentationml/2006/main" type="tx">
   <p:cSld name="Section Header">
     <p:spTree>
       <p:nvGrpSpPr>
@@ -1163,7 +1204,9 @@
       <p:sp>
         <p:nvSpPr>
           <p:cNvPr id="29" name="Click To Edit Master Title Style"/>
-          <p:cNvSpPr txBox="1"/>
+          <p:cNvSpPr txBox="1">
+            <a:spLocks noGrp="1"/>
+          </p:cNvSpPr>
           <p:nvPr>
             <p:ph type="title" hasCustomPrompt="1"/>
           </p:nvPr>
@@ -1185,7 +1228,6 @@
             </a:lvl1pPr>
           </a:lstStyle>
           <a:p>
-            <a:pPr/>
             <a:r>
               <a:t>Click To Edit Master Title Style</a:t>
             </a:r>
@@ -1195,7 +1237,9 @@
       <p:sp>
         <p:nvSpPr>
           <p:cNvPr id="30" name="Body Level One…"/>
-          <p:cNvSpPr txBox="1"/>
+          <p:cNvSpPr txBox="1">
+            <a:spLocks noGrp="1"/>
+          </p:cNvSpPr>
           <p:nvPr>
             <p:ph type="body" sz="quarter" idx="1"/>
           </p:nvPr>
@@ -1264,7 +1308,6 @@
             </a:lvl5pPr>
           </a:lstStyle>
           <a:p>
-            <a:pPr/>
             <a:r>
               <a:t>Body Level One</a:t>
             </a:r>
@@ -1298,7 +1341,9 @@
       <p:sp>
         <p:nvSpPr>
           <p:cNvPr id="31" name="Slide Number"/>
-          <p:cNvSpPr txBox="1"/>
+          <p:cNvSpPr txBox="1">
+            <a:spLocks noGrp="1"/>
+          </p:cNvSpPr>
           <p:nvPr>
             <p:ph type="sldNum" sz="quarter" idx="2"/>
           </p:nvPr>
@@ -1312,8 +1357,10 @@
           <a:bodyPr/>
           <a:lstStyle/>
           <a:p>
-            <a:pPr/>
-            <a:fld id="{86CB4B4D-7CA3-9044-876B-883B54F8677D}" type="slidenum"/>
+            <a:fld id="{86CB4B4D-7CA3-9044-876B-883B54F8677D}" type="slidenum">
+              <a:t>‹#›</a:t>
+            </a:fld>
+            <a:endParaRPr/>
           </a:p>
         </p:txBody>
       </p:sp>
@@ -1322,12 +1369,12 @@
   <p:clrMapOvr>
     <a:masterClrMapping/>
   </p:clrMapOvr>
-  <p:transition xmlns:p14="http://schemas.microsoft.com/office/powerpoint/2010/main" spd="med" advClick="1"/>
+  <p:transition spd="med"/>
 </p:sldLayout>
 </file>
 
 <file path=ppt/slideLayouts/slideLayout4.xml><?xml version="1.0" encoding="utf-8"?>
-<p:sldLayout xmlns:a="http://schemas.openxmlformats.org/drawingml/2006/main" xmlns:r="http://schemas.openxmlformats.org/officeDocument/2006/relationships" xmlns:p="http://schemas.openxmlformats.org/presentationml/2006/main" xmlns:m="http://schemas.openxmlformats.org/officeDocument/2006/math" xmlns:a14="http://schemas.microsoft.com/office/drawing/2010/main" type="tx" showMasterSp="1" showMasterPhAnim="1">
+<p:sldLayout xmlns:a="http://schemas.openxmlformats.org/drawingml/2006/main" xmlns:r="http://schemas.openxmlformats.org/officeDocument/2006/relationships" xmlns:p="http://schemas.openxmlformats.org/presentationml/2006/main" type="tx">
   <p:cSld name="Two Content">
     <p:spTree>
       <p:nvGrpSpPr>
@@ -1346,7 +1393,9 @@
       <p:sp>
         <p:nvSpPr>
           <p:cNvPr id="38" name="Click To Edit Master Title Style"/>
-          <p:cNvSpPr txBox="1"/>
+          <p:cNvSpPr txBox="1">
+            <a:spLocks noGrp="1"/>
+          </p:cNvSpPr>
           <p:nvPr>
             <p:ph type="title" hasCustomPrompt="1"/>
           </p:nvPr>
@@ -1360,7 +1409,6 @@
           <a:bodyPr/>
           <a:lstStyle/>
           <a:p>
-            <a:pPr/>
             <a:r>
               <a:t>Click To Edit Master Title Style</a:t>
             </a:r>
@@ -1370,7 +1418,9 @@
       <p:sp>
         <p:nvSpPr>
           <p:cNvPr id="39" name="Body Level One…"/>
-          <p:cNvSpPr txBox="1"/>
+          <p:cNvSpPr txBox="1">
+            <a:spLocks noGrp="1"/>
+          </p:cNvSpPr>
           <p:nvPr>
             <p:ph type="body" sz="half" idx="1"/>
           </p:nvPr>
@@ -1388,7 +1438,6 @@
           <a:bodyPr/>
           <a:lstStyle/>
           <a:p>
-            <a:pPr/>
             <a:r>
               <a:t>Body Level One</a:t>
             </a:r>
@@ -1422,7 +1471,9 @@
       <p:sp>
         <p:nvSpPr>
           <p:cNvPr id="40" name="Slide Number"/>
-          <p:cNvSpPr txBox="1"/>
+          <p:cNvSpPr txBox="1">
+            <a:spLocks noGrp="1"/>
+          </p:cNvSpPr>
           <p:nvPr>
             <p:ph type="sldNum" sz="quarter" idx="2"/>
           </p:nvPr>
@@ -1436,8 +1487,10 @@
           <a:bodyPr/>
           <a:lstStyle/>
           <a:p>
-            <a:pPr/>
-            <a:fld id="{86CB4B4D-7CA3-9044-876B-883B54F8677D}" type="slidenum"/>
+            <a:fld id="{86CB4B4D-7CA3-9044-876B-883B54F8677D}" type="slidenum">
+              <a:t>‹#›</a:t>
+            </a:fld>
+            <a:endParaRPr/>
           </a:p>
         </p:txBody>
       </p:sp>
@@ -1446,12 +1499,12 @@
   <p:clrMapOvr>
     <a:masterClrMapping/>
   </p:clrMapOvr>
-  <p:transition xmlns:p14="http://schemas.microsoft.com/office/powerpoint/2010/main" spd="med" advClick="1"/>
+  <p:transition spd="med"/>
 </p:sldLayout>
 </file>
 
 <file path=ppt/slideLayouts/slideLayout5.xml><?xml version="1.0" encoding="utf-8"?>
-<p:sldLayout xmlns:a="http://schemas.openxmlformats.org/drawingml/2006/main" xmlns:r="http://schemas.openxmlformats.org/officeDocument/2006/relationships" xmlns:p="http://schemas.openxmlformats.org/presentationml/2006/main" xmlns:m="http://schemas.openxmlformats.org/officeDocument/2006/math" xmlns:a14="http://schemas.microsoft.com/office/drawing/2010/main" type="tx" showMasterSp="1" showMasterPhAnim="1">
+<p:sldLayout xmlns:a="http://schemas.openxmlformats.org/drawingml/2006/main" xmlns:r="http://schemas.openxmlformats.org/officeDocument/2006/relationships" xmlns:p="http://schemas.openxmlformats.org/presentationml/2006/main" type="tx">
   <p:cSld name="Comparison">
     <p:spTree>
       <p:nvGrpSpPr>
@@ -1470,7 +1523,9 @@
       <p:sp>
         <p:nvSpPr>
           <p:cNvPr id="47" name="Click To Edit Master Title Style"/>
-          <p:cNvSpPr txBox="1"/>
+          <p:cNvSpPr txBox="1">
+            <a:spLocks noGrp="1"/>
+          </p:cNvSpPr>
           <p:nvPr>
             <p:ph type="title" hasCustomPrompt="1"/>
           </p:nvPr>
@@ -1488,7 +1543,6 @@
           <a:bodyPr/>
           <a:lstStyle/>
           <a:p>
-            <a:pPr/>
             <a:r>
               <a:t>Click To Edit Master Title Style</a:t>
             </a:r>
@@ -1498,7 +1552,9 @@
       <p:sp>
         <p:nvSpPr>
           <p:cNvPr id="48" name="Body Level One…"/>
-          <p:cNvSpPr txBox="1"/>
+          <p:cNvSpPr txBox="1">
+            <a:spLocks noGrp="1"/>
+          </p:cNvSpPr>
           <p:nvPr>
             <p:ph type="body" sz="quarter" idx="1"/>
           </p:nvPr>
@@ -1519,35 +1575,34 @@
               <a:buSzTx/>
               <a:buFontTx/>
               <a:buNone/>
-              <a:defRPr b="1" sz="2400"/>
+              <a:defRPr sz="2400" b="1"/>
             </a:lvl1pPr>
             <a:lvl2pPr marL="0" indent="457200">
               <a:buSzTx/>
               <a:buFontTx/>
               <a:buNone/>
-              <a:defRPr b="1" sz="2400"/>
+              <a:defRPr sz="2400" b="1"/>
             </a:lvl2pPr>
             <a:lvl3pPr marL="0" indent="914400">
               <a:buSzTx/>
               <a:buFontTx/>
               <a:buNone/>
-              <a:defRPr b="1" sz="2400"/>
+              <a:defRPr sz="2400" b="1"/>
             </a:lvl3pPr>
             <a:lvl4pPr marL="0" indent="1371600">
               <a:buSzTx/>
               <a:buFontTx/>
               <a:buNone/>
-              <a:defRPr b="1" sz="2400"/>
+              <a:defRPr sz="2400" b="1"/>
             </a:lvl4pPr>
             <a:lvl5pPr marL="0" indent="1828800">
               <a:buSzTx/>
               <a:buFontTx/>
               <a:buNone/>
-              <a:defRPr b="1" sz="2400"/>
+              <a:defRPr sz="2400" b="1"/>
             </a:lvl5pPr>
           </a:lstStyle>
           <a:p>
-            <a:pPr/>
             <a:r>
               <a:t>Body Level One</a:t>
             </a:r>
@@ -1581,7 +1636,9 @@
       <p:sp>
         <p:nvSpPr>
           <p:cNvPr id="49" name="Text Placeholder 4"/>
-          <p:cNvSpPr/>
+          <p:cNvSpPr>
+            <a:spLocks noGrp="1"/>
+          </p:cNvSpPr>
           <p:nvPr>
             <p:ph type="body" sz="quarter" idx="21"/>
           </p:nvPr>
@@ -1603,15 +1660,18 @@
               <a:buSzTx/>
               <a:buFontTx/>
               <a:buNone/>
-              <a:defRPr b="1" sz="2400"/>
+              <a:defRPr sz="2400" b="1"/>
             </a:pPr>
+            <a:endParaRPr/>
           </a:p>
         </p:txBody>
       </p:sp>
       <p:sp>
         <p:nvSpPr>
           <p:cNvPr id="50" name="Slide Number"/>
-          <p:cNvSpPr txBox="1"/>
+          <p:cNvSpPr txBox="1">
+            <a:spLocks noGrp="1"/>
+          </p:cNvSpPr>
           <p:nvPr>
             <p:ph type="sldNum" sz="quarter" idx="2"/>
           </p:nvPr>
@@ -1625,8 +1685,10 @@
           <a:bodyPr/>
           <a:lstStyle/>
           <a:p>
-            <a:pPr/>
-            <a:fld id="{86CB4B4D-7CA3-9044-876B-883B54F8677D}" type="slidenum"/>
+            <a:fld id="{86CB4B4D-7CA3-9044-876B-883B54F8677D}" type="slidenum">
+              <a:t>‹#›</a:t>
+            </a:fld>
+            <a:endParaRPr/>
           </a:p>
         </p:txBody>
       </p:sp>
@@ -1635,12 +1697,12 @@
   <p:clrMapOvr>
     <a:masterClrMapping/>
   </p:clrMapOvr>
-  <p:transition xmlns:p14="http://schemas.microsoft.com/office/powerpoint/2010/main" spd="med" advClick="1"/>
+  <p:transition spd="med"/>
 </p:sldLayout>
 </file>
 
 <file path=ppt/slideLayouts/slideLayout6.xml><?xml version="1.0" encoding="utf-8"?>
-<p:sldLayout xmlns:a="http://schemas.openxmlformats.org/drawingml/2006/main" xmlns:r="http://schemas.openxmlformats.org/officeDocument/2006/relationships" xmlns:p="http://schemas.openxmlformats.org/presentationml/2006/main" xmlns:m="http://schemas.openxmlformats.org/officeDocument/2006/math" xmlns:a14="http://schemas.microsoft.com/office/drawing/2010/main" type="tx" showMasterSp="1" showMasterPhAnim="1">
+<p:sldLayout xmlns:a="http://schemas.openxmlformats.org/drawingml/2006/main" xmlns:r="http://schemas.openxmlformats.org/officeDocument/2006/relationships" xmlns:p="http://schemas.openxmlformats.org/presentationml/2006/main" type="tx">
   <p:cSld name="Title Only">
     <p:spTree>
       <p:nvGrpSpPr>
@@ -1659,7 +1721,9 @@
       <p:sp>
         <p:nvSpPr>
           <p:cNvPr id="57" name="Click To Edit Master Title Style"/>
-          <p:cNvSpPr txBox="1"/>
+          <p:cNvSpPr txBox="1">
+            <a:spLocks noGrp="1"/>
+          </p:cNvSpPr>
           <p:nvPr>
             <p:ph type="title" hasCustomPrompt="1"/>
           </p:nvPr>
@@ -1673,7 +1737,6 @@
           <a:bodyPr/>
           <a:lstStyle/>
           <a:p>
-            <a:pPr/>
             <a:r>
               <a:t>Click To Edit Master Title Style</a:t>
             </a:r>
@@ -1683,7 +1746,9 @@
       <p:sp>
         <p:nvSpPr>
           <p:cNvPr id="58" name="Slide Number"/>
-          <p:cNvSpPr txBox="1"/>
+          <p:cNvSpPr txBox="1">
+            <a:spLocks noGrp="1"/>
+          </p:cNvSpPr>
           <p:nvPr>
             <p:ph type="sldNum" sz="quarter" idx="2"/>
           </p:nvPr>
@@ -1697,8 +1762,10 @@
           <a:bodyPr/>
           <a:lstStyle/>
           <a:p>
-            <a:pPr/>
-            <a:fld id="{86CB4B4D-7CA3-9044-876B-883B54F8677D}" type="slidenum"/>
+            <a:fld id="{86CB4B4D-7CA3-9044-876B-883B54F8677D}" type="slidenum">
+              <a:t>‹#›</a:t>
+            </a:fld>
+            <a:endParaRPr/>
           </a:p>
         </p:txBody>
       </p:sp>
@@ -1707,12 +1774,12 @@
   <p:clrMapOvr>
     <a:masterClrMapping/>
   </p:clrMapOvr>
-  <p:transition xmlns:p14="http://schemas.microsoft.com/office/powerpoint/2010/main" spd="med" advClick="1"/>
+  <p:transition spd="med"/>
 </p:sldLayout>
 </file>
 
 <file path=ppt/slideLayouts/slideLayout7.xml><?xml version="1.0" encoding="utf-8"?>
-<p:sldLayout xmlns:a="http://schemas.openxmlformats.org/drawingml/2006/main" xmlns:r="http://schemas.openxmlformats.org/officeDocument/2006/relationships" xmlns:p="http://schemas.openxmlformats.org/presentationml/2006/main" xmlns:m="http://schemas.openxmlformats.org/officeDocument/2006/math" xmlns:a14="http://schemas.microsoft.com/office/drawing/2010/main" type="tx" showMasterSp="1" showMasterPhAnim="1">
+<p:sldLayout xmlns:a="http://schemas.openxmlformats.org/drawingml/2006/main" xmlns:r="http://schemas.openxmlformats.org/officeDocument/2006/relationships" xmlns:p="http://schemas.openxmlformats.org/presentationml/2006/main" type="tx">
   <p:cSld name="Blank">
     <p:spTree>
       <p:nvGrpSpPr>
@@ -1731,7 +1798,9 @@
       <p:sp>
         <p:nvSpPr>
           <p:cNvPr id="65" name="Slide Number"/>
-          <p:cNvSpPr txBox="1"/>
+          <p:cNvSpPr txBox="1">
+            <a:spLocks noGrp="1"/>
+          </p:cNvSpPr>
           <p:nvPr>
             <p:ph type="sldNum" sz="quarter" idx="2"/>
           </p:nvPr>
@@ -1745,8 +1814,10 @@
           <a:bodyPr/>
           <a:lstStyle/>
           <a:p>
-            <a:pPr/>
-            <a:fld id="{86CB4B4D-7CA3-9044-876B-883B54F8677D}" type="slidenum"/>
+            <a:fld id="{86CB4B4D-7CA3-9044-876B-883B54F8677D}" type="slidenum">
+              <a:t>‹#›</a:t>
+            </a:fld>
+            <a:endParaRPr/>
           </a:p>
         </p:txBody>
       </p:sp>
@@ -1755,12 +1826,12 @@
   <p:clrMapOvr>
     <a:masterClrMapping/>
   </p:clrMapOvr>
-  <p:transition xmlns:p14="http://schemas.microsoft.com/office/powerpoint/2010/main" spd="med" advClick="1"/>
+  <p:transition spd="med"/>
 </p:sldLayout>
 </file>
 
 <file path=ppt/slideLayouts/slideLayout8.xml><?xml version="1.0" encoding="utf-8"?>
-<p:sldLayout xmlns:a="http://schemas.openxmlformats.org/drawingml/2006/main" xmlns:r="http://schemas.openxmlformats.org/officeDocument/2006/relationships" xmlns:p="http://schemas.openxmlformats.org/presentationml/2006/main" xmlns:m="http://schemas.openxmlformats.org/officeDocument/2006/math" xmlns:a14="http://schemas.microsoft.com/office/drawing/2010/main" type="tx" showMasterSp="1" showMasterPhAnim="1">
+<p:sldLayout xmlns:a="http://schemas.openxmlformats.org/drawingml/2006/main" xmlns:r="http://schemas.openxmlformats.org/officeDocument/2006/relationships" xmlns:p="http://schemas.openxmlformats.org/presentationml/2006/main" type="tx">
   <p:cSld name="Content with Caption">
     <p:spTree>
       <p:nvGrpSpPr>
@@ -1779,7 +1850,9 @@
       <p:sp>
         <p:nvSpPr>
           <p:cNvPr id="72" name="Click To Edit Master Title Style"/>
-          <p:cNvSpPr txBox="1"/>
+          <p:cNvSpPr txBox="1">
+            <a:spLocks noGrp="1"/>
+          </p:cNvSpPr>
           <p:nvPr>
             <p:ph type="title" hasCustomPrompt="1"/>
           </p:nvPr>
@@ -1801,7 +1874,6 @@
             </a:lvl1pPr>
           </a:lstStyle>
           <a:p>
-            <a:pPr/>
             <a:r>
               <a:t>Click To Edit Master Title Style</a:t>
             </a:r>
@@ -1811,7 +1883,9 @@
       <p:sp>
         <p:nvSpPr>
           <p:cNvPr id="73" name="Body Level One…"/>
-          <p:cNvSpPr txBox="1"/>
+          <p:cNvSpPr txBox="1">
+            <a:spLocks noGrp="1"/>
+          </p:cNvSpPr>
           <p:nvPr>
             <p:ph type="body" sz="half" idx="1"/>
           </p:nvPr>
@@ -1845,7 +1919,6 @@
             </a:lvl5pPr>
           </a:lstStyle>
           <a:p>
-            <a:pPr/>
             <a:r>
               <a:t>Body Level One</a:t>
             </a:r>
@@ -1879,7 +1952,9 @@
       <p:sp>
         <p:nvSpPr>
           <p:cNvPr id="74" name="Text Placeholder 3"/>
-          <p:cNvSpPr/>
+          <p:cNvSpPr>
+            <a:spLocks noGrp="1"/>
+          </p:cNvSpPr>
           <p:nvPr>
             <p:ph type="body" sz="quarter" idx="21"/>
           </p:nvPr>
@@ -1903,13 +1978,16 @@
               <a:buNone/>
               <a:defRPr sz="1600"/>
             </a:pPr>
+            <a:endParaRPr/>
           </a:p>
         </p:txBody>
       </p:sp>
       <p:sp>
         <p:nvSpPr>
           <p:cNvPr id="75" name="Slide Number"/>
-          <p:cNvSpPr txBox="1"/>
+          <p:cNvSpPr txBox="1">
+            <a:spLocks noGrp="1"/>
+          </p:cNvSpPr>
           <p:nvPr>
             <p:ph type="sldNum" sz="quarter" idx="2"/>
           </p:nvPr>
@@ -1923,8 +2001,10 @@
           <a:bodyPr/>
           <a:lstStyle/>
           <a:p>
-            <a:pPr/>
-            <a:fld id="{86CB4B4D-7CA3-9044-876B-883B54F8677D}" type="slidenum"/>
+            <a:fld id="{86CB4B4D-7CA3-9044-876B-883B54F8677D}" type="slidenum">
+              <a:t>‹#›</a:t>
+            </a:fld>
+            <a:endParaRPr/>
           </a:p>
         </p:txBody>
       </p:sp>
@@ -1933,12 +2013,12 @@
   <p:clrMapOvr>
     <a:masterClrMapping/>
   </p:clrMapOvr>
-  <p:transition xmlns:p14="http://schemas.microsoft.com/office/powerpoint/2010/main" spd="med" advClick="1"/>
+  <p:transition spd="med"/>
 </p:sldLayout>
 </file>
 
 <file path=ppt/slideLayouts/slideLayout9.xml><?xml version="1.0" encoding="utf-8"?>
-<p:sldLayout xmlns:a="http://schemas.openxmlformats.org/drawingml/2006/main" xmlns:r="http://schemas.openxmlformats.org/officeDocument/2006/relationships" xmlns:p="http://schemas.openxmlformats.org/presentationml/2006/main" xmlns:m="http://schemas.openxmlformats.org/officeDocument/2006/math" xmlns:a14="http://schemas.microsoft.com/office/drawing/2010/main" type="tx" showMasterSp="1" showMasterPhAnim="1">
+<p:sldLayout xmlns:a="http://schemas.openxmlformats.org/drawingml/2006/main" xmlns:r="http://schemas.openxmlformats.org/officeDocument/2006/relationships" xmlns:p="http://schemas.openxmlformats.org/presentationml/2006/main" type="tx">
   <p:cSld name="Picture with Caption">
     <p:spTree>
       <p:nvGrpSpPr>
@@ -1957,7 +2037,9 @@
       <p:sp>
         <p:nvSpPr>
           <p:cNvPr id="82" name="Click To Edit Master Title Style"/>
-          <p:cNvSpPr txBox="1"/>
+          <p:cNvSpPr txBox="1">
+            <a:spLocks noGrp="1"/>
+          </p:cNvSpPr>
           <p:nvPr>
             <p:ph type="title" hasCustomPrompt="1"/>
           </p:nvPr>
@@ -1979,7 +2061,6 @@
             </a:lvl1pPr>
           </a:lstStyle>
           <a:p>
-            <a:pPr/>
             <a:r>
               <a:t>Click To Edit Master Title Style</a:t>
             </a:r>
@@ -1989,7 +2070,9 @@
       <p:sp>
         <p:nvSpPr>
           <p:cNvPr id="83" name="Picture Placeholder 2"/>
-          <p:cNvSpPr/>
+          <p:cNvSpPr>
+            <a:spLocks noGrp="1"/>
+          </p:cNvSpPr>
           <p:nvPr>
             <p:ph type="pic" sz="half" idx="21"/>
           </p:nvPr>
@@ -2009,14 +2092,16 @@
           </a:bodyPr>
           <a:lstStyle/>
           <a:p>
-            <a:pPr/>
+            <a:endParaRPr/>
           </a:p>
         </p:txBody>
       </p:sp>
       <p:sp>
         <p:nvSpPr>
           <p:cNvPr id="84" name="Body Level One…"/>
-          <p:cNvSpPr txBox="1"/>
+          <p:cNvSpPr txBox="1">
+            <a:spLocks noGrp="1"/>
+          </p:cNvSpPr>
           <p:nvPr>
             <p:ph type="body" sz="quarter" idx="1"/>
           </p:nvPr>
@@ -2065,7 +2150,6 @@
             </a:lvl5pPr>
           </a:lstStyle>
           <a:p>
-            <a:pPr/>
             <a:r>
               <a:t>Body Level One</a:t>
             </a:r>
@@ -2099,7 +2183,9 @@
       <p:sp>
         <p:nvSpPr>
           <p:cNvPr id="85" name="Slide Number"/>
-          <p:cNvSpPr txBox="1"/>
+          <p:cNvSpPr txBox="1">
+            <a:spLocks noGrp="1"/>
+          </p:cNvSpPr>
           <p:nvPr>
             <p:ph type="sldNum" sz="quarter" idx="2"/>
           </p:nvPr>
@@ -2113,8 +2199,10 @@
           <a:bodyPr/>
           <a:lstStyle/>
           <a:p>
-            <a:pPr/>
-            <a:fld id="{86CB4B4D-7CA3-9044-876B-883B54F8677D}" type="slidenum"/>
+            <a:fld id="{86CB4B4D-7CA3-9044-876B-883B54F8677D}" type="slidenum">
+              <a:t>‹#›</a:t>
+            </a:fld>
+            <a:endParaRPr/>
           </a:p>
         </p:txBody>
       </p:sp>
@@ -2123,18 +2211,19 @@
   <p:clrMapOvr>
     <a:masterClrMapping/>
   </p:clrMapOvr>
-  <p:transition xmlns:p14="http://schemas.microsoft.com/office/powerpoint/2010/main" spd="med" advClick="1"/>
+  <p:transition spd="med"/>
 </p:sldLayout>
 </file>
 
 <file path=ppt/slideMasters/slideMaster1.xml><?xml version="1.0" encoding="utf-8"?>
-<p:sldMaster xmlns:a="http://schemas.openxmlformats.org/drawingml/2006/main" xmlns:r="http://schemas.openxmlformats.org/officeDocument/2006/relationships" xmlns:p="http://schemas.openxmlformats.org/presentationml/2006/main" xmlns:m="http://schemas.openxmlformats.org/officeDocument/2006/math" xmlns:a14="http://schemas.microsoft.com/office/drawing/2010/main">
+<p:sldMaster xmlns:a="http://schemas.openxmlformats.org/drawingml/2006/main" xmlns:r="http://schemas.openxmlformats.org/officeDocument/2006/relationships" xmlns:p="http://schemas.openxmlformats.org/presentationml/2006/main">
   <p:cSld>
     <p:bg>
       <p:bgPr>
         <a:solidFill>
           <a:srgbClr val="FFFFFF"/>
         </a:solidFill>
+        <a:effectLst/>
       </p:bgPr>
     </p:bg>
     <p:spTree>
@@ -2154,7 +2243,9 @@
       <p:sp>
         <p:nvSpPr>
           <p:cNvPr id="2" name="Click To Edit Master Title Style"/>
-          <p:cNvSpPr txBox="1"/>
+          <p:cNvSpPr txBox="1">
+            <a:spLocks noGrp="1"/>
+          </p:cNvSpPr>
           <p:nvPr>
             <p:ph type="title" hasCustomPrompt="1"/>
           </p:nvPr>
@@ -2172,17 +2263,16 @@
           </a:ln>
           <a:extLst>
             <a:ext uri="{C572A759-6A51-4108-AA02-DFA0A04FC94B}">
-              <ma14:wrappingTextBoxFlag xmlns:ma14="http://schemas.microsoft.com/office/mac/drawingml/2011/main" val="1"/>
+              <ma14:wrappingTextBoxFlag xmlns:ma14="http://schemas.microsoft.com/office/mac/drawingml/2011/main" xmlns:a14="http://schemas.microsoft.com/office/drawing/2010/main" xmlns:m="http://schemas.openxmlformats.org/officeDocument/2006/math" xmlns="" val="1"/>
             </a:ext>
           </a:extLst>
         </p:spPr>
         <p:txBody>
           <a:bodyPr lIns="45719" rIns="45719" anchor="ctr">
-            <a:normAutofit fontScale="100000" lnSpcReduction="0"/>
+            <a:normAutofit/>
           </a:bodyPr>
           <a:lstStyle/>
           <a:p>
-            <a:pPr/>
             <a:r>
               <a:t>Click To Edit Master Title Style</a:t>
             </a:r>
@@ -2192,7 +2282,9 @@
       <p:sp>
         <p:nvSpPr>
           <p:cNvPr id="3" name="Body Level One…"/>
-          <p:cNvSpPr txBox="1"/>
+          <p:cNvSpPr txBox="1">
+            <a:spLocks noGrp="1"/>
+          </p:cNvSpPr>
           <p:nvPr>
             <p:ph type="body" idx="1"/>
           </p:nvPr>
@@ -2210,17 +2302,16 @@
           </a:ln>
           <a:extLst>
             <a:ext uri="{C572A759-6A51-4108-AA02-DFA0A04FC94B}">
-              <ma14:wrappingTextBoxFlag xmlns:ma14="http://schemas.microsoft.com/office/mac/drawingml/2011/main" val="1"/>
+              <ma14:wrappingTextBoxFlag xmlns:ma14="http://schemas.microsoft.com/office/mac/drawingml/2011/main" xmlns:a14="http://schemas.microsoft.com/office/drawing/2010/main" xmlns:m="http://schemas.openxmlformats.org/officeDocument/2006/math" xmlns="" val="1"/>
             </a:ext>
           </a:extLst>
         </p:spPr>
         <p:txBody>
           <a:bodyPr lIns="45719" rIns="45719">
-            <a:normAutofit fontScale="100000" lnSpcReduction="0"/>
+            <a:normAutofit/>
           </a:bodyPr>
           <a:lstStyle/>
           <a:p>
-            <a:pPr/>
             <a:r>
               <a:t>Body Level One</a:t>
             </a:r>
@@ -2254,7 +2345,9 @@
       <p:sp>
         <p:nvSpPr>
           <p:cNvPr id="4" name="Slide Number"/>
-          <p:cNvSpPr txBox="1"/>
+          <p:cNvSpPr txBox="1">
+            <a:spLocks noGrp="1"/>
+          </p:cNvSpPr>
           <p:nvPr>
             <p:ph type="sldNum" sz="quarter" idx="2"/>
           </p:nvPr>
@@ -2285,8 +2378,10 @@
             </a:lvl1pPr>
           </a:lstStyle>
           <a:p>
-            <a:pPr/>
-            <a:fld id="{86CB4B4D-7CA3-9044-876B-883B54F8677D}" type="slidenum"/>
+            <a:fld id="{86CB4B4D-7CA3-9044-876B-883B54F8677D}" type="slidenum">
+              <a:t>‹#›</a:t>
+            </a:fld>
+            <a:endParaRPr/>
           </a:p>
         </p:txBody>
       </p:sp>
@@ -2294,21 +2389,21 @@
   </p:cSld>
   <p:clrMap bg1="lt1" tx1="dk1" bg2="lt2" tx2="dk2" accent1="accent1" accent2="accent2" accent3="accent3" accent4="accent4" accent5="accent5" accent6="accent6" hlink="hlink" folHlink="folHlink"/>
   <p:sldLayoutIdLst>
-    <p:sldLayoutId id="2147483649" r:id="rId2"/>
-    <p:sldLayoutId id="2147483650" r:id="rId3"/>
-    <p:sldLayoutId id="2147483651" r:id="rId4"/>
-    <p:sldLayoutId id="2147483652" r:id="rId5"/>
-    <p:sldLayoutId id="2147483653" r:id="rId6"/>
-    <p:sldLayoutId id="2147483654" r:id="rId7"/>
-    <p:sldLayoutId id="2147483655" r:id="rId8"/>
-    <p:sldLayoutId id="2147483656" r:id="rId9"/>
-    <p:sldLayoutId id="2147483657" r:id="rId10"/>
-    <p:sldLayoutId id="2147483658" r:id="rId11"/>
-    <p:sldLayoutId id="2147483659" r:id="rId12"/>
-    <p:sldLayoutId id="2147483660" r:id="rId13"/>
-    <p:sldLayoutId id="2147483661" r:id="rId14"/>
+    <p:sldLayoutId id="2147483649" r:id="rId1"/>
+    <p:sldLayoutId id="2147483650" r:id="rId2"/>
+    <p:sldLayoutId id="2147483651" r:id="rId3"/>
+    <p:sldLayoutId id="2147483652" r:id="rId4"/>
+    <p:sldLayoutId id="2147483653" r:id="rId5"/>
+    <p:sldLayoutId id="2147483654" r:id="rId6"/>
+    <p:sldLayoutId id="2147483655" r:id="rId7"/>
+    <p:sldLayoutId id="2147483656" r:id="rId8"/>
+    <p:sldLayoutId id="2147483657" r:id="rId9"/>
+    <p:sldLayoutId id="2147483658" r:id="rId10"/>
+    <p:sldLayoutId id="2147483659" r:id="rId11"/>
+    <p:sldLayoutId id="2147483660" r:id="rId12"/>
+    <p:sldLayoutId id="2147483661" r:id="rId13"/>
   </p:sldLayoutIdLst>
-  <p:transition xmlns:p14="http://schemas.microsoft.com/office/powerpoint/2010/main" spd="med" advClick="1"/>
+  <p:transition spd="med"/>
   <p:txStyles>
     <p:titleStyle>
       <a:lvl1pPr marL="0" marR="0" indent="0" algn="ctr" defTabSz="914400" rtl="0" latinLnBrk="0">
@@ -2326,7 +2421,7 @@
         <a:buFontTx/>
         <a:buNone/>
         <a:tabLst/>
-        <a:defRPr b="1" baseline="0" cap="none" i="0" spc="0" strike="noStrike" sz="4400" u="none">
+        <a:defRPr sz="4400" b="1" i="0" u="none" strike="noStrike" cap="none" spc="0" baseline="0">
           <a:solidFill>
             <a:srgbClr val="000000"/>
           </a:solidFill>
@@ -2352,7 +2447,7 @@
         <a:buFontTx/>
         <a:buNone/>
         <a:tabLst/>
-        <a:defRPr b="1" baseline="0" cap="none" i="0" spc="0" strike="noStrike" sz="4400" u="none">
+        <a:defRPr sz="4400" b="1" i="0" u="none" strike="noStrike" cap="none" spc="0" baseline="0">
           <a:solidFill>
             <a:srgbClr val="000000"/>
           </a:solidFill>
@@ -2378,7 +2473,7 @@
         <a:buFontTx/>
         <a:buNone/>
         <a:tabLst/>
-        <a:defRPr b="1" baseline="0" cap="none" i="0" spc="0" strike="noStrike" sz="4400" u="none">
+        <a:defRPr sz="4400" b="1" i="0" u="none" strike="noStrike" cap="none" spc="0" baseline="0">
           <a:solidFill>
             <a:srgbClr val="000000"/>
           </a:solidFill>
@@ -2404,7 +2499,7 @@
         <a:buFontTx/>
         <a:buNone/>
         <a:tabLst/>
-        <a:defRPr b="1" baseline="0" cap="none" i="0" spc="0" strike="noStrike" sz="4400" u="none">
+        <a:defRPr sz="4400" b="1" i="0" u="none" strike="noStrike" cap="none" spc="0" baseline="0">
           <a:solidFill>
             <a:srgbClr val="000000"/>
           </a:solidFill>
@@ -2430,7 +2525,7 @@
         <a:buFontTx/>
         <a:buNone/>
         <a:tabLst/>
-        <a:defRPr b="1" baseline="0" cap="none" i="0" spc="0" strike="noStrike" sz="4400" u="none">
+        <a:defRPr sz="4400" b="1" i="0" u="none" strike="noStrike" cap="none" spc="0" baseline="0">
           <a:solidFill>
             <a:srgbClr val="000000"/>
           </a:solidFill>
@@ -2456,7 +2551,7 @@
         <a:buFontTx/>
         <a:buNone/>
         <a:tabLst/>
-        <a:defRPr b="1" baseline="0" cap="none" i="0" spc="0" strike="noStrike" sz="4400" u="none">
+        <a:defRPr sz="4400" b="1" i="0" u="none" strike="noStrike" cap="none" spc="0" baseline="0">
           <a:solidFill>
             <a:srgbClr val="000000"/>
           </a:solidFill>
@@ -2482,7 +2577,7 @@
         <a:buFontTx/>
         <a:buNone/>
         <a:tabLst/>
-        <a:defRPr b="1" baseline="0" cap="none" i="0" spc="0" strike="noStrike" sz="4400" u="none">
+        <a:defRPr sz="4400" b="1" i="0" u="none" strike="noStrike" cap="none" spc="0" baseline="0">
           <a:solidFill>
             <a:srgbClr val="000000"/>
           </a:solidFill>
@@ -2508,7 +2603,7 @@
         <a:buFontTx/>
         <a:buNone/>
         <a:tabLst/>
-        <a:defRPr b="1" baseline="0" cap="none" i="0" spc="0" strike="noStrike" sz="4400" u="none">
+        <a:defRPr sz="4400" b="1" i="0" u="none" strike="noStrike" cap="none" spc="0" baseline="0">
           <a:solidFill>
             <a:srgbClr val="000000"/>
           </a:solidFill>
@@ -2534,7 +2629,7 @@
         <a:buFontTx/>
         <a:buNone/>
         <a:tabLst/>
-        <a:defRPr b="1" baseline="0" cap="none" i="0" spc="0" strike="noStrike" sz="4400" u="none">
+        <a:defRPr sz="4400" b="1" i="0" u="none" strike="noStrike" cap="none" spc="0" baseline="0">
           <a:solidFill>
             <a:srgbClr val="000000"/>
           </a:solidFill>
@@ -2562,7 +2657,7 @@
         <a:buFont typeface="Arial"/>
         <a:buChar char="•"/>
         <a:tabLst/>
-        <a:defRPr b="0" baseline="0" cap="none" i="0" spc="0" strike="noStrike" sz="2800" u="none">
+        <a:defRPr sz="2800" b="0" i="0" u="none" strike="noStrike" cap="none" spc="0" baseline="0">
           <a:solidFill>
             <a:srgbClr val="000000"/>
           </a:solidFill>
@@ -2588,7 +2683,7 @@
         <a:buFont typeface="Arial"/>
         <a:buChar char="•"/>
         <a:tabLst/>
-        <a:defRPr b="0" baseline="0" cap="none" i="0" spc="0" strike="noStrike" sz="2800" u="none">
+        <a:defRPr sz="2800" b="0" i="0" u="none" strike="noStrike" cap="none" spc="0" baseline="0">
           <a:solidFill>
             <a:srgbClr val="000000"/>
           </a:solidFill>
@@ -2614,7 +2709,7 @@
         <a:buFont typeface="Arial"/>
         <a:buChar char="•"/>
         <a:tabLst/>
-        <a:defRPr b="0" baseline="0" cap="none" i="0" spc="0" strike="noStrike" sz="2800" u="none">
+        <a:defRPr sz="2800" b="0" i="0" u="none" strike="noStrike" cap="none" spc="0" baseline="0">
           <a:solidFill>
             <a:srgbClr val="000000"/>
           </a:solidFill>
@@ -2640,7 +2735,7 @@
         <a:buFont typeface="Arial"/>
         <a:buChar char="•"/>
         <a:tabLst/>
-        <a:defRPr b="0" baseline="0" cap="none" i="0" spc="0" strike="noStrike" sz="2800" u="none">
+        <a:defRPr sz="2800" b="0" i="0" u="none" strike="noStrike" cap="none" spc="0" baseline="0">
           <a:solidFill>
             <a:srgbClr val="000000"/>
           </a:solidFill>
@@ -2666,7 +2761,7 @@
         <a:buFont typeface="Arial"/>
         <a:buChar char="•"/>
         <a:tabLst/>
-        <a:defRPr b="0" baseline="0" cap="none" i="0" spc="0" strike="noStrike" sz="2800" u="none">
+        <a:defRPr sz="2800" b="0" i="0" u="none" strike="noStrike" cap="none" spc="0" baseline="0">
           <a:solidFill>
             <a:srgbClr val="000000"/>
           </a:solidFill>
@@ -2692,7 +2787,7 @@
         <a:buFont typeface="Arial"/>
         <a:buChar char="•"/>
         <a:tabLst/>
-        <a:defRPr b="0" baseline="0" cap="none" i="0" spc="0" strike="noStrike" sz="2800" u="none">
+        <a:defRPr sz="2800" b="0" i="0" u="none" strike="noStrike" cap="none" spc="0" baseline="0">
           <a:solidFill>
             <a:srgbClr val="000000"/>
           </a:solidFill>
@@ -2718,7 +2813,7 @@
         <a:buFont typeface="Arial"/>
         <a:buChar char="•"/>
         <a:tabLst/>
-        <a:defRPr b="0" baseline="0" cap="none" i="0" spc="0" strike="noStrike" sz="2800" u="none">
+        <a:defRPr sz="2800" b="0" i="0" u="none" strike="noStrike" cap="none" spc="0" baseline="0">
           <a:solidFill>
             <a:srgbClr val="000000"/>
           </a:solidFill>
@@ -2744,7 +2839,7 @@
         <a:buFont typeface="Arial"/>
         <a:buChar char="•"/>
         <a:tabLst/>
-        <a:defRPr b="0" baseline="0" cap="none" i="0" spc="0" strike="noStrike" sz="2800" u="none">
+        <a:defRPr sz="2800" b="0" i="0" u="none" strike="noStrike" cap="none" spc="0" baseline="0">
           <a:solidFill>
             <a:srgbClr val="000000"/>
           </a:solidFill>
@@ -2770,7 +2865,7 @@
         <a:buFont typeface="Arial"/>
         <a:buChar char="•"/>
         <a:tabLst/>
-        <a:defRPr b="0" baseline="0" cap="none" i="0" spc="0" strike="noStrike" sz="2800" u="none">
+        <a:defRPr sz="2800" b="0" i="0" u="none" strike="noStrike" cap="none" spc="0" baseline="0">
           <a:solidFill>
             <a:srgbClr val="000000"/>
           </a:solidFill>
@@ -2798,7 +2893,7 @@
         <a:buFontTx/>
         <a:buNone/>
         <a:tabLst/>
-        <a:defRPr b="0" baseline="0" cap="none" i="0" spc="0" strike="noStrike" sz="1200" u="none">
+        <a:defRPr sz="1200" b="0" i="0" u="none" strike="noStrike" cap="none" spc="0" baseline="0">
           <a:solidFill>
             <a:schemeClr val="tx1"/>
           </a:solidFill>
@@ -2824,7 +2919,7 @@
         <a:buFontTx/>
         <a:buNone/>
         <a:tabLst/>
-        <a:defRPr b="0" baseline="0" cap="none" i="0" spc="0" strike="noStrike" sz="1200" u="none">
+        <a:defRPr sz="1200" b="0" i="0" u="none" strike="noStrike" cap="none" spc="0" baseline="0">
           <a:solidFill>
             <a:schemeClr val="tx1"/>
           </a:solidFill>
@@ -2850,7 +2945,7 @@
         <a:buFontTx/>
         <a:buNone/>
         <a:tabLst/>
-        <a:defRPr b="0" baseline="0" cap="none" i="0" spc="0" strike="noStrike" sz="1200" u="none">
+        <a:defRPr sz="1200" b="0" i="0" u="none" strike="noStrike" cap="none" spc="0" baseline="0">
           <a:solidFill>
             <a:schemeClr val="tx1"/>
           </a:solidFill>
@@ -2876,7 +2971,7 @@
         <a:buFontTx/>
         <a:buNone/>
         <a:tabLst/>
-        <a:defRPr b="0" baseline="0" cap="none" i="0" spc="0" strike="noStrike" sz="1200" u="none">
+        <a:defRPr sz="1200" b="0" i="0" u="none" strike="noStrike" cap="none" spc="0" baseline="0">
           <a:solidFill>
             <a:schemeClr val="tx1"/>
           </a:solidFill>
@@ -2902,7 +2997,7 @@
         <a:buFontTx/>
         <a:buNone/>
         <a:tabLst/>
-        <a:defRPr b="0" baseline="0" cap="none" i="0" spc="0" strike="noStrike" sz="1200" u="none">
+        <a:defRPr sz="1200" b="0" i="0" u="none" strike="noStrike" cap="none" spc="0" baseline="0">
           <a:solidFill>
             <a:schemeClr val="tx1"/>
           </a:solidFill>
@@ -2928,7 +3023,7 @@
         <a:buFontTx/>
         <a:buNone/>
         <a:tabLst/>
-        <a:defRPr b="0" baseline="0" cap="none" i="0" spc="0" strike="noStrike" sz="1200" u="none">
+        <a:defRPr sz="1200" b="0" i="0" u="none" strike="noStrike" cap="none" spc="0" baseline="0">
           <a:solidFill>
             <a:schemeClr val="tx1"/>
           </a:solidFill>
@@ -2954,7 +3049,7 @@
         <a:buFontTx/>
         <a:buNone/>
         <a:tabLst/>
-        <a:defRPr b="0" baseline="0" cap="none" i="0" spc="0" strike="noStrike" sz="1200" u="none">
+        <a:defRPr sz="1200" b="0" i="0" u="none" strike="noStrike" cap="none" spc="0" baseline="0">
           <a:solidFill>
             <a:schemeClr val="tx1"/>
           </a:solidFill>
@@ -2980,7 +3075,7 @@
         <a:buFontTx/>
         <a:buNone/>
         <a:tabLst/>
-        <a:defRPr b="0" baseline="0" cap="none" i="0" spc="0" strike="noStrike" sz="1200" u="none">
+        <a:defRPr sz="1200" b="0" i="0" u="none" strike="noStrike" cap="none" spc="0" baseline="0">
           <a:solidFill>
             <a:schemeClr val="tx1"/>
           </a:solidFill>
@@ -3006,7 +3101,7 @@
         <a:buFontTx/>
         <a:buNone/>
         <a:tabLst/>
-        <a:defRPr b="0" baseline="0" cap="none" i="0" spc="0" strike="noStrike" sz="1200" u="none">
+        <a:defRPr sz="1200" b="0" i="0" u="none" strike="noStrike" cap="none" spc="0" baseline="0">
           <a:solidFill>
             <a:schemeClr val="tx1"/>
           </a:solidFill>
@@ -3023,7 +3118,7 @@
 </file>
 
 <file path=ppt/slides/slide1.xml><?xml version="1.0" encoding="utf-8"?>
-<p:sld xmlns:a="http://schemas.openxmlformats.org/drawingml/2006/main" xmlns:r="http://schemas.openxmlformats.org/officeDocument/2006/relationships" xmlns:p="http://schemas.openxmlformats.org/presentationml/2006/main" xmlns:m="http://schemas.openxmlformats.org/officeDocument/2006/math" xmlns:a14="http://schemas.microsoft.com/office/drawing/2010/main" showMasterSp="1" showMasterPhAnim="1">
+<p:sld xmlns:a="http://schemas.openxmlformats.org/drawingml/2006/main" xmlns:r="http://schemas.openxmlformats.org/officeDocument/2006/relationships" xmlns:p="http://schemas.openxmlformats.org/presentationml/2006/main">
   <p:cSld>
     <p:spTree>
       <p:nvGrpSpPr>
@@ -3042,7 +3137,9 @@
       <p:sp>
         <p:nvSpPr>
           <p:cNvPr id="126" name="Content Placeholder 1"/>
-          <p:cNvSpPr txBox="1"/>
+          <p:cNvSpPr txBox="1">
+            <a:spLocks noGrp="1"/>
+          </p:cNvSpPr>
           <p:nvPr>
             <p:ph type="body" sz="half" idx="1"/>
           </p:nvPr>
@@ -3071,7 +3168,6 @@
             </a:lvl1pPr>
           </a:lstStyle>
           <a:p>
-            <a:pPr/>
             <a:r>
               <a:t>Creating AI-Generated Content</a:t>
             </a:r>
@@ -3081,7 +3177,9 @@
       <p:sp>
         <p:nvSpPr>
           <p:cNvPr id="127" name="Text Placeholder 2"/>
-          <p:cNvSpPr/>
+          <p:cNvSpPr>
+            <a:spLocks noGrp="1"/>
+          </p:cNvSpPr>
           <p:nvPr>
             <p:ph type="body" idx="21"/>
           </p:nvPr>
@@ -3106,13 +3204,16 @@
                 <a:sym typeface="Arial"/>
               </a:defRPr>
             </a:pPr>
+            <a:endParaRPr/>
           </a:p>
         </p:txBody>
       </p:sp>
       <p:sp>
         <p:nvSpPr>
           <p:cNvPr id="128" name="Slide Number"/>
-          <p:cNvSpPr txBox="1"/>
+          <p:cNvSpPr txBox="1">
+            <a:spLocks noGrp="1"/>
+          </p:cNvSpPr>
           <p:nvPr>
             <p:ph type="sldNum" sz="quarter" idx="2"/>
           </p:nvPr>
@@ -3123,7 +3224,7 @@
           </a:prstGeom>
           <a:extLst>
             <a:ext uri="{C572A759-6A51-4108-AA02-DFA0A04FC94B}">
-              <ma14:wrappingTextBoxFlag xmlns:ma14="http://schemas.microsoft.com/office/mac/drawingml/2011/main" val="1"/>
+              <ma14:wrappingTextBoxFlag xmlns:ma14="http://schemas.microsoft.com/office/mac/drawingml/2011/main" xmlns:a14="http://schemas.microsoft.com/office/drawing/2010/main" xmlns:m="http://schemas.openxmlformats.org/officeDocument/2006/math" xmlns="" val="1"/>
             </a:ext>
           </a:extLst>
         </p:spPr>
@@ -3131,8 +3232,10 @@
           <a:bodyPr/>
           <a:lstStyle/>
           <a:p>
-            <a:pPr/>
-            <a:fld id="{86CB4B4D-7CA3-9044-876B-883B54F8677D}" type="slidenum"/>
+            <a:fld id="{86CB4B4D-7CA3-9044-876B-883B54F8677D}" type="slidenum">
+              <a:t>1</a:t>
+            </a:fld>
+            <a:endParaRPr/>
           </a:p>
         </p:txBody>
       </p:sp>
@@ -3141,1476 +3244,12 @@
   <p:clrMapOvr>
     <a:masterClrMapping/>
   </p:clrMapOvr>
-  <p:transition xmlns:p14="http://schemas.microsoft.com/office/powerpoint/2010/main" spd="med" advClick="1"/>
+  <p:transition spd="med"/>
 </p:sld>
 </file>
 
-<file path=ppt/slides/slide2.xml><?xml version="1.0" encoding="utf-8"?>
-<p:sld xmlns:a="http://schemas.openxmlformats.org/drawingml/2006/main" xmlns:r="http://schemas.openxmlformats.org/officeDocument/2006/relationships" xmlns:p="http://schemas.openxmlformats.org/presentationml/2006/main" xmlns:m="http://schemas.openxmlformats.org/officeDocument/2006/math" xmlns:a14="http://schemas.microsoft.com/office/drawing/2010/main" showMasterSp="1" showMasterPhAnim="1">
-  <p:cSld>
-    <p:spTree>
-      <p:nvGrpSpPr>
-        <p:cNvPr id="1" name=""/>
-        <p:cNvGrpSpPr/>
-        <p:nvPr/>
-      </p:nvGrpSpPr>
-      <p:grpSpPr>
-        <a:xfrm>
-          <a:off x="0" y="0"/>
-          <a:ext cx="0" cy="0"/>
-          <a:chOff x="0" y="0"/>
-          <a:chExt cx="0" cy="0"/>
-        </a:xfrm>
-      </p:grpSpPr>
-      <p:sp>
-        <p:nvSpPr>
-          <p:cNvPr id="130" name="Title 1"/>
-          <p:cNvSpPr txBox="1"/>
-          <p:nvPr>
-            <p:ph type="title"/>
-          </p:nvPr>
-        </p:nvSpPr>
-        <p:spPr>
-          <a:xfrm>
-            <a:off x="1480483" y="365125"/>
-            <a:ext cx="9873317" cy="1325563"/>
-          </a:xfrm>
-          <a:prstGeom prst="rect">
-            <a:avLst/>
-          </a:prstGeom>
-        </p:spPr>
-        <p:txBody>
-          <a:bodyPr/>
-          <a:lstStyle/>
-          <a:p>
-            <a:pPr/>
-            <a:r>
-              <a:t>Best Practices for Generating AI Content</a:t>
-            </a:r>
-          </a:p>
-        </p:txBody>
-      </p:sp>
-      <p:sp>
-        <p:nvSpPr>
-          <p:cNvPr id="131" name="Content Placeholder 2"/>
-          <p:cNvSpPr txBox="1"/>
-          <p:nvPr>
-            <p:ph type="body" idx="1"/>
-          </p:nvPr>
-        </p:nvSpPr>
-        <p:spPr>
-          <a:xfrm>
-            <a:off x="3177279" y="1817491"/>
-            <a:ext cx="8852186" cy="5214806"/>
-          </a:xfrm>
-          <a:prstGeom prst="rect">
-            <a:avLst/>
-          </a:prstGeom>
-        </p:spPr>
-        <p:txBody>
-          <a:bodyPr/>
-          <a:lstStyle/>
-          <a:p>
-            <a:pPr marL="457200" indent="-317500" defTabSz="457200">
-              <a:lnSpc>
-                <a:spcPct val="100000"/>
-              </a:lnSpc>
-              <a:spcBef>
-                <a:spcPts val="0"/>
-              </a:spcBef>
-              <a:buClr>
-                <a:srgbClr val="1F2328"/>
-              </a:buClr>
-              <a:buFont typeface="TimesNewRomanPSMT"/>
-              <a:buAutoNum type="arabicPeriod" startAt="1"/>
-              <a:defRPr sz="1800">
-                <a:solidFill>
-                  <a:srgbClr val="1F2328"/>
-                </a:solidFill>
-                <a:latin typeface="Helvetica Neue"/>
-                <a:ea typeface="Helvetica Neue"/>
-                <a:cs typeface="Helvetica Neue"/>
-                <a:sym typeface="Helvetica Neue"/>
-              </a:defRPr>
-            </a:pPr>
-            <a:r>
-              <a:rPr b="1">
-                <a:latin typeface="+mn-lt"/>
-                <a:ea typeface="+mn-ea"/>
-                <a:cs typeface="+mn-cs"/>
-                <a:sym typeface="Helvetica"/>
-              </a:rPr>
-              <a:t>Check for Accuracy</a:t>
-            </a:r>
-            <a:r>
-              <a:t>: Always review AI-generated content for factual accuracy and relevance.</a:t>
-            </a:r>
-          </a:p>
-          <a:p>
-            <a:pPr marL="457200" indent="-317500" defTabSz="457200">
-              <a:lnSpc>
-                <a:spcPct val="100000"/>
-              </a:lnSpc>
-              <a:spcBef>
-                <a:spcPts val="0"/>
-              </a:spcBef>
-              <a:buClr>
-                <a:srgbClr val="1F2328"/>
-              </a:buClr>
-              <a:buFont typeface="TimesNewRomanPSMT"/>
-              <a:buAutoNum type="arabicPeriod" startAt="1"/>
-              <a:defRPr sz="1800">
-                <a:solidFill>
-                  <a:srgbClr val="1F2328"/>
-                </a:solidFill>
-                <a:latin typeface="Helvetica Neue"/>
-                <a:ea typeface="Helvetica Neue"/>
-                <a:cs typeface="Helvetica Neue"/>
-                <a:sym typeface="Helvetica Neue"/>
-              </a:defRPr>
-            </a:pPr>
-            <a:r>
-              <a:rPr b="1">
-                <a:latin typeface="+mn-lt"/>
-                <a:ea typeface="+mn-ea"/>
-                <a:cs typeface="+mn-cs"/>
-                <a:sym typeface="Helvetica"/>
-              </a:rPr>
-              <a:t>Be Specific</a:t>
-            </a:r>
-            <a:r>
-              <a:t>: Clearly define the content type, audience, and purpose when prompting the AI.</a:t>
-            </a:r>
-          </a:p>
-          <a:p>
-            <a:pPr marL="457200" indent="-317500" defTabSz="457200">
-              <a:lnSpc>
-                <a:spcPct val="100000"/>
-              </a:lnSpc>
-              <a:spcBef>
-                <a:spcPts val="0"/>
-              </a:spcBef>
-              <a:buClr>
-                <a:srgbClr val="1F2328"/>
-              </a:buClr>
-              <a:buFont typeface="TimesNewRomanPSMT"/>
-              <a:buAutoNum type="arabicPeriod" startAt="1"/>
-              <a:defRPr sz="1800">
-                <a:solidFill>
-                  <a:srgbClr val="1F2328"/>
-                </a:solidFill>
-                <a:latin typeface="Helvetica Neue"/>
-                <a:ea typeface="Helvetica Neue"/>
-                <a:cs typeface="Helvetica Neue"/>
-                <a:sym typeface="Helvetica Neue"/>
-              </a:defRPr>
-            </a:pPr>
-            <a:r>
-              <a:rPr b="1">
-                <a:latin typeface="+mn-lt"/>
-                <a:ea typeface="+mn-ea"/>
-                <a:cs typeface="+mn-cs"/>
-                <a:sym typeface="Helvetica"/>
-              </a:rPr>
-              <a:t>Iterate and Refine</a:t>
-            </a:r>
-            <a:r>
-              <a:t>: Use iterative prompts to refine the generated content. Start broad and narrow down specifics.</a:t>
-            </a:r>
-          </a:p>
-          <a:p>
-            <a:pPr marL="457200" indent="-317500" defTabSz="457200">
-              <a:lnSpc>
-                <a:spcPct val="100000"/>
-              </a:lnSpc>
-              <a:spcBef>
-                <a:spcPts val="0"/>
-              </a:spcBef>
-              <a:buClr>
-                <a:srgbClr val="1F2328"/>
-              </a:buClr>
-              <a:buFont typeface="TimesNewRomanPSMT"/>
-              <a:buAutoNum type="arabicPeriod" startAt="1"/>
-              <a:defRPr sz="1800">
-                <a:solidFill>
-                  <a:srgbClr val="1F2328"/>
-                </a:solidFill>
-                <a:latin typeface="Helvetica Neue"/>
-                <a:ea typeface="Helvetica Neue"/>
-                <a:cs typeface="Helvetica Neue"/>
-                <a:sym typeface="Helvetica Neue"/>
-              </a:defRPr>
-            </a:pPr>
-            <a:r>
-              <a:rPr b="1">
-                <a:latin typeface="+mn-lt"/>
-                <a:ea typeface="+mn-ea"/>
-                <a:cs typeface="+mn-cs"/>
-                <a:sym typeface="Helvetica"/>
-              </a:rPr>
-              <a:t>Provide Context</a:t>
-            </a:r>
-            <a:r>
-              <a:t>: Give the AI relevant context to generate more accurate and relevant content.</a:t>
-            </a:r>
-          </a:p>
-          <a:p>
-            <a:pPr marL="457200" indent="-317500" defTabSz="457200">
-              <a:lnSpc>
-                <a:spcPct val="100000"/>
-              </a:lnSpc>
-              <a:spcBef>
-                <a:spcPts val="0"/>
-              </a:spcBef>
-              <a:buClr>
-                <a:srgbClr val="1F2328"/>
-              </a:buClr>
-              <a:buFont typeface="TimesNewRomanPSMT"/>
-              <a:buAutoNum type="arabicPeriod" startAt="1"/>
-              <a:defRPr sz="1800">
-                <a:solidFill>
-                  <a:srgbClr val="1F2328"/>
-                </a:solidFill>
-                <a:latin typeface="Helvetica Neue"/>
-                <a:ea typeface="Helvetica Neue"/>
-                <a:cs typeface="Helvetica Neue"/>
-                <a:sym typeface="Helvetica Neue"/>
-              </a:defRPr>
-            </a:pPr>
-            <a:r>
-              <a:rPr b="1">
-                <a:latin typeface="+mn-lt"/>
-                <a:ea typeface="+mn-ea"/>
-                <a:cs typeface="+mn-cs"/>
-                <a:sym typeface="Helvetica"/>
-              </a:rPr>
-              <a:t>Use Multiple Services</a:t>
-            </a:r>
-            <a:r>
-              <a:t>: Use a combination of tools to leverage different strengths and capabilities, such as google searching for existing scripts or repositories, images, or prompts for AI to generate content or using a text generating model to build a better prompt for image generating.</a:t>
-            </a:r>
-          </a:p>
-          <a:p>
-            <a:pPr marL="457200" indent="-317500" defTabSz="457200">
-              <a:lnSpc>
-                <a:spcPct val="100000"/>
-              </a:lnSpc>
-              <a:spcBef>
-                <a:spcPts val="0"/>
-              </a:spcBef>
-              <a:buClr>
-                <a:srgbClr val="1F2328"/>
-              </a:buClr>
-              <a:buFont typeface="TimesNewRomanPSMT"/>
-              <a:buAutoNum type="arabicPeriod" startAt="1"/>
-              <a:defRPr sz="1800">
-                <a:solidFill>
-                  <a:srgbClr val="1F2328"/>
-                </a:solidFill>
-                <a:latin typeface="Helvetica Neue"/>
-                <a:ea typeface="Helvetica Neue"/>
-                <a:cs typeface="Helvetica Neue"/>
-                <a:sym typeface="Helvetica Neue"/>
-              </a:defRPr>
-            </a:pPr>
-            <a:r>
-              <a:rPr b="1">
-                <a:latin typeface="+mn-lt"/>
-                <a:ea typeface="+mn-ea"/>
-                <a:cs typeface="+mn-cs"/>
-                <a:sym typeface="Helvetica"/>
-              </a:rPr>
-              <a:t>Remind AI of Constraints</a:t>
-            </a:r>
-            <a:r>
-              <a:t>: If there are specific requirements or constraints, remind the AI in the prompt. For example, word count limits, tone, or style guidelines. Ask it not to be lazy and take it step by step.</a:t>
-            </a:r>
-          </a:p>
-          <a:p>
-            <a:pPr marL="457200" indent="-317500" defTabSz="457200">
-              <a:lnSpc>
-                <a:spcPct val="100000"/>
-              </a:lnSpc>
-              <a:spcBef>
-                <a:spcPts val="0"/>
-              </a:spcBef>
-              <a:buClr>
-                <a:srgbClr val="1F2328"/>
-              </a:buClr>
-              <a:buFont typeface="TimesNewRomanPSMT"/>
-              <a:buAutoNum type="arabicPeriod" startAt="1"/>
-              <a:defRPr sz="1800">
-                <a:solidFill>
-                  <a:srgbClr val="1F2328"/>
-                </a:solidFill>
-                <a:latin typeface="Helvetica Neue"/>
-                <a:ea typeface="Helvetica Neue"/>
-                <a:cs typeface="Helvetica Neue"/>
-                <a:sym typeface="Helvetica Neue"/>
-              </a:defRPr>
-            </a:pPr>
-            <a:r>
-              <a:rPr b="1">
-                <a:latin typeface="+mn-lt"/>
-                <a:ea typeface="+mn-ea"/>
-                <a:cs typeface="+mn-cs"/>
-                <a:sym typeface="Helvetica"/>
-              </a:rPr>
-              <a:t>Make Templates</a:t>
-            </a:r>
-            <a:r>
-              <a:t>: Create templates with variables for common tasks to speed up the content generation process and maintain consistency.</a:t>
-            </a:r>
-          </a:p>
-        </p:txBody>
-      </p:sp>
-      <p:sp>
-        <p:nvSpPr>
-          <p:cNvPr id="132" name="Content Placeholder 2"/>
-          <p:cNvSpPr txBox="1"/>
-          <p:nvPr/>
-        </p:nvSpPr>
-        <p:spPr>
-          <a:xfrm>
-            <a:off x="49298" y="2054033"/>
-            <a:ext cx="3348332" cy="4351339"/>
-          </a:xfrm>
-          <a:prstGeom prst="rect">
-            <a:avLst/>
-          </a:prstGeom>
-          <a:ln w="12700">
-            <a:miter lim="400000"/>
-          </a:ln>
-          <a:extLst>
-            <a:ext uri="{C572A759-6A51-4108-AA02-DFA0A04FC94B}">
-              <ma14:wrappingTextBoxFlag xmlns:ma14="http://schemas.microsoft.com/office/mac/drawingml/2011/main" val="1"/>
-            </a:ext>
-          </a:extLst>
-        </p:spPr>
-        <p:txBody>
-          <a:bodyPr lIns="45719" rIns="45719">
-            <a:normAutofit fontScale="100000" lnSpcReduction="0"/>
-          </a:bodyPr>
-          <a:lstStyle/>
-          <a:p>
-            <a:pPr defTabSz="457200">
-              <a:spcBef>
-                <a:spcPts val="1600"/>
-              </a:spcBef>
-              <a:defRPr b="1" sz="2000">
-                <a:solidFill>
-                  <a:srgbClr val="1F2328"/>
-                </a:solidFill>
-                <a:latin typeface="Helvetica Neue"/>
-                <a:ea typeface="Helvetica Neue"/>
-                <a:cs typeface="Helvetica Neue"/>
-                <a:sym typeface="Helvetica Neue"/>
-              </a:defRPr>
-            </a:pPr>
-            <a:r>
-              <a:t>General Tips</a:t>
-            </a:r>
-          </a:p>
-          <a:p>
-            <a:pPr defTabSz="457200">
-              <a:defRPr sz="1600">
-                <a:solidFill>
-                  <a:srgbClr val="1F2328"/>
-                </a:solidFill>
-                <a:latin typeface="Helvetica Neue"/>
-                <a:ea typeface="Helvetica Neue"/>
-                <a:cs typeface="Helvetica Neue"/>
-                <a:sym typeface="Helvetica Neue"/>
-              </a:defRPr>
-            </a:pPr>
-          </a:p>
-          <a:p>
-            <a:pPr marL="457200" indent="-317500" defTabSz="457200">
-              <a:buClr>
-                <a:srgbClr val="1F2328"/>
-              </a:buClr>
-              <a:buSzPct val="100000"/>
-              <a:buFont typeface="TimesNewRomanPSMT"/>
-              <a:buAutoNum type="arabicPeriod" startAt="1"/>
-              <a:defRPr sz="1600">
-                <a:solidFill>
-                  <a:srgbClr val="1F2328"/>
-                </a:solidFill>
-                <a:latin typeface="Helvetica Neue"/>
-                <a:ea typeface="Helvetica Neue"/>
-                <a:cs typeface="Helvetica Neue"/>
-                <a:sym typeface="Helvetica Neue"/>
-              </a:defRPr>
-            </a:pPr>
-            <a:r>
-              <a:rPr b="1">
-                <a:latin typeface="+mn-lt"/>
-                <a:ea typeface="+mn-ea"/>
-                <a:cs typeface="+mn-cs"/>
-                <a:sym typeface="Helvetica"/>
-              </a:rPr>
-              <a:t>Check for Accuracy</a:t>
-            </a:r>
-            <a:endParaRPr b="1">
-              <a:latin typeface="+mn-lt"/>
-              <a:ea typeface="+mn-ea"/>
-              <a:cs typeface="+mn-cs"/>
-              <a:sym typeface="Helvetica"/>
-            </a:endParaRPr>
-          </a:p>
-          <a:p>
-            <a:pPr marL="457200" indent="-317500" defTabSz="457200">
-              <a:buClr>
-                <a:srgbClr val="1F2328"/>
-              </a:buClr>
-              <a:buSzPct val="100000"/>
-              <a:buFont typeface="TimesNewRomanPSMT"/>
-              <a:buAutoNum type="arabicPeriod" startAt="1"/>
-              <a:defRPr sz="1600">
-                <a:solidFill>
-                  <a:srgbClr val="0433FF"/>
-                </a:solidFill>
-                <a:latin typeface="Helvetica Neue"/>
-                <a:ea typeface="Helvetica Neue"/>
-                <a:cs typeface="Helvetica Neue"/>
-                <a:sym typeface="Helvetica Neue"/>
-              </a:defRPr>
-            </a:pPr>
-            <a:r>
-              <a:rPr b="1">
-                <a:latin typeface="+mn-lt"/>
-                <a:ea typeface="+mn-ea"/>
-                <a:cs typeface="+mn-cs"/>
-                <a:sym typeface="Helvetica"/>
-              </a:rPr>
-              <a:t>Be Specific</a:t>
-            </a:r>
-            <a:r>
-              <a:t>: </a:t>
-            </a:r>
-          </a:p>
-          <a:p>
-            <a:pPr marL="457200" indent="-317500" defTabSz="457200">
-              <a:buClr>
-                <a:srgbClr val="1F2328"/>
-              </a:buClr>
-              <a:buSzPct val="100000"/>
-              <a:buFont typeface="TimesNewRomanPSMT"/>
-              <a:buAutoNum type="arabicPeriod" startAt="1"/>
-              <a:defRPr sz="1600">
-                <a:solidFill>
-                  <a:srgbClr val="FF9300"/>
-                </a:solidFill>
-                <a:latin typeface="Helvetica Neue"/>
-                <a:ea typeface="Helvetica Neue"/>
-                <a:cs typeface="Helvetica Neue"/>
-                <a:sym typeface="Helvetica Neue"/>
-              </a:defRPr>
-            </a:pPr>
-            <a:r>
-              <a:rPr b="1">
-                <a:latin typeface="+mn-lt"/>
-                <a:ea typeface="+mn-ea"/>
-                <a:cs typeface="+mn-cs"/>
-                <a:sym typeface="Helvetica"/>
-              </a:rPr>
-              <a:t>Iterate and Refine</a:t>
-            </a:r>
-            <a:r>
-              <a:t>: </a:t>
-            </a:r>
-          </a:p>
-          <a:p>
-            <a:pPr marL="457200" indent="-317500" defTabSz="457200">
-              <a:buClr>
-                <a:srgbClr val="1F2328"/>
-              </a:buClr>
-              <a:buSzPct val="100000"/>
-              <a:buFont typeface="TimesNewRomanPSMT"/>
-              <a:buAutoNum type="arabicPeriod" startAt="1"/>
-              <a:defRPr sz="1600">
-                <a:solidFill>
-                  <a:srgbClr val="FF40FF"/>
-                </a:solidFill>
-                <a:latin typeface="Helvetica Neue"/>
-                <a:ea typeface="Helvetica Neue"/>
-                <a:cs typeface="Helvetica Neue"/>
-                <a:sym typeface="Helvetica Neue"/>
-              </a:defRPr>
-            </a:pPr>
-            <a:r>
-              <a:rPr b="1">
-                <a:latin typeface="+mn-lt"/>
-                <a:ea typeface="+mn-ea"/>
-                <a:cs typeface="+mn-cs"/>
-                <a:sym typeface="Helvetica"/>
-              </a:rPr>
-              <a:t>Provide Context</a:t>
-            </a:r>
-            <a:r>
-              <a:t>:</a:t>
-            </a:r>
-          </a:p>
-          <a:p>
-            <a:pPr marL="457200" indent="-317500" defTabSz="457200">
-              <a:buClr>
-                <a:srgbClr val="1F2328"/>
-              </a:buClr>
-              <a:buSzPct val="100000"/>
-              <a:buFont typeface="TimesNewRomanPSMT"/>
-              <a:buAutoNum type="arabicPeriod" startAt="1"/>
-              <a:defRPr sz="1600">
-                <a:solidFill>
-                  <a:srgbClr val="1F2328"/>
-                </a:solidFill>
-                <a:latin typeface="Helvetica Neue"/>
-                <a:ea typeface="Helvetica Neue"/>
-                <a:cs typeface="Helvetica Neue"/>
-                <a:sym typeface="Helvetica Neue"/>
-              </a:defRPr>
-            </a:pPr>
-            <a:r>
-              <a:rPr b="1">
-                <a:latin typeface="+mn-lt"/>
-                <a:ea typeface="+mn-ea"/>
-                <a:cs typeface="+mn-cs"/>
-                <a:sym typeface="Helvetica"/>
-              </a:rPr>
-              <a:t>Use Multiple Services</a:t>
-            </a:r>
-            <a:r>
-              <a:t>:</a:t>
-            </a:r>
-          </a:p>
-          <a:p>
-            <a:pPr marL="457200" indent="-317500" defTabSz="457200">
-              <a:buClr>
-                <a:srgbClr val="1F2328"/>
-              </a:buClr>
-              <a:buSzPct val="100000"/>
-              <a:buFont typeface="TimesNewRomanPSMT"/>
-              <a:buAutoNum type="arabicPeriod" startAt="1"/>
-              <a:defRPr sz="1600">
-                <a:solidFill>
-                  <a:srgbClr val="942192"/>
-                </a:solidFill>
-                <a:latin typeface="Helvetica Neue"/>
-                <a:ea typeface="Helvetica Neue"/>
-                <a:cs typeface="Helvetica Neue"/>
-                <a:sym typeface="Helvetica Neue"/>
-              </a:defRPr>
-            </a:pPr>
-            <a:r>
-              <a:rPr b="1">
-                <a:latin typeface="+mn-lt"/>
-                <a:ea typeface="+mn-ea"/>
-                <a:cs typeface="+mn-cs"/>
-                <a:sym typeface="Helvetica"/>
-              </a:rPr>
-              <a:t>Remind AI of Constraints</a:t>
-            </a:r>
-            <a:r>
-              <a:t>:</a:t>
-            </a:r>
-          </a:p>
-          <a:p>
-            <a:pPr marL="457200" indent="-317500" defTabSz="457200">
-              <a:buClr>
-                <a:srgbClr val="1F2328"/>
-              </a:buClr>
-              <a:buSzPct val="100000"/>
-              <a:buFont typeface="TimesNewRomanPSMT"/>
-              <a:buAutoNum type="arabicPeriod" startAt="1"/>
-              <a:defRPr sz="1600">
-                <a:solidFill>
-                  <a:srgbClr val="1F2328"/>
-                </a:solidFill>
-                <a:latin typeface="Helvetica Neue"/>
-                <a:ea typeface="Helvetica Neue"/>
-                <a:cs typeface="Helvetica Neue"/>
-                <a:sym typeface="Helvetica Neue"/>
-              </a:defRPr>
-            </a:pPr>
-            <a:r>
-              <a:rPr b="1">
-                <a:latin typeface="+mn-lt"/>
-                <a:ea typeface="+mn-ea"/>
-                <a:cs typeface="+mn-cs"/>
-                <a:sym typeface="Helvetica"/>
-              </a:rPr>
-              <a:t>Make Templates</a:t>
-            </a:r>
-            <a:r>
-              <a:t>:</a:t>
-            </a:r>
-          </a:p>
-        </p:txBody>
-      </p:sp>
-      <p:sp>
-        <p:nvSpPr>
-          <p:cNvPr id="133" name="Slide Number"/>
-          <p:cNvSpPr txBox="1"/>
-          <p:nvPr>
-            <p:ph type="sldNum" sz="quarter" idx="2"/>
-          </p:nvPr>
-        </p:nvSpPr>
-        <p:spPr>
-          <a:xfrm>
-            <a:off x="11172418" y="6414760"/>
-            <a:ext cx="181382" cy="248305"/>
-          </a:xfrm>
-          <a:prstGeom prst="rect">
-            <a:avLst/>
-          </a:prstGeom>
-          <a:extLst>
-            <a:ext uri="{C572A759-6A51-4108-AA02-DFA0A04FC94B}">
-              <ma14:wrappingTextBoxFlag xmlns:ma14="http://schemas.microsoft.com/office/mac/drawingml/2011/main" val="1"/>
-            </a:ext>
-          </a:extLst>
-        </p:spPr>
-        <p:txBody>
-          <a:bodyPr/>
-          <a:lstStyle/>
-          <a:p>
-            <a:pPr/>
-            <a:fld id="{86CB4B4D-7CA3-9044-876B-883B54F8677D}" type="slidenum"/>
-          </a:p>
-        </p:txBody>
-      </p:sp>
-    </p:spTree>
-  </p:cSld>
-  <p:clrMapOvr>
-    <a:masterClrMapping/>
-  </p:clrMapOvr>
-  <p:transition xmlns:p14="http://schemas.microsoft.com/office/powerpoint/2010/main" spd="med" advClick="1"/>
-</p:sld>
-</file>
-
-<file path=ppt/slides/slide3.xml><?xml version="1.0" encoding="utf-8"?>
-<p:sld xmlns:a="http://schemas.openxmlformats.org/drawingml/2006/main" xmlns:r="http://schemas.openxmlformats.org/officeDocument/2006/relationships" xmlns:p="http://schemas.openxmlformats.org/presentationml/2006/main" xmlns:m="http://schemas.openxmlformats.org/officeDocument/2006/math" xmlns:a14="http://schemas.microsoft.com/office/drawing/2010/main" showMasterSp="1" showMasterPhAnim="1">
-  <p:cSld>
-    <p:spTree>
-      <p:nvGrpSpPr>
-        <p:cNvPr id="1" name=""/>
-        <p:cNvGrpSpPr/>
-        <p:nvPr/>
-      </p:nvGrpSpPr>
-      <p:grpSpPr>
-        <a:xfrm>
-          <a:off x="0" y="0"/>
-          <a:ext cx="0" cy="0"/>
-          <a:chOff x="0" y="0"/>
-          <a:chExt cx="0" cy="0"/>
-        </a:xfrm>
-      </p:grpSpPr>
-      <p:sp>
-        <p:nvSpPr>
-          <p:cNvPr id="135" name="Example Prompt: Text Content"/>
-          <p:cNvSpPr txBox="1"/>
-          <p:nvPr>
-            <p:ph type="title"/>
-          </p:nvPr>
-        </p:nvSpPr>
-        <p:spPr>
-          <a:prstGeom prst="rect">
-            <a:avLst/>
-          </a:prstGeom>
-        </p:spPr>
-        <p:txBody>
-          <a:bodyPr/>
-          <a:lstStyle/>
-          <a:p>
-            <a:pPr/>
-            <a:r>
-              <a:rPr b="0"/>
-              <a:t>Example Prompt</a:t>
-            </a:r>
-            <a:r>
-              <a:t>: Text Content</a:t>
-            </a:r>
-          </a:p>
-        </p:txBody>
-      </p:sp>
-      <p:sp>
-        <p:nvSpPr>
-          <p:cNvPr id="136" name="Bad: &quot;Write an article about data privacy.&quot;…"/>
-          <p:cNvSpPr txBox="1"/>
-          <p:nvPr>
-            <p:ph type="body" idx="1"/>
-          </p:nvPr>
-        </p:nvSpPr>
-        <p:spPr>
-          <a:prstGeom prst="rect">
-            <a:avLst/>
-          </a:prstGeom>
-        </p:spPr>
-        <p:txBody>
-          <a:bodyPr/>
-          <a:lstStyle/>
-          <a:p>
-            <a:pPr>
-              <a:defRPr i="1" strike="sngStrike"/>
-            </a:pPr>
-            <a:r>
-              <a:t>Bad: "Write an article about data privacy."</a:t>
-            </a:r>
-          </a:p>
-          <a:p>
-            <a:pPr/>
-            <a:r>
-              <a:t>Better: "</a:t>
-            </a:r>
-            <a:r>
-              <a:rPr>
-                <a:solidFill>
-                  <a:srgbClr val="FF40FF"/>
-                </a:solidFill>
-              </a:rPr>
-              <a:t>You are an expert in cybersecurity, the audience is a new military soldier with minimal higher education</a:t>
-            </a:r>
-            <a:r>
-              <a:t>, </a:t>
-            </a:r>
-            <a:r>
-              <a:rPr>
-                <a:solidFill>
-                  <a:srgbClr val="942192"/>
-                </a:solidFill>
-              </a:rPr>
-              <a:t>don't be lazy with your processing, take it step by step first considering the task, analyzing the result, then writing</a:t>
-            </a:r>
-            <a:r>
-              <a:t>: </a:t>
-            </a:r>
-            <a:r>
-              <a:rPr>
-                <a:solidFill>
-                  <a:srgbClr val="0433FF"/>
-                </a:solidFill>
-              </a:rPr>
-              <a:t>Write a persuasive article that is at between 500 and 650 words about the importance of data privacy in the digital age for military families. Include examples of data breaches and their impact on individuals.</a:t>
-            </a:r>
-            <a:r>
-              <a:t>"</a:t>
-            </a:r>
-          </a:p>
-        </p:txBody>
-      </p:sp>
-      <p:sp>
-        <p:nvSpPr>
-          <p:cNvPr id="137" name="Slide Number"/>
-          <p:cNvSpPr txBox="1"/>
-          <p:nvPr>
-            <p:ph type="sldNum" sz="quarter" idx="2"/>
-          </p:nvPr>
-        </p:nvSpPr>
-        <p:spPr>
-          <a:xfrm>
-            <a:off x="11172418" y="6414760"/>
-            <a:ext cx="181382" cy="248305"/>
-          </a:xfrm>
-          <a:prstGeom prst="rect">
-            <a:avLst/>
-          </a:prstGeom>
-          <a:extLst>
-            <a:ext uri="{C572A759-6A51-4108-AA02-DFA0A04FC94B}">
-              <ma14:wrappingTextBoxFlag xmlns:ma14="http://schemas.microsoft.com/office/mac/drawingml/2011/main" val="1"/>
-            </a:ext>
-          </a:extLst>
-        </p:spPr>
-        <p:txBody>
-          <a:bodyPr/>
-          <a:lstStyle/>
-          <a:p>
-            <a:pPr/>
-            <a:fld id="{86CB4B4D-7CA3-9044-876B-883B54F8677D}" type="slidenum"/>
-          </a:p>
-        </p:txBody>
-      </p:sp>
-    </p:spTree>
-  </p:cSld>
-  <p:clrMapOvr>
-    <a:masterClrMapping/>
-  </p:clrMapOvr>
-  <p:transition xmlns:p14="http://schemas.microsoft.com/office/powerpoint/2010/main" spd="med" advClick="1"/>
-</p:sld>
-</file>
-
-<file path=ppt/slides/slide4.xml><?xml version="1.0" encoding="utf-8"?>
-<p:sld xmlns:a="http://schemas.openxmlformats.org/drawingml/2006/main" xmlns:r="http://schemas.openxmlformats.org/officeDocument/2006/relationships" xmlns:p="http://schemas.openxmlformats.org/presentationml/2006/main" xmlns:m="http://schemas.openxmlformats.org/officeDocument/2006/math" xmlns:a14="http://schemas.microsoft.com/office/drawing/2010/main" showMasterSp="1" showMasterPhAnim="1">
-  <p:cSld>
-    <p:spTree>
-      <p:nvGrpSpPr>
-        <p:cNvPr id="1" name=""/>
-        <p:cNvGrpSpPr/>
-        <p:nvPr/>
-      </p:nvGrpSpPr>
-      <p:grpSpPr>
-        <a:xfrm>
-          <a:off x="0" y="0"/>
-          <a:ext cx="0" cy="0"/>
-          <a:chOff x="0" y="0"/>
-          <a:chExt cx="0" cy="0"/>
-        </a:xfrm>
-      </p:grpSpPr>
-      <p:sp>
-        <p:nvSpPr>
-          <p:cNvPr id="139" name="Example Prompt: Image Content"/>
-          <p:cNvSpPr txBox="1"/>
-          <p:nvPr>
-            <p:ph type="title"/>
-          </p:nvPr>
-        </p:nvSpPr>
-        <p:spPr>
-          <a:prstGeom prst="rect">
-            <a:avLst/>
-          </a:prstGeom>
-        </p:spPr>
-        <p:txBody>
-          <a:bodyPr/>
-          <a:lstStyle/>
-          <a:p>
-            <a:pPr/>
-            <a:r>
-              <a:rPr b="0"/>
-              <a:t>Example Prompt</a:t>
-            </a:r>
-            <a:r>
-              <a:t>: Image Content</a:t>
-            </a:r>
-          </a:p>
-        </p:txBody>
-      </p:sp>
-      <p:sp>
-        <p:nvSpPr>
-          <p:cNvPr id="140" name="Bad: &quot;Design a logo for a nonprofit organization.&quot;…"/>
-          <p:cNvSpPr txBox="1"/>
-          <p:nvPr>
-            <p:ph type="body" idx="1"/>
-          </p:nvPr>
-        </p:nvSpPr>
-        <p:spPr>
-          <a:prstGeom prst="rect">
-            <a:avLst/>
-          </a:prstGeom>
-        </p:spPr>
-        <p:txBody>
-          <a:bodyPr/>
-          <a:lstStyle/>
-          <a:p>
-            <a:pPr marL="205739" indent="-205739" defTabSz="822959">
-              <a:spcBef>
-                <a:spcPts val="900"/>
-              </a:spcBef>
-              <a:defRPr i="1" strike="sngStrike" sz="2520"/>
-            </a:pPr>
-            <a:r>
-              <a:t>Bad: "Design a logo for a nonprofit organization."</a:t>
-            </a:r>
-          </a:p>
-          <a:p>
-            <a:pPr marL="205739" indent="-205739" defTabSz="822959">
-              <a:spcBef>
-                <a:spcPts val="900"/>
-              </a:spcBef>
-              <a:defRPr sz="2520"/>
-            </a:pPr>
-            <a:r>
-              <a:t>Better: "</a:t>
-            </a:r>
-            <a:r>
-              <a:rPr>
-                <a:solidFill>
-                  <a:srgbClr val="942192"/>
-                </a:solidFill>
-              </a:rPr>
-              <a:t>Don't be lazy, take it step by step</a:t>
-            </a:r>
-            <a:r>
-              <a:t>. </a:t>
-            </a:r>
-            <a:r>
-              <a:rPr>
-                <a:solidFill>
-                  <a:srgbClr val="FF40FF"/>
-                </a:solidFill>
-              </a:rPr>
-              <a:t>Imagine you are a seasoned graphic designer tasked with creating a logo for a nonprofit organization dedicated to environmental conservation.</a:t>
-            </a:r>
-            <a:r>
-              <a:t> </a:t>
-            </a:r>
-            <a:r>
-              <a:rPr>
-                <a:solidFill>
-                  <a:srgbClr val="0433FF"/>
-                </a:solidFill>
-              </a:rPr>
-              <a:t>The logo must represent the organization’s core mission and values, which emphasize sustainability, community involvement, and nature preservation.</a:t>
-            </a:r>
-            <a:r>
-              <a:t> </a:t>
-            </a:r>
-            <a:r>
-              <a:rPr>
-                <a:solidFill>
-                  <a:srgbClr val="0433FF"/>
-                </a:solidFill>
-              </a:rPr>
-              <a:t>Adhere strictly to the organization’s branding guidelines, using a color scheme of earthy greens and blues. Incorporate elements that symbolize nature (like leaves or the Earth), sustainability (such as a recycle symbol), and community (represented by interlinked hands or a network). The design should be simple but powerful, clearly conveying the organization’s commitment to environmental stewardship</a:t>
-            </a:r>
-            <a:r>
-              <a:t>"</a:t>
-            </a:r>
-          </a:p>
-        </p:txBody>
-      </p:sp>
-      <p:sp>
-        <p:nvSpPr>
-          <p:cNvPr id="141" name="Slide Number"/>
-          <p:cNvSpPr txBox="1"/>
-          <p:nvPr>
-            <p:ph type="sldNum" sz="quarter" idx="2"/>
-          </p:nvPr>
-        </p:nvSpPr>
-        <p:spPr>
-          <a:xfrm>
-            <a:off x="11172418" y="6414760"/>
-            <a:ext cx="181382" cy="248305"/>
-          </a:xfrm>
-          <a:prstGeom prst="rect">
-            <a:avLst/>
-          </a:prstGeom>
-          <a:extLst>
-            <a:ext uri="{C572A759-6A51-4108-AA02-DFA0A04FC94B}">
-              <ma14:wrappingTextBoxFlag xmlns:ma14="http://schemas.microsoft.com/office/mac/drawingml/2011/main" val="1"/>
-            </a:ext>
-          </a:extLst>
-        </p:spPr>
-        <p:txBody>
-          <a:bodyPr/>
-          <a:lstStyle/>
-          <a:p>
-            <a:pPr/>
-            <a:fld id="{86CB4B4D-7CA3-9044-876B-883B54F8677D}" type="slidenum"/>
-          </a:p>
-        </p:txBody>
-      </p:sp>
-    </p:spTree>
-  </p:cSld>
-  <p:clrMapOvr>
-    <a:masterClrMapping/>
-  </p:clrMapOvr>
-  <p:transition xmlns:p14="http://schemas.microsoft.com/office/powerpoint/2010/main" spd="med" advClick="1"/>
-</p:sld>
-</file>
-
-<file path=ppt/slides/slide5.xml><?xml version="1.0" encoding="utf-8"?>
-<p:sld xmlns:a="http://schemas.openxmlformats.org/drawingml/2006/main" xmlns:r="http://schemas.openxmlformats.org/officeDocument/2006/relationships" xmlns:p="http://schemas.openxmlformats.org/presentationml/2006/main" xmlns:m="http://schemas.openxmlformats.org/officeDocument/2006/math" xmlns:a14="http://schemas.microsoft.com/office/drawing/2010/main" showMasterSp="1" showMasterPhAnim="1">
-  <p:cSld>
-    <p:spTree>
-      <p:nvGrpSpPr>
-        <p:cNvPr id="1" name=""/>
-        <p:cNvGrpSpPr/>
-        <p:nvPr/>
-      </p:nvGrpSpPr>
-      <p:grpSpPr>
-        <a:xfrm>
-          <a:off x="0" y="0"/>
-          <a:ext cx="0" cy="0"/>
-          <a:chOff x="0" y="0"/>
-          <a:chExt cx="0" cy="0"/>
-        </a:xfrm>
-      </p:grpSpPr>
-      <p:sp>
-        <p:nvSpPr>
-          <p:cNvPr id="143" name="Example Prompt: Code Content"/>
-          <p:cNvSpPr txBox="1"/>
-          <p:nvPr>
-            <p:ph type="title"/>
-          </p:nvPr>
-        </p:nvSpPr>
-        <p:spPr>
-          <a:prstGeom prst="rect">
-            <a:avLst/>
-          </a:prstGeom>
-        </p:spPr>
-        <p:txBody>
-          <a:bodyPr/>
-          <a:lstStyle/>
-          <a:p>
-            <a:pPr/>
-            <a:r>
-              <a:rPr b="0"/>
-              <a:t>Example Prompt</a:t>
-            </a:r>
-            <a:r>
-              <a:t>: Code Content</a:t>
-            </a:r>
-          </a:p>
-        </p:txBody>
-      </p:sp>
-      <p:sp>
-        <p:nvSpPr>
-          <p:cNvPr id="144" name="Bad: &quot;Write a function to download instagram images.&quot;…"/>
-          <p:cNvSpPr txBox="1"/>
-          <p:nvPr>
-            <p:ph type="body" idx="1"/>
-          </p:nvPr>
-        </p:nvSpPr>
-        <p:spPr>
-          <a:prstGeom prst="rect">
-            <a:avLst/>
-          </a:prstGeom>
-        </p:spPr>
-        <p:txBody>
-          <a:bodyPr/>
-          <a:lstStyle/>
-          <a:p>
-            <a:pPr marL="203454" indent="-203454" defTabSz="813816">
-              <a:spcBef>
-                <a:spcPts val="800"/>
-              </a:spcBef>
-              <a:defRPr i="1" strike="sngStrike" sz="2492"/>
-            </a:pPr>
-            <a:r>
-              <a:t>Bad: "Write a function to download instagram images."</a:t>
-            </a:r>
-          </a:p>
-          <a:p>
-            <a:pPr marL="203454" indent="-203454" defTabSz="813816">
-              <a:spcBef>
-                <a:spcPts val="800"/>
-              </a:spcBef>
-              <a:defRPr sz="2492"/>
-            </a:pPr>
-            <a:r>
-              <a:t>Better: </a:t>
-            </a:r>
-          </a:p>
-          <a:p>
-            <a:pPr marL="203454" indent="-203454" defTabSz="813816">
-              <a:spcBef>
-                <a:spcPts val="800"/>
-              </a:spcBef>
-              <a:defRPr sz="2492"/>
-            </a:pPr>
-            <a:r>
-              <a:t>    - 1. "</a:t>
-            </a:r>
-            <a:r>
-              <a:rPr>
-                <a:solidFill>
-                  <a:srgbClr val="FF9300"/>
-                </a:solidFill>
-              </a:rPr>
-              <a:t>Create an andvanced google search for a script or repo focused on downloading instagram content" [Search it manually or though GPT]</a:t>
-            </a:r>
-            <a:endParaRPr>
-              <a:solidFill>
-                <a:srgbClr val="FF9300"/>
-              </a:solidFill>
-            </a:endParaRPr>
-          </a:p>
-          <a:p>
-            <a:pPr marL="203454" indent="-203454" defTabSz="813816">
-              <a:spcBef>
-                <a:spcPts val="800"/>
-              </a:spcBef>
-              <a:defRPr sz="2492"/>
-            </a:pPr>
-            <a:r>
-              <a:t>    - 2. "</a:t>
-            </a:r>
-            <a:r>
-              <a:rPr>
-                <a:solidFill>
-                  <a:srgbClr val="942192"/>
-                </a:solidFill>
-              </a:rPr>
-              <a:t>Don't be lazy, take it step by step. output all in markdown codeblock.</a:t>
-            </a:r>
-            <a:r>
-              <a:t> </a:t>
-            </a:r>
-            <a:r>
-              <a:rPr>
-                <a:solidFill>
-                  <a:srgbClr val="FF40FF"/>
-                </a:solidFill>
-              </a:rPr>
-              <a:t>You are a software developer working on a social media analytics tool.</a:t>
-            </a:r>
-            <a:r>
-              <a:t> </a:t>
-            </a:r>
-            <a:r>
-              <a:rPr>
-                <a:solidFill>
-                  <a:srgbClr val="0433FF"/>
-                </a:solidFill>
-              </a:rPr>
-              <a:t>Write a Python function that downloads images from Instagram based on one or more specific hashtags, users, or keywords. The function should take the hashtag as input from the user, scrape the images and store them in a local directory. Ensure the function handles errors gracefully and provides feedback to the user on the download progress.</a:t>
-            </a:r>
-            <a:r>
-              <a:t>"</a:t>
-            </a:r>
-          </a:p>
-        </p:txBody>
-      </p:sp>
-      <p:sp>
-        <p:nvSpPr>
-          <p:cNvPr id="145" name="Slide Number"/>
-          <p:cNvSpPr txBox="1"/>
-          <p:nvPr>
-            <p:ph type="sldNum" sz="quarter" idx="2"/>
-          </p:nvPr>
-        </p:nvSpPr>
-        <p:spPr>
-          <a:xfrm>
-            <a:off x="11172418" y="6414760"/>
-            <a:ext cx="181382" cy="248305"/>
-          </a:xfrm>
-          <a:prstGeom prst="rect">
-            <a:avLst/>
-          </a:prstGeom>
-          <a:extLst>
-            <a:ext uri="{C572A759-6A51-4108-AA02-DFA0A04FC94B}">
-              <ma14:wrappingTextBoxFlag xmlns:ma14="http://schemas.microsoft.com/office/mac/drawingml/2011/main" val="1"/>
-            </a:ext>
-          </a:extLst>
-        </p:spPr>
-        <p:txBody>
-          <a:bodyPr/>
-          <a:lstStyle/>
-          <a:p>
-            <a:pPr/>
-            <a:fld id="{86CB4B4D-7CA3-9044-876B-883B54F8677D}" type="slidenum"/>
-          </a:p>
-        </p:txBody>
-      </p:sp>
-    </p:spTree>
-  </p:cSld>
-  <p:clrMapOvr>
-    <a:masterClrMapping/>
-  </p:clrMapOvr>
-  <p:transition xmlns:p14="http://schemas.microsoft.com/office/powerpoint/2010/main" spd="med" advClick="1"/>
-</p:sld>
-</file>
-
-<file path=ppt/slides/slide6.xml><?xml version="1.0" encoding="utf-8"?>
-<p:sld xmlns:a="http://schemas.openxmlformats.org/drawingml/2006/main" xmlns:r="http://schemas.openxmlformats.org/officeDocument/2006/relationships" xmlns:p="http://schemas.openxmlformats.org/presentationml/2006/main" xmlns:m="http://schemas.openxmlformats.org/officeDocument/2006/math" xmlns:a14="http://schemas.microsoft.com/office/drawing/2010/main" showMasterSp="1" showMasterPhAnim="1">
-  <p:cSld>
-    <p:spTree>
-      <p:nvGrpSpPr>
-        <p:cNvPr id="1" name=""/>
-        <p:cNvGrpSpPr/>
-        <p:nvPr/>
-      </p:nvGrpSpPr>
-      <p:grpSpPr>
-        <a:xfrm>
-          <a:off x="0" y="0"/>
-          <a:ext cx="0" cy="0"/>
-          <a:chOff x="0" y="0"/>
-          <a:chExt cx="0" cy="0"/>
-        </a:xfrm>
-      </p:grpSpPr>
-      <p:sp>
-        <p:nvSpPr>
-          <p:cNvPr id="147" name="AI Tool Master Lists"/>
-          <p:cNvSpPr txBox="1"/>
-          <p:nvPr>
-            <p:ph type="title"/>
-          </p:nvPr>
-        </p:nvSpPr>
-        <p:spPr>
-          <a:prstGeom prst="rect">
-            <a:avLst/>
-          </a:prstGeom>
-        </p:spPr>
-        <p:txBody>
-          <a:bodyPr/>
-          <a:lstStyle/>
-          <a:p>
-            <a:pPr/>
-            <a:r>
-              <a:t>AI Tool Master Lists</a:t>
-            </a:r>
-          </a:p>
-        </p:txBody>
-      </p:sp>
-      <p:sp>
-        <p:nvSpPr>
-          <p:cNvPr id="148" name="(&quot;AI tools&quot; OR &quot;GPT tools&quot; OR &quot;AI resources&quot; OR &quot;AI catalog&quot; OR &quot;AI list&quot; OR &quot;AI repository&quot; OR &quot;generative AI&quot;) (&quot;list&quot; OR &quot;collection&quot; OR &quot;catalog&quot; OR &quot;repository&quot; OR &quot;guide&quot;)…"/>
-          <p:cNvSpPr txBox="1"/>
-          <p:nvPr>
-            <p:ph type="body" idx="1"/>
-          </p:nvPr>
-        </p:nvSpPr>
-        <p:spPr>
-          <a:prstGeom prst="rect">
-            <a:avLst/>
-          </a:prstGeom>
-        </p:spPr>
-        <p:txBody>
-          <a:bodyPr/>
-          <a:lstStyle/>
-          <a:p>
-            <a:pPr/>
-            <a:r>
-              <a:t>("AI tools" OR "GPT tools" OR "AI resources" OR "AI catalog" OR "AI list" OR "AI repository" OR "generative AI") ("list" OR "collection" OR "catalog" OR "repository" OR "guide") </a:t>
-            </a:r>
-          </a:p>
-          <a:p>
-            <a:pPr/>
-            <a:r>
-              <a:t>AI Master List Tool - </a:t>
-            </a:r>
-            <a:r>
-              <a:rPr u="sng">
-                <a:solidFill>
-                  <a:srgbClr val="0563C1"/>
-                </a:solidFill>
-                <a:uFill>
-                  <a:solidFill>
-                    <a:srgbClr val="0563C1"/>
-                  </a:solidFill>
-                </a:uFill>
-                <a:hlinkClick r:id="rId2" invalidUrl="" action="" tgtFrame="" tooltip="" history="1" highlightClick="0" endSnd="0"/>
-              </a:rPr>
-              <a:t>https://doc.clickup.com/25598832/d/h/rd6vg-14247/0b79ca1dc0f7429/rd6vg-12207</a:t>
-            </a:r>
-            <a:r>
-              <a:t> </a:t>
-            </a:r>
-          </a:p>
-          <a:p>
-            <a:pPr/>
-            <a:r>
-              <a:t>AI Catalog Repo - </a:t>
-            </a:r>
-            <a:r>
-              <a:rPr u="sng">
-                <a:solidFill>
-                  <a:srgbClr val="0563C1"/>
-                </a:solidFill>
-                <a:uFill>
-                  <a:solidFill>
-                    <a:srgbClr val="0563C1"/>
-                  </a:solidFill>
-                </a:uFill>
-                <a:hlinkClick r:id="rId3" invalidUrl="" action="" tgtFrame="" tooltip="" history="1" highlightClick="0" endSnd="0"/>
-              </a:rPr>
-              <a:t>https://github.com/mehmetkahya0/ai-catalog</a:t>
-            </a:r>
-            <a:r>
-              <a:t> </a:t>
-            </a:r>
-          </a:p>
-          <a:p>
-            <a:pPr/>
-            <a:r>
-              <a:t>- Awesome Generative AI - </a:t>
-            </a:r>
-            <a:r>
-              <a:rPr u="sng">
-                <a:solidFill>
-                  <a:srgbClr val="0563C1"/>
-                </a:solidFill>
-                <a:uFill>
-                  <a:solidFill>
-                    <a:srgbClr val="0563C1"/>
-                  </a:solidFill>
-                </a:uFill>
-                <a:hlinkClick r:id="rId4" invalidUrl="" action="" tgtFrame="" tooltip="" history="1" highlightClick="0" endSnd="0"/>
-              </a:rPr>
-              <a:t>https://github.com/amusi/awesome-ai-awesomeness</a:t>
-            </a:r>
-            <a:r>
-              <a:t> </a:t>
-            </a:r>
-          </a:p>
-          <a:p>
-            <a:pPr/>
-            <a:r>
-              <a:t>FutureTools - </a:t>
-            </a:r>
-            <a:r>
-              <a:rPr u="sng">
-                <a:solidFill>
-                  <a:srgbClr val="0563C1"/>
-                </a:solidFill>
-                <a:uFill>
-                  <a:solidFill>
-                    <a:srgbClr val="0563C1"/>
-                  </a:solidFill>
-                </a:uFill>
-                <a:hlinkClick r:id="rId5" invalidUrl="" action="" tgtFrame="" tooltip="" history="1" highlightClick="0" endSnd="0"/>
-              </a:rPr>
-              <a:t>https://futuretools.io</a:t>
-            </a:r>
-            <a:r>
-              <a:t> </a:t>
-            </a:r>
-          </a:p>
-        </p:txBody>
-      </p:sp>
-      <p:sp>
-        <p:nvSpPr>
-          <p:cNvPr id="149" name="Slide Number"/>
-          <p:cNvSpPr txBox="1"/>
-          <p:nvPr>
-            <p:ph type="sldNum" sz="quarter" idx="2"/>
-          </p:nvPr>
-        </p:nvSpPr>
-        <p:spPr>
-          <a:xfrm>
-            <a:off x="11172418" y="6414760"/>
-            <a:ext cx="181382" cy="248305"/>
-          </a:xfrm>
-          <a:prstGeom prst="rect">
-            <a:avLst/>
-          </a:prstGeom>
-          <a:extLst>
-            <a:ext uri="{C572A759-6A51-4108-AA02-DFA0A04FC94B}">
-              <ma14:wrappingTextBoxFlag xmlns:ma14="http://schemas.microsoft.com/office/mac/drawingml/2011/main" val="1"/>
-            </a:ext>
-          </a:extLst>
-        </p:spPr>
-        <p:txBody>
-          <a:bodyPr/>
-          <a:lstStyle/>
-          <a:p>
-            <a:pPr/>
-            <a:fld id="{86CB4B4D-7CA3-9044-876B-883B54F8677D}" type="slidenum"/>
-          </a:p>
-        </p:txBody>
-      </p:sp>
-    </p:spTree>
-  </p:cSld>
-  <p:clrMapOvr>
-    <a:masterClrMapping/>
-  </p:clrMapOvr>
-  <p:transition xmlns:p14="http://schemas.microsoft.com/office/powerpoint/2010/main" spd="med" advClick="1"/>
-</p:sld>
-</file>
-
-<file path=ppt/slides/slide7.xml><?xml version="1.0" encoding="utf-8"?>
-<p:sld xmlns:a="http://schemas.openxmlformats.org/drawingml/2006/main" xmlns:r="http://schemas.openxmlformats.org/officeDocument/2006/relationships" xmlns:p="http://schemas.openxmlformats.org/presentationml/2006/main" xmlns:m="http://schemas.openxmlformats.org/officeDocument/2006/math" xmlns:a14="http://schemas.microsoft.com/office/drawing/2010/main" showMasterSp="1" showMasterPhAnim="1">
-  <p:cSld>
-    <p:spTree>
-      <p:nvGrpSpPr>
-        <p:cNvPr id="1" name=""/>
-        <p:cNvGrpSpPr/>
-        <p:nvPr/>
-      </p:nvGrpSpPr>
-      <p:grpSpPr>
-        <a:xfrm>
-          <a:off x="0" y="0"/>
-          <a:ext cx="0" cy="0"/>
-          <a:chOff x="0" y="0"/>
-          <a:chExt cx="0" cy="0"/>
-        </a:xfrm>
-      </p:grpSpPr>
-      <p:pic>
-        <p:nvPicPr>
-          <p:cNvPr id="151" name="Picture 7" descr="Picture 7"/>
-          <p:cNvPicPr>
-            <a:picLocks noChangeAspect="1"/>
-          </p:cNvPicPr>
-          <p:nvPr/>
-        </p:nvPicPr>
-        <p:blipFill>
-          <a:blip r:embed="rId2">
-            <a:extLst/>
-          </a:blip>
-          <a:stretch>
-            <a:fillRect/>
-          </a:stretch>
-        </p:blipFill>
-        <p:spPr>
-          <a:xfrm>
-            <a:off x="609479" y="1604519"/>
-            <a:ext cx="10972442" cy="3977282"/>
-          </a:xfrm>
-          <a:prstGeom prst="rect">
-            <a:avLst/>
-          </a:prstGeom>
-          <a:ln w="12700">
-            <a:miter lim="400000"/>
-          </a:ln>
-        </p:spPr>
-      </p:pic>
-      <p:sp>
-        <p:nvSpPr>
-          <p:cNvPr id="152" name="Title 4"/>
-          <p:cNvSpPr txBox="1"/>
-          <p:nvPr>
-            <p:ph type="title"/>
-          </p:nvPr>
-        </p:nvSpPr>
-        <p:spPr>
-          <a:xfrm>
-            <a:off x="1453319" y="262439"/>
-            <a:ext cx="9018362" cy="907455"/>
-          </a:xfrm>
-          <a:prstGeom prst="rect">
-            <a:avLst/>
-          </a:prstGeom>
-        </p:spPr>
-        <p:txBody>
-          <a:bodyPr anchor="t"/>
-          <a:lstStyle/>
-          <a:p>
-            <a:pPr/>
-            <a:r>
-              <a:t>Why Does It Matter To You?</a:t>
-            </a:r>
-          </a:p>
-        </p:txBody>
-      </p:sp>
-      <p:sp>
-        <p:nvSpPr>
-          <p:cNvPr id="153" name="Slide Number"/>
-          <p:cNvSpPr txBox="1"/>
-          <p:nvPr>
-            <p:ph type="sldNum" sz="quarter" idx="2"/>
-          </p:nvPr>
-        </p:nvSpPr>
-        <p:spPr>
-          <a:xfrm>
-            <a:off x="11172418" y="6414760"/>
-            <a:ext cx="181382" cy="248305"/>
-          </a:xfrm>
-          <a:prstGeom prst="rect">
-            <a:avLst/>
-          </a:prstGeom>
-          <a:extLst>
-            <a:ext uri="{C572A759-6A51-4108-AA02-DFA0A04FC94B}">
-              <ma14:wrappingTextBoxFlag xmlns:ma14="http://schemas.microsoft.com/office/mac/drawingml/2011/main" val="1"/>
-            </a:ext>
-          </a:extLst>
-        </p:spPr>
-        <p:txBody>
-          <a:bodyPr/>
-          <a:lstStyle/>
-          <a:p>
-            <a:pPr/>
-            <a:fld id="{86CB4B4D-7CA3-9044-876B-883B54F8677D}" type="slidenum"/>
-          </a:p>
-        </p:txBody>
-      </p:sp>
-    </p:spTree>
-  </p:cSld>
-  <p:clrMapOvr>
-    <a:masterClrMapping/>
-  </p:clrMapOvr>
-  <p:transition xmlns:p14="http://schemas.microsoft.com/office/powerpoint/2010/main" spd="med" advClick="1"/>
-</p:sld>
-</file>
-
-<file path=ppt/slides/slide8.xml><?xml version="1.0" encoding="utf-8"?>
-<p:sld xmlns:a="http://schemas.openxmlformats.org/drawingml/2006/main" xmlns:r="http://schemas.openxmlformats.org/officeDocument/2006/relationships" xmlns:p="http://schemas.openxmlformats.org/presentationml/2006/main" xmlns:m="http://schemas.openxmlformats.org/officeDocument/2006/math" xmlns:a14="http://schemas.microsoft.com/office/drawing/2010/main" showMasterSp="1" showMasterPhAnim="1">
+<file path=ppt/slides/slide10.xml><?xml version="1.0" encoding="utf-8"?>
+<p:sld xmlns:a="http://schemas.openxmlformats.org/drawingml/2006/main" xmlns:r="http://schemas.openxmlformats.org/officeDocument/2006/relationships" xmlns:p="http://schemas.openxmlformats.org/presentationml/2006/main">
   <p:cSld>
     <p:spTree>
       <p:nvGrpSpPr>
@@ -4629,7 +3268,9 @@
       <p:sp>
         <p:nvSpPr>
           <p:cNvPr id="155" name="Title 2"/>
-          <p:cNvSpPr txBox="1"/>
+          <p:cNvSpPr txBox="1">
+            <a:spLocks noGrp="1"/>
+          </p:cNvSpPr>
           <p:nvPr>
             <p:ph type="title" idx="4294967295"/>
           </p:nvPr>
@@ -4647,7 +3288,7 @@
           <a:bodyPr anchor="t"/>
           <a:lstStyle>
             <a:lvl1pPr>
-              <a:defRPr b="0" sz="4800">
+              <a:defRPr sz="4800" b="0">
                 <a:solidFill>
                   <a:srgbClr val="44546A"/>
                 </a:solidFill>
@@ -4659,7 +3300,6 @@
             </a:lvl1pPr>
           </a:lstStyle>
           <a:p>
-            <a:pPr/>
             <a:r>
               <a:t>TAKE A BREAK</a:t>
             </a:r>
@@ -4675,9 +3315,7 @@
           <p:nvPr/>
         </p:nvPicPr>
         <p:blipFill>
-          <a:blip r:embed="rId2">
-            <a:extLst/>
-          </a:blip>
+          <a:blip r:embed="rId2"/>
           <a:stretch>
             <a:fillRect/>
           </a:stretch>
@@ -4714,7 +3352,7 @@
           </a:ln>
           <a:extLst>
             <a:ext uri="{C572A759-6A51-4108-AA02-DFA0A04FC94B}">
-              <ma14:wrappingTextBoxFlag xmlns:ma14="http://schemas.microsoft.com/office/mac/drawingml/2011/main" val="1"/>
+              <ma14:wrappingTextBoxFlag xmlns:ma14="http://schemas.microsoft.com/office/mac/drawingml/2011/main" xmlns:a14="http://schemas.microsoft.com/office/drawing/2010/main" xmlns:m="http://schemas.openxmlformats.org/officeDocument/2006/math" xmlns="" val="1"/>
             </a:ext>
           </a:extLst>
         </p:spPr>
@@ -4724,11 +3362,10 @@
           </a:bodyPr>
           <a:lstStyle>
             <a:lvl1pPr>
-              <a:defRPr b="1" sz="4200"/>
+              <a:defRPr sz="4200" b="1"/>
             </a:lvl1pPr>
           </a:lstStyle>
           <a:p>
-            <a:pPr/>
             <a:r>
               <a:t>Return By: XX:XX </a:t>
             </a:r>
@@ -4738,7 +3375,9 @@
       <p:sp>
         <p:nvSpPr>
           <p:cNvPr id="158" name="Slide Number"/>
-          <p:cNvSpPr txBox="1"/>
+          <p:cNvSpPr txBox="1">
+            <a:spLocks noGrp="1"/>
+          </p:cNvSpPr>
           <p:nvPr>
             <p:ph type="sldNum" sz="quarter" idx="2"/>
           </p:nvPr>
@@ -4753,7 +3392,7 @@
           </a:prstGeom>
           <a:extLst>
             <a:ext uri="{C572A759-6A51-4108-AA02-DFA0A04FC94B}">
-              <ma14:wrappingTextBoxFlag xmlns:ma14="http://schemas.microsoft.com/office/mac/drawingml/2011/main" val="1"/>
+              <ma14:wrappingTextBoxFlag xmlns:ma14="http://schemas.microsoft.com/office/mac/drawingml/2011/main" xmlns:a14="http://schemas.microsoft.com/office/drawing/2010/main" xmlns:m="http://schemas.openxmlformats.org/officeDocument/2006/math" xmlns="" val="1"/>
             </a:ext>
           </a:extLst>
         </p:spPr>
@@ -4761,8 +3400,10 @@
           <a:bodyPr/>
           <a:lstStyle/>
           <a:p>
-            <a:pPr/>
-            <a:fld id="{86CB4B4D-7CA3-9044-876B-883B54F8677D}" type="slidenum"/>
+            <a:fld id="{86CB4B4D-7CA3-9044-876B-883B54F8677D}" type="slidenum">
+              <a:t>10</a:t>
+            </a:fld>
+            <a:endParaRPr/>
           </a:p>
         </p:txBody>
       </p:sp>
@@ -4771,13 +3412,13 @@
   <p:clrMapOvr>
     <a:masterClrMapping/>
   </p:clrMapOvr>
-  <mc:AlternateContent xmlns:mc="http://schemas.openxmlformats.org/markup-compatibility/2006">
-    <mc:Choice xmlns:p14="http://schemas.microsoft.com/office/powerpoint/2010/main" Requires="p14">
-      <p:transition spd="slow" advClick="1" p14:dur="1200">
+  <mc:AlternateContent xmlns:mc="http://schemas.openxmlformats.org/markup-compatibility/2006" xmlns:p14="http://schemas.microsoft.com/office/powerpoint/2010/main">
+    <mc:Choice Requires="p14">
+      <p:transition spd="slow" p14:dur="1200">
         <p:push dir="u"/>
       </p:transition>
     </mc:Choice>
-    <mc:Fallback>
+    <mc:Fallback xmlns:a14="http://schemas.microsoft.com/office/drawing/2010/main" xmlns:m="http://schemas.openxmlformats.org/officeDocument/2006/math" xmlns="">
       <p:transition spd="slow">
         <p:fade/>
       </p:transition>
@@ -4786,8 +3427,3032 @@
 </p:sld>
 </file>
 
+<file path=ppt/slides/slide2.xml><?xml version="1.0" encoding="utf-8"?>
+<p:sld xmlns:a="http://schemas.openxmlformats.org/drawingml/2006/main" xmlns:r="http://schemas.openxmlformats.org/officeDocument/2006/relationships" xmlns:p="http://schemas.openxmlformats.org/presentationml/2006/main">
+  <p:cSld>
+    <p:spTree>
+      <p:nvGrpSpPr>
+        <p:cNvPr id="1" name=""/>
+        <p:cNvGrpSpPr/>
+        <p:nvPr/>
+      </p:nvGrpSpPr>
+      <p:grpSpPr>
+        <a:xfrm>
+          <a:off x="0" y="0"/>
+          <a:ext cx="0" cy="0"/>
+          <a:chOff x="0" y="0"/>
+          <a:chExt cx="0" cy="0"/>
+        </a:xfrm>
+      </p:grpSpPr>
+      <p:sp>
+        <p:nvSpPr>
+          <p:cNvPr id="130" name="Title 1"/>
+          <p:cNvSpPr txBox="1">
+            <a:spLocks noGrp="1"/>
+          </p:cNvSpPr>
+          <p:nvPr>
+            <p:ph type="title"/>
+          </p:nvPr>
+        </p:nvSpPr>
+        <p:spPr>
+          <a:xfrm>
+            <a:off x="1480483" y="365125"/>
+            <a:ext cx="9873317" cy="1325563"/>
+          </a:xfrm>
+          <a:prstGeom prst="rect">
+            <a:avLst/>
+          </a:prstGeom>
+        </p:spPr>
+        <p:txBody>
+          <a:bodyPr/>
+          <a:lstStyle/>
+          <a:p>
+            <a:r>
+              <a:t>Best Practices for Generating AI Content</a:t>
+            </a:r>
+          </a:p>
+        </p:txBody>
+      </p:sp>
+      <p:sp>
+        <p:nvSpPr>
+          <p:cNvPr id="131" name="Content Placeholder 2"/>
+          <p:cNvSpPr txBox="1">
+            <a:spLocks noGrp="1"/>
+          </p:cNvSpPr>
+          <p:nvPr>
+            <p:ph type="body" idx="1"/>
+          </p:nvPr>
+        </p:nvSpPr>
+        <p:spPr>
+          <a:xfrm>
+            <a:off x="3177279" y="1817491"/>
+            <a:ext cx="8852186" cy="5214806"/>
+          </a:xfrm>
+          <a:prstGeom prst="rect">
+            <a:avLst/>
+          </a:prstGeom>
+        </p:spPr>
+        <p:txBody>
+          <a:bodyPr/>
+          <a:lstStyle/>
+          <a:p>
+            <a:pPr marL="457200" indent="-317500" defTabSz="457200">
+              <a:lnSpc>
+                <a:spcPct val="100000"/>
+              </a:lnSpc>
+              <a:spcBef>
+                <a:spcPts val="0"/>
+              </a:spcBef>
+              <a:buClr>
+                <a:srgbClr val="1F2328"/>
+              </a:buClr>
+              <a:buFont typeface="TimesNewRomanPSMT"/>
+              <a:buAutoNum type="arabicPeriod"/>
+              <a:defRPr sz="1800">
+                <a:solidFill>
+                  <a:srgbClr val="1F2328"/>
+                </a:solidFill>
+                <a:latin typeface="Helvetica Neue"/>
+                <a:ea typeface="Helvetica Neue"/>
+                <a:cs typeface="Helvetica Neue"/>
+                <a:sym typeface="Helvetica Neue"/>
+              </a:defRPr>
+            </a:pPr>
+            <a:r>
+              <a:rPr b="1">
+                <a:latin typeface="+mn-lt"/>
+                <a:ea typeface="+mn-ea"/>
+                <a:cs typeface="+mn-cs"/>
+                <a:sym typeface="Helvetica"/>
+              </a:rPr>
+              <a:t>Check for Accuracy</a:t>
+            </a:r>
+            <a:r>
+              <a:t>: Always review AI-generated content for factual accuracy and relevance.</a:t>
+            </a:r>
+          </a:p>
+          <a:p>
+            <a:pPr marL="457200" indent="-317500" defTabSz="457200">
+              <a:lnSpc>
+                <a:spcPct val="100000"/>
+              </a:lnSpc>
+              <a:spcBef>
+                <a:spcPts val="0"/>
+              </a:spcBef>
+              <a:buClr>
+                <a:srgbClr val="1F2328"/>
+              </a:buClr>
+              <a:buFont typeface="TimesNewRomanPSMT"/>
+              <a:buAutoNum type="arabicPeriod"/>
+              <a:defRPr sz="1800">
+                <a:solidFill>
+                  <a:srgbClr val="1F2328"/>
+                </a:solidFill>
+                <a:latin typeface="Helvetica Neue"/>
+                <a:ea typeface="Helvetica Neue"/>
+                <a:cs typeface="Helvetica Neue"/>
+                <a:sym typeface="Helvetica Neue"/>
+              </a:defRPr>
+            </a:pPr>
+            <a:r>
+              <a:rPr b="1">
+                <a:latin typeface="+mn-lt"/>
+                <a:ea typeface="+mn-ea"/>
+                <a:cs typeface="+mn-cs"/>
+                <a:sym typeface="Helvetica"/>
+              </a:rPr>
+              <a:t>Be Specific</a:t>
+            </a:r>
+            <a:r>
+              <a:t>: Clearly define the content type, audience, and purpose when prompting the AI.</a:t>
+            </a:r>
+          </a:p>
+          <a:p>
+            <a:pPr marL="457200" indent="-317500" defTabSz="457200">
+              <a:lnSpc>
+                <a:spcPct val="100000"/>
+              </a:lnSpc>
+              <a:spcBef>
+                <a:spcPts val="0"/>
+              </a:spcBef>
+              <a:buClr>
+                <a:srgbClr val="1F2328"/>
+              </a:buClr>
+              <a:buFont typeface="TimesNewRomanPSMT"/>
+              <a:buAutoNum type="arabicPeriod"/>
+              <a:defRPr sz="1800">
+                <a:solidFill>
+                  <a:srgbClr val="1F2328"/>
+                </a:solidFill>
+                <a:latin typeface="Helvetica Neue"/>
+                <a:ea typeface="Helvetica Neue"/>
+                <a:cs typeface="Helvetica Neue"/>
+                <a:sym typeface="Helvetica Neue"/>
+              </a:defRPr>
+            </a:pPr>
+            <a:r>
+              <a:rPr b="1">
+                <a:latin typeface="+mn-lt"/>
+                <a:ea typeface="+mn-ea"/>
+                <a:cs typeface="+mn-cs"/>
+                <a:sym typeface="Helvetica"/>
+              </a:rPr>
+              <a:t>Iterate and Refine</a:t>
+            </a:r>
+            <a:r>
+              <a:t>: Use iterative prompts to refine the generated content. Start broad and narrow down specifics.</a:t>
+            </a:r>
+          </a:p>
+          <a:p>
+            <a:pPr marL="457200" indent="-317500" defTabSz="457200">
+              <a:lnSpc>
+                <a:spcPct val="100000"/>
+              </a:lnSpc>
+              <a:spcBef>
+                <a:spcPts val="0"/>
+              </a:spcBef>
+              <a:buClr>
+                <a:srgbClr val="1F2328"/>
+              </a:buClr>
+              <a:buFont typeface="TimesNewRomanPSMT"/>
+              <a:buAutoNum type="arabicPeriod"/>
+              <a:defRPr sz="1800">
+                <a:solidFill>
+                  <a:srgbClr val="1F2328"/>
+                </a:solidFill>
+                <a:latin typeface="Helvetica Neue"/>
+                <a:ea typeface="Helvetica Neue"/>
+                <a:cs typeface="Helvetica Neue"/>
+                <a:sym typeface="Helvetica Neue"/>
+              </a:defRPr>
+            </a:pPr>
+            <a:r>
+              <a:rPr b="1">
+                <a:latin typeface="+mn-lt"/>
+                <a:ea typeface="+mn-ea"/>
+                <a:cs typeface="+mn-cs"/>
+                <a:sym typeface="Helvetica"/>
+              </a:rPr>
+              <a:t>Provide Context</a:t>
+            </a:r>
+            <a:r>
+              <a:t>: Give the AI relevant context to generate more accurate and relevant content.</a:t>
+            </a:r>
+          </a:p>
+          <a:p>
+            <a:pPr marL="457200" indent="-317500" defTabSz="457200">
+              <a:lnSpc>
+                <a:spcPct val="100000"/>
+              </a:lnSpc>
+              <a:spcBef>
+                <a:spcPts val="0"/>
+              </a:spcBef>
+              <a:buClr>
+                <a:srgbClr val="1F2328"/>
+              </a:buClr>
+              <a:buFont typeface="TimesNewRomanPSMT"/>
+              <a:buAutoNum type="arabicPeriod"/>
+              <a:defRPr sz="1800">
+                <a:solidFill>
+                  <a:srgbClr val="1F2328"/>
+                </a:solidFill>
+                <a:latin typeface="Helvetica Neue"/>
+                <a:ea typeface="Helvetica Neue"/>
+                <a:cs typeface="Helvetica Neue"/>
+                <a:sym typeface="Helvetica Neue"/>
+              </a:defRPr>
+            </a:pPr>
+            <a:r>
+              <a:rPr b="1">
+                <a:latin typeface="+mn-lt"/>
+                <a:ea typeface="+mn-ea"/>
+                <a:cs typeface="+mn-cs"/>
+                <a:sym typeface="Helvetica"/>
+              </a:rPr>
+              <a:t>Use Multiple Services</a:t>
+            </a:r>
+            <a:r>
+              <a:t>: Use a combination of tools to leverage different strengths and capabilities, such as google searching for existing scripts or repositories, images, or prompts for AI to generate content or using a text generating model to build a better prompt for image generating.</a:t>
+            </a:r>
+          </a:p>
+          <a:p>
+            <a:pPr marL="457200" indent="-317500" defTabSz="457200">
+              <a:lnSpc>
+                <a:spcPct val="100000"/>
+              </a:lnSpc>
+              <a:spcBef>
+                <a:spcPts val="0"/>
+              </a:spcBef>
+              <a:buClr>
+                <a:srgbClr val="1F2328"/>
+              </a:buClr>
+              <a:buFont typeface="TimesNewRomanPSMT"/>
+              <a:buAutoNum type="arabicPeriod"/>
+              <a:defRPr sz="1800">
+                <a:solidFill>
+                  <a:srgbClr val="1F2328"/>
+                </a:solidFill>
+                <a:latin typeface="Helvetica Neue"/>
+                <a:ea typeface="Helvetica Neue"/>
+                <a:cs typeface="Helvetica Neue"/>
+                <a:sym typeface="Helvetica Neue"/>
+              </a:defRPr>
+            </a:pPr>
+            <a:r>
+              <a:rPr b="1">
+                <a:latin typeface="+mn-lt"/>
+                <a:ea typeface="+mn-ea"/>
+                <a:cs typeface="+mn-cs"/>
+                <a:sym typeface="Helvetica"/>
+              </a:rPr>
+              <a:t>Remind AI of Constraints</a:t>
+            </a:r>
+            <a:r>
+              <a:t>: If there are specific requirements or constraints, remind the AI in the prompt. For example, word count limits, tone, or style guidelines. Ask it not to be lazy and take it step by step.</a:t>
+            </a:r>
+          </a:p>
+          <a:p>
+            <a:pPr marL="457200" indent="-317500" defTabSz="457200">
+              <a:lnSpc>
+                <a:spcPct val="100000"/>
+              </a:lnSpc>
+              <a:spcBef>
+                <a:spcPts val="0"/>
+              </a:spcBef>
+              <a:buClr>
+                <a:srgbClr val="1F2328"/>
+              </a:buClr>
+              <a:buFont typeface="TimesNewRomanPSMT"/>
+              <a:buAutoNum type="arabicPeriod"/>
+              <a:defRPr sz="1800">
+                <a:solidFill>
+                  <a:srgbClr val="1F2328"/>
+                </a:solidFill>
+                <a:latin typeface="Helvetica Neue"/>
+                <a:ea typeface="Helvetica Neue"/>
+                <a:cs typeface="Helvetica Neue"/>
+                <a:sym typeface="Helvetica Neue"/>
+              </a:defRPr>
+            </a:pPr>
+            <a:r>
+              <a:rPr b="1">
+                <a:latin typeface="+mn-lt"/>
+                <a:ea typeface="+mn-ea"/>
+                <a:cs typeface="+mn-cs"/>
+                <a:sym typeface="Helvetica"/>
+              </a:rPr>
+              <a:t>Make Templates</a:t>
+            </a:r>
+            <a:r>
+              <a:t>: Create templates with variables for common tasks to speed up the content generation process and maintain consistency.</a:t>
+            </a:r>
+          </a:p>
+        </p:txBody>
+      </p:sp>
+      <p:sp>
+        <p:nvSpPr>
+          <p:cNvPr id="132" name="Content Placeholder 2"/>
+          <p:cNvSpPr txBox="1"/>
+          <p:nvPr/>
+        </p:nvSpPr>
+        <p:spPr>
+          <a:xfrm>
+            <a:off x="49298" y="2054033"/>
+            <a:ext cx="3348332" cy="4351339"/>
+          </a:xfrm>
+          <a:prstGeom prst="rect">
+            <a:avLst/>
+          </a:prstGeom>
+          <a:ln w="12700">
+            <a:miter lim="400000"/>
+          </a:ln>
+          <a:extLst>
+            <a:ext uri="{C572A759-6A51-4108-AA02-DFA0A04FC94B}">
+              <ma14:wrappingTextBoxFlag xmlns:ma14="http://schemas.microsoft.com/office/mac/drawingml/2011/main" xmlns:a14="http://schemas.microsoft.com/office/drawing/2010/main" xmlns:m="http://schemas.openxmlformats.org/officeDocument/2006/math" xmlns="" val="1"/>
+            </a:ext>
+          </a:extLst>
+        </p:spPr>
+        <p:txBody>
+          <a:bodyPr lIns="45719" rIns="45719">
+            <a:normAutofit/>
+          </a:bodyPr>
+          <a:lstStyle/>
+          <a:p>
+            <a:pPr defTabSz="457200">
+              <a:spcBef>
+                <a:spcPts val="1600"/>
+              </a:spcBef>
+              <a:defRPr sz="2000" b="1">
+                <a:solidFill>
+                  <a:srgbClr val="1F2328"/>
+                </a:solidFill>
+                <a:latin typeface="Helvetica Neue"/>
+                <a:ea typeface="Helvetica Neue"/>
+                <a:cs typeface="Helvetica Neue"/>
+                <a:sym typeface="Helvetica Neue"/>
+              </a:defRPr>
+            </a:pPr>
+            <a:r>
+              <a:t>General Tips</a:t>
+            </a:r>
+          </a:p>
+          <a:p>
+            <a:pPr defTabSz="457200">
+              <a:defRPr sz="1600">
+                <a:solidFill>
+                  <a:srgbClr val="1F2328"/>
+                </a:solidFill>
+                <a:latin typeface="Helvetica Neue"/>
+                <a:ea typeface="Helvetica Neue"/>
+                <a:cs typeface="Helvetica Neue"/>
+                <a:sym typeface="Helvetica Neue"/>
+              </a:defRPr>
+            </a:pPr>
+            <a:endParaRPr/>
+          </a:p>
+          <a:p>
+            <a:pPr marL="457200" indent="-317500" defTabSz="457200">
+              <a:buClr>
+                <a:srgbClr val="1F2328"/>
+              </a:buClr>
+              <a:buSzPct val="100000"/>
+              <a:buFont typeface="TimesNewRomanPSMT"/>
+              <a:buAutoNum type="arabicPeriod"/>
+              <a:defRPr sz="1600">
+                <a:solidFill>
+                  <a:srgbClr val="1F2328"/>
+                </a:solidFill>
+                <a:latin typeface="Helvetica Neue"/>
+                <a:ea typeface="Helvetica Neue"/>
+                <a:cs typeface="Helvetica Neue"/>
+                <a:sym typeface="Helvetica Neue"/>
+              </a:defRPr>
+            </a:pPr>
+            <a:r>
+              <a:rPr b="1">
+                <a:latin typeface="+mn-lt"/>
+                <a:ea typeface="+mn-ea"/>
+                <a:cs typeface="+mn-cs"/>
+                <a:sym typeface="Helvetica"/>
+              </a:rPr>
+              <a:t>Check for Accuracy</a:t>
+            </a:r>
+          </a:p>
+          <a:p>
+            <a:pPr marL="457200" indent="-317500" defTabSz="457200">
+              <a:buClr>
+                <a:srgbClr val="1F2328"/>
+              </a:buClr>
+              <a:buSzPct val="100000"/>
+              <a:buFont typeface="TimesNewRomanPSMT"/>
+              <a:buAutoNum type="arabicPeriod"/>
+              <a:defRPr sz="1600">
+                <a:solidFill>
+                  <a:srgbClr val="0433FF"/>
+                </a:solidFill>
+                <a:latin typeface="Helvetica Neue"/>
+                <a:ea typeface="Helvetica Neue"/>
+                <a:cs typeface="Helvetica Neue"/>
+                <a:sym typeface="Helvetica Neue"/>
+              </a:defRPr>
+            </a:pPr>
+            <a:r>
+              <a:rPr b="1">
+                <a:latin typeface="+mn-lt"/>
+                <a:ea typeface="+mn-ea"/>
+                <a:cs typeface="+mn-cs"/>
+                <a:sym typeface="Helvetica"/>
+              </a:rPr>
+              <a:t>Be Specific</a:t>
+            </a:r>
+            <a:r>
+              <a:t>: </a:t>
+            </a:r>
+          </a:p>
+          <a:p>
+            <a:pPr marL="457200" indent="-317500" defTabSz="457200">
+              <a:buClr>
+                <a:srgbClr val="1F2328"/>
+              </a:buClr>
+              <a:buSzPct val="100000"/>
+              <a:buFont typeface="TimesNewRomanPSMT"/>
+              <a:buAutoNum type="arabicPeriod"/>
+              <a:defRPr sz="1600">
+                <a:solidFill>
+                  <a:srgbClr val="FF9300"/>
+                </a:solidFill>
+                <a:latin typeface="Helvetica Neue"/>
+                <a:ea typeface="Helvetica Neue"/>
+                <a:cs typeface="Helvetica Neue"/>
+                <a:sym typeface="Helvetica Neue"/>
+              </a:defRPr>
+            </a:pPr>
+            <a:r>
+              <a:rPr b="1">
+                <a:latin typeface="+mn-lt"/>
+                <a:ea typeface="+mn-ea"/>
+                <a:cs typeface="+mn-cs"/>
+                <a:sym typeface="Helvetica"/>
+              </a:rPr>
+              <a:t>Iterate and Refine</a:t>
+            </a:r>
+            <a:r>
+              <a:t>: </a:t>
+            </a:r>
+          </a:p>
+          <a:p>
+            <a:pPr marL="457200" indent="-317500" defTabSz="457200">
+              <a:buClr>
+                <a:srgbClr val="1F2328"/>
+              </a:buClr>
+              <a:buSzPct val="100000"/>
+              <a:buFont typeface="TimesNewRomanPSMT"/>
+              <a:buAutoNum type="arabicPeriod"/>
+              <a:defRPr sz="1600">
+                <a:solidFill>
+                  <a:srgbClr val="FF40FF"/>
+                </a:solidFill>
+                <a:latin typeface="Helvetica Neue"/>
+                <a:ea typeface="Helvetica Neue"/>
+                <a:cs typeface="Helvetica Neue"/>
+                <a:sym typeface="Helvetica Neue"/>
+              </a:defRPr>
+            </a:pPr>
+            <a:r>
+              <a:rPr b="1">
+                <a:latin typeface="+mn-lt"/>
+                <a:ea typeface="+mn-ea"/>
+                <a:cs typeface="+mn-cs"/>
+                <a:sym typeface="Helvetica"/>
+              </a:rPr>
+              <a:t>Provide Context</a:t>
+            </a:r>
+            <a:r>
+              <a:t>:</a:t>
+            </a:r>
+          </a:p>
+          <a:p>
+            <a:pPr marL="457200" indent="-317500" defTabSz="457200">
+              <a:buClr>
+                <a:srgbClr val="1F2328"/>
+              </a:buClr>
+              <a:buSzPct val="100000"/>
+              <a:buFont typeface="TimesNewRomanPSMT"/>
+              <a:buAutoNum type="arabicPeriod"/>
+              <a:defRPr sz="1600">
+                <a:solidFill>
+                  <a:srgbClr val="1F2328"/>
+                </a:solidFill>
+                <a:latin typeface="Helvetica Neue"/>
+                <a:ea typeface="Helvetica Neue"/>
+                <a:cs typeface="Helvetica Neue"/>
+                <a:sym typeface="Helvetica Neue"/>
+              </a:defRPr>
+            </a:pPr>
+            <a:r>
+              <a:rPr b="1">
+                <a:latin typeface="+mn-lt"/>
+                <a:ea typeface="+mn-ea"/>
+                <a:cs typeface="+mn-cs"/>
+                <a:sym typeface="Helvetica"/>
+              </a:rPr>
+              <a:t>Use Multiple Services</a:t>
+            </a:r>
+            <a:r>
+              <a:t>:</a:t>
+            </a:r>
+          </a:p>
+          <a:p>
+            <a:pPr marL="457200" indent="-317500" defTabSz="457200">
+              <a:buClr>
+                <a:srgbClr val="1F2328"/>
+              </a:buClr>
+              <a:buSzPct val="100000"/>
+              <a:buFont typeface="TimesNewRomanPSMT"/>
+              <a:buAutoNum type="arabicPeriod"/>
+              <a:defRPr sz="1600">
+                <a:solidFill>
+                  <a:srgbClr val="942192"/>
+                </a:solidFill>
+                <a:latin typeface="Helvetica Neue"/>
+                <a:ea typeface="Helvetica Neue"/>
+                <a:cs typeface="Helvetica Neue"/>
+                <a:sym typeface="Helvetica Neue"/>
+              </a:defRPr>
+            </a:pPr>
+            <a:r>
+              <a:rPr b="1">
+                <a:latin typeface="+mn-lt"/>
+                <a:ea typeface="+mn-ea"/>
+                <a:cs typeface="+mn-cs"/>
+                <a:sym typeface="Helvetica"/>
+              </a:rPr>
+              <a:t>Remind AI of Constraints</a:t>
+            </a:r>
+            <a:r>
+              <a:t>:</a:t>
+            </a:r>
+          </a:p>
+          <a:p>
+            <a:pPr marL="457200" indent="-317500" defTabSz="457200">
+              <a:buClr>
+                <a:srgbClr val="1F2328"/>
+              </a:buClr>
+              <a:buSzPct val="100000"/>
+              <a:buFont typeface="TimesNewRomanPSMT"/>
+              <a:buAutoNum type="arabicPeriod"/>
+              <a:defRPr sz="1600">
+                <a:solidFill>
+                  <a:srgbClr val="1F2328"/>
+                </a:solidFill>
+                <a:latin typeface="Helvetica Neue"/>
+                <a:ea typeface="Helvetica Neue"/>
+                <a:cs typeface="Helvetica Neue"/>
+                <a:sym typeface="Helvetica Neue"/>
+              </a:defRPr>
+            </a:pPr>
+            <a:r>
+              <a:rPr b="1">
+                <a:latin typeface="+mn-lt"/>
+                <a:ea typeface="+mn-ea"/>
+                <a:cs typeface="+mn-cs"/>
+                <a:sym typeface="Helvetica"/>
+              </a:rPr>
+              <a:t>Make Templates</a:t>
+            </a:r>
+            <a:r>
+              <a:t>:</a:t>
+            </a:r>
+          </a:p>
+        </p:txBody>
+      </p:sp>
+      <p:sp>
+        <p:nvSpPr>
+          <p:cNvPr id="133" name="Slide Number"/>
+          <p:cNvSpPr txBox="1">
+            <a:spLocks noGrp="1"/>
+          </p:cNvSpPr>
+          <p:nvPr>
+            <p:ph type="sldNum" sz="quarter" idx="2"/>
+          </p:nvPr>
+        </p:nvSpPr>
+        <p:spPr>
+          <a:xfrm>
+            <a:off x="11172418" y="6414760"/>
+            <a:ext cx="181382" cy="248305"/>
+          </a:xfrm>
+          <a:prstGeom prst="rect">
+            <a:avLst/>
+          </a:prstGeom>
+          <a:extLst>
+            <a:ext uri="{C572A759-6A51-4108-AA02-DFA0A04FC94B}">
+              <ma14:wrappingTextBoxFlag xmlns:ma14="http://schemas.microsoft.com/office/mac/drawingml/2011/main" xmlns:a14="http://schemas.microsoft.com/office/drawing/2010/main" xmlns:m="http://schemas.openxmlformats.org/officeDocument/2006/math" xmlns="" val="1"/>
+            </a:ext>
+          </a:extLst>
+        </p:spPr>
+        <p:txBody>
+          <a:bodyPr/>
+          <a:lstStyle/>
+          <a:p>
+            <a:fld id="{86CB4B4D-7CA3-9044-876B-883B54F8677D}" type="slidenum">
+              <a:t>2</a:t>
+            </a:fld>
+            <a:endParaRPr/>
+          </a:p>
+        </p:txBody>
+      </p:sp>
+    </p:spTree>
+  </p:cSld>
+  <p:clrMapOvr>
+    <a:masterClrMapping/>
+  </p:clrMapOvr>
+  <p:transition spd="med"/>
+</p:sld>
+</file>
+
+<file path=ppt/slides/slide3.xml><?xml version="1.0" encoding="utf-8"?>
+<p:sld xmlns:a="http://schemas.openxmlformats.org/drawingml/2006/main" xmlns:r="http://schemas.openxmlformats.org/officeDocument/2006/relationships" xmlns:p="http://schemas.openxmlformats.org/presentationml/2006/main">
+  <p:cSld>
+    <p:spTree>
+      <p:nvGrpSpPr>
+        <p:cNvPr id="1" name=""/>
+        <p:cNvGrpSpPr/>
+        <p:nvPr/>
+      </p:nvGrpSpPr>
+      <p:grpSpPr>
+        <a:xfrm>
+          <a:off x="0" y="0"/>
+          <a:ext cx="0" cy="0"/>
+          <a:chOff x="0" y="0"/>
+          <a:chExt cx="0" cy="0"/>
+        </a:xfrm>
+      </p:grpSpPr>
+      <p:sp>
+        <p:nvSpPr>
+          <p:cNvPr id="135" name="Example Prompt: Text Content"/>
+          <p:cNvSpPr txBox="1">
+            <a:spLocks noGrp="1"/>
+          </p:cNvSpPr>
+          <p:nvPr>
+            <p:ph type="title"/>
+          </p:nvPr>
+        </p:nvSpPr>
+        <p:spPr>
+          <a:prstGeom prst="rect">
+            <a:avLst/>
+          </a:prstGeom>
+        </p:spPr>
+        <p:txBody>
+          <a:bodyPr/>
+          <a:lstStyle/>
+          <a:p>
+            <a:r>
+              <a:rPr b="0"/>
+              <a:t>Example Prompt</a:t>
+            </a:r>
+            <a:r>
+              <a:t>: Text Content</a:t>
+            </a:r>
+          </a:p>
+        </p:txBody>
+      </p:sp>
+      <p:sp>
+        <p:nvSpPr>
+          <p:cNvPr id="136" name="Bad: &quot;Write an article about data privacy.&quot;…"/>
+          <p:cNvSpPr txBox="1">
+            <a:spLocks noGrp="1"/>
+          </p:cNvSpPr>
+          <p:nvPr>
+            <p:ph type="body" idx="1"/>
+          </p:nvPr>
+        </p:nvSpPr>
+        <p:spPr>
+          <a:prstGeom prst="rect">
+            <a:avLst/>
+          </a:prstGeom>
+        </p:spPr>
+        <p:txBody>
+          <a:bodyPr/>
+          <a:lstStyle/>
+          <a:p>
+            <a:pPr>
+              <a:defRPr i="1" strike="sngStrike"/>
+            </a:pPr>
+            <a:r>
+              <a:t>Bad: "Write an article about data privacy."</a:t>
+            </a:r>
+          </a:p>
+          <a:p>
+            <a:r>
+              <a:t>Better: "</a:t>
+            </a:r>
+            <a:r>
+              <a:rPr>
+                <a:solidFill>
+                  <a:srgbClr val="FF40FF"/>
+                </a:solidFill>
+              </a:rPr>
+              <a:t>You are an expert in cybersecurity, the audience is a new military soldier with minimal higher education</a:t>
+            </a:r>
+            <a:r>
+              <a:t>, </a:t>
+            </a:r>
+            <a:r>
+              <a:rPr>
+                <a:solidFill>
+                  <a:srgbClr val="942192"/>
+                </a:solidFill>
+              </a:rPr>
+              <a:t>don't be lazy with your processing, take it step by step first considering the task, analyzing the result, then writing</a:t>
+            </a:r>
+            <a:r>
+              <a:t>: </a:t>
+            </a:r>
+            <a:r>
+              <a:rPr>
+                <a:solidFill>
+                  <a:srgbClr val="0433FF"/>
+                </a:solidFill>
+              </a:rPr>
+              <a:t>Write a persuasive article that is at between 500 and 650 words about the importance of data privacy in the digital age for military families. Include examples of data breaches and their impact on individuals.</a:t>
+            </a:r>
+            <a:r>
+              <a:t>"</a:t>
+            </a:r>
+          </a:p>
+        </p:txBody>
+      </p:sp>
+      <p:sp>
+        <p:nvSpPr>
+          <p:cNvPr id="137" name="Slide Number"/>
+          <p:cNvSpPr txBox="1">
+            <a:spLocks noGrp="1"/>
+          </p:cNvSpPr>
+          <p:nvPr>
+            <p:ph type="sldNum" sz="quarter" idx="2"/>
+          </p:nvPr>
+        </p:nvSpPr>
+        <p:spPr>
+          <a:xfrm>
+            <a:off x="11172418" y="6414760"/>
+            <a:ext cx="181382" cy="248305"/>
+          </a:xfrm>
+          <a:prstGeom prst="rect">
+            <a:avLst/>
+          </a:prstGeom>
+          <a:extLst>
+            <a:ext uri="{C572A759-6A51-4108-AA02-DFA0A04FC94B}">
+              <ma14:wrappingTextBoxFlag xmlns:ma14="http://schemas.microsoft.com/office/mac/drawingml/2011/main" xmlns:a14="http://schemas.microsoft.com/office/drawing/2010/main" xmlns:m="http://schemas.openxmlformats.org/officeDocument/2006/math" xmlns="" val="1"/>
+            </a:ext>
+          </a:extLst>
+        </p:spPr>
+        <p:txBody>
+          <a:bodyPr/>
+          <a:lstStyle/>
+          <a:p>
+            <a:fld id="{86CB4B4D-7CA3-9044-876B-883B54F8677D}" type="slidenum">
+              <a:t>3</a:t>
+            </a:fld>
+            <a:endParaRPr/>
+          </a:p>
+        </p:txBody>
+      </p:sp>
+    </p:spTree>
+  </p:cSld>
+  <p:clrMapOvr>
+    <a:masterClrMapping/>
+  </p:clrMapOvr>
+  <p:transition spd="med"/>
+</p:sld>
+</file>
+
+<file path=ppt/slides/slide4.xml><?xml version="1.0" encoding="utf-8"?>
+<p:sld xmlns:a="http://schemas.openxmlformats.org/drawingml/2006/main" xmlns:r="http://schemas.openxmlformats.org/officeDocument/2006/relationships" xmlns:p="http://schemas.openxmlformats.org/presentationml/2006/main">
+  <p:cSld>
+    <p:spTree>
+      <p:nvGrpSpPr>
+        <p:cNvPr id="1" name=""/>
+        <p:cNvGrpSpPr/>
+        <p:nvPr/>
+      </p:nvGrpSpPr>
+      <p:grpSpPr>
+        <a:xfrm>
+          <a:off x="0" y="0"/>
+          <a:ext cx="0" cy="0"/>
+          <a:chOff x="0" y="0"/>
+          <a:chExt cx="0" cy="0"/>
+        </a:xfrm>
+      </p:grpSpPr>
+      <p:sp>
+        <p:nvSpPr>
+          <p:cNvPr id="139" name="Example Prompt: Image Content"/>
+          <p:cNvSpPr txBox="1">
+            <a:spLocks noGrp="1"/>
+          </p:cNvSpPr>
+          <p:nvPr>
+            <p:ph type="title"/>
+          </p:nvPr>
+        </p:nvSpPr>
+        <p:spPr>
+          <a:prstGeom prst="rect">
+            <a:avLst/>
+          </a:prstGeom>
+        </p:spPr>
+        <p:txBody>
+          <a:bodyPr/>
+          <a:lstStyle/>
+          <a:p>
+            <a:r>
+              <a:rPr b="0"/>
+              <a:t>Example Prompt</a:t>
+            </a:r>
+            <a:r>
+              <a:t>: Image Content</a:t>
+            </a:r>
+          </a:p>
+        </p:txBody>
+      </p:sp>
+      <p:sp>
+        <p:nvSpPr>
+          <p:cNvPr id="140" name="Bad: &quot;Design a logo for a nonprofit organization.&quot;…"/>
+          <p:cNvSpPr txBox="1">
+            <a:spLocks noGrp="1"/>
+          </p:cNvSpPr>
+          <p:nvPr>
+            <p:ph type="body" idx="1"/>
+          </p:nvPr>
+        </p:nvSpPr>
+        <p:spPr>
+          <a:prstGeom prst="rect">
+            <a:avLst/>
+          </a:prstGeom>
+        </p:spPr>
+        <p:txBody>
+          <a:bodyPr/>
+          <a:lstStyle/>
+          <a:p>
+            <a:pPr marL="205739" indent="-205739" defTabSz="822959">
+              <a:spcBef>
+                <a:spcPts val="900"/>
+              </a:spcBef>
+              <a:defRPr sz="2520" i="1" strike="sngStrike"/>
+            </a:pPr>
+            <a:r>
+              <a:t>Bad: "Design a logo for a nonprofit organization."</a:t>
+            </a:r>
+          </a:p>
+          <a:p>
+            <a:pPr marL="205739" indent="-205739" defTabSz="822959">
+              <a:spcBef>
+                <a:spcPts val="900"/>
+              </a:spcBef>
+              <a:defRPr sz="2520"/>
+            </a:pPr>
+            <a:r>
+              <a:t>Better: "</a:t>
+            </a:r>
+            <a:r>
+              <a:rPr>
+                <a:solidFill>
+                  <a:srgbClr val="942192"/>
+                </a:solidFill>
+              </a:rPr>
+              <a:t>Don't be lazy, take it step by step</a:t>
+            </a:r>
+            <a:r>
+              <a:t>. </a:t>
+            </a:r>
+            <a:r>
+              <a:rPr>
+                <a:solidFill>
+                  <a:srgbClr val="FF40FF"/>
+                </a:solidFill>
+              </a:rPr>
+              <a:t>Imagine you are a seasoned graphic designer tasked with creating a logo for a nonprofit organization dedicated to environmental conservation.</a:t>
+            </a:r>
+            <a:r>
+              <a:t> </a:t>
+            </a:r>
+            <a:r>
+              <a:rPr>
+                <a:solidFill>
+                  <a:srgbClr val="0433FF"/>
+                </a:solidFill>
+              </a:rPr>
+              <a:t>The logo must represent the organization’s core mission and values, which emphasize sustainability, community involvement, and nature preservation.</a:t>
+            </a:r>
+            <a:r>
+              <a:t> </a:t>
+            </a:r>
+            <a:r>
+              <a:rPr>
+                <a:solidFill>
+                  <a:srgbClr val="0433FF"/>
+                </a:solidFill>
+              </a:rPr>
+              <a:t>Adhere strictly to the organization’s branding guidelines, using a color scheme of earthy greens and blues. Incorporate elements that symbolize nature (like leaves or the Earth), sustainability (such as a recycle symbol), and community (represented by interlinked hands or a network). The design should be simple but powerful, clearly conveying the organization’s commitment to environmental stewardship</a:t>
+            </a:r>
+            <a:r>
+              <a:t>"</a:t>
+            </a:r>
+          </a:p>
+        </p:txBody>
+      </p:sp>
+      <p:sp>
+        <p:nvSpPr>
+          <p:cNvPr id="141" name="Slide Number"/>
+          <p:cNvSpPr txBox="1">
+            <a:spLocks noGrp="1"/>
+          </p:cNvSpPr>
+          <p:nvPr>
+            <p:ph type="sldNum" sz="quarter" idx="2"/>
+          </p:nvPr>
+        </p:nvSpPr>
+        <p:spPr>
+          <a:xfrm>
+            <a:off x="11172418" y="6414760"/>
+            <a:ext cx="181382" cy="248305"/>
+          </a:xfrm>
+          <a:prstGeom prst="rect">
+            <a:avLst/>
+          </a:prstGeom>
+          <a:extLst>
+            <a:ext uri="{C572A759-6A51-4108-AA02-DFA0A04FC94B}">
+              <ma14:wrappingTextBoxFlag xmlns:ma14="http://schemas.microsoft.com/office/mac/drawingml/2011/main" xmlns:a14="http://schemas.microsoft.com/office/drawing/2010/main" xmlns:m="http://schemas.openxmlformats.org/officeDocument/2006/math" xmlns="" val="1"/>
+            </a:ext>
+          </a:extLst>
+        </p:spPr>
+        <p:txBody>
+          <a:bodyPr/>
+          <a:lstStyle/>
+          <a:p>
+            <a:fld id="{86CB4B4D-7CA3-9044-876B-883B54F8677D}" type="slidenum">
+              <a:t>4</a:t>
+            </a:fld>
+            <a:endParaRPr/>
+          </a:p>
+        </p:txBody>
+      </p:sp>
+    </p:spTree>
+  </p:cSld>
+  <p:clrMapOvr>
+    <a:masterClrMapping/>
+  </p:clrMapOvr>
+  <p:transition spd="med"/>
+</p:sld>
+</file>
+
+<file path=ppt/slides/slide5.xml><?xml version="1.0" encoding="utf-8"?>
+<p:sld xmlns:a="http://schemas.openxmlformats.org/drawingml/2006/main" xmlns:r="http://schemas.openxmlformats.org/officeDocument/2006/relationships" xmlns:p="http://schemas.openxmlformats.org/presentationml/2006/main">
+  <p:cSld>
+    <p:spTree>
+      <p:nvGrpSpPr>
+        <p:cNvPr id="1" name=""/>
+        <p:cNvGrpSpPr/>
+        <p:nvPr/>
+      </p:nvGrpSpPr>
+      <p:grpSpPr>
+        <a:xfrm>
+          <a:off x="0" y="0"/>
+          <a:ext cx="0" cy="0"/>
+          <a:chOff x="0" y="0"/>
+          <a:chExt cx="0" cy="0"/>
+        </a:xfrm>
+      </p:grpSpPr>
+      <p:sp>
+        <p:nvSpPr>
+          <p:cNvPr id="143" name="Example Prompt: Code Content"/>
+          <p:cNvSpPr txBox="1">
+            <a:spLocks noGrp="1"/>
+          </p:cNvSpPr>
+          <p:nvPr>
+            <p:ph type="title"/>
+          </p:nvPr>
+        </p:nvSpPr>
+        <p:spPr>
+          <a:prstGeom prst="rect">
+            <a:avLst/>
+          </a:prstGeom>
+        </p:spPr>
+        <p:txBody>
+          <a:bodyPr/>
+          <a:lstStyle/>
+          <a:p>
+            <a:r>
+              <a:rPr b="0"/>
+              <a:t>Example Prompt</a:t>
+            </a:r>
+            <a:r>
+              <a:t>: Code Content</a:t>
+            </a:r>
+          </a:p>
+        </p:txBody>
+      </p:sp>
+      <p:sp>
+        <p:nvSpPr>
+          <p:cNvPr id="144" name="Bad: &quot;Write a function to download instagram images.&quot;…"/>
+          <p:cNvSpPr txBox="1">
+            <a:spLocks noGrp="1"/>
+          </p:cNvSpPr>
+          <p:nvPr>
+            <p:ph type="body" idx="1"/>
+          </p:nvPr>
+        </p:nvSpPr>
+        <p:spPr>
+          <a:prstGeom prst="rect">
+            <a:avLst/>
+          </a:prstGeom>
+        </p:spPr>
+        <p:txBody>
+          <a:bodyPr/>
+          <a:lstStyle/>
+          <a:p>
+            <a:pPr marL="203454" indent="-203454" defTabSz="813816">
+              <a:spcBef>
+                <a:spcPts val="800"/>
+              </a:spcBef>
+              <a:defRPr sz="2492" i="1" strike="sngStrike"/>
+            </a:pPr>
+            <a:r>
+              <a:t>Bad: "Write a function to download instagram images."</a:t>
+            </a:r>
+          </a:p>
+          <a:p>
+            <a:pPr marL="203454" indent="-203454" defTabSz="813816">
+              <a:spcBef>
+                <a:spcPts val="800"/>
+              </a:spcBef>
+              <a:defRPr sz="2492"/>
+            </a:pPr>
+            <a:r>
+              <a:t>Better: </a:t>
+            </a:r>
+          </a:p>
+          <a:p>
+            <a:pPr marL="203454" indent="-203454" defTabSz="813816">
+              <a:spcBef>
+                <a:spcPts val="800"/>
+              </a:spcBef>
+              <a:defRPr sz="2492"/>
+            </a:pPr>
+            <a:r>
+              <a:t>    - 1. "</a:t>
+            </a:r>
+            <a:r>
+              <a:rPr>
+                <a:solidFill>
+                  <a:srgbClr val="FF9300"/>
+                </a:solidFill>
+              </a:rPr>
+              <a:t>Create an andvanced google search for a script or repo focused on downloading instagram content" [Search it manually or though GPT]</a:t>
+            </a:r>
+          </a:p>
+          <a:p>
+            <a:pPr marL="203454" indent="-203454" defTabSz="813816">
+              <a:spcBef>
+                <a:spcPts val="800"/>
+              </a:spcBef>
+              <a:defRPr sz="2492"/>
+            </a:pPr>
+            <a:r>
+              <a:t>    - 2. "</a:t>
+            </a:r>
+            <a:r>
+              <a:rPr>
+                <a:solidFill>
+                  <a:srgbClr val="942192"/>
+                </a:solidFill>
+              </a:rPr>
+              <a:t>Don't be lazy, take it step by step. output all in markdown codeblock.</a:t>
+            </a:r>
+            <a:r>
+              <a:t> </a:t>
+            </a:r>
+            <a:r>
+              <a:rPr>
+                <a:solidFill>
+                  <a:srgbClr val="FF40FF"/>
+                </a:solidFill>
+              </a:rPr>
+              <a:t>You are a software developer working on a social media analytics tool.</a:t>
+            </a:r>
+            <a:r>
+              <a:t> </a:t>
+            </a:r>
+            <a:r>
+              <a:rPr>
+                <a:solidFill>
+                  <a:srgbClr val="0433FF"/>
+                </a:solidFill>
+              </a:rPr>
+              <a:t>Write a Python function that downloads images from Instagram based on one or more specific hashtags, users, or keywords. The function should take the hashtag as input from the user, scrape the images and store them in a local directory. Ensure the function handles errors gracefully and provides feedback to the user on the download progress.</a:t>
+            </a:r>
+            <a:r>
+              <a:t>"</a:t>
+            </a:r>
+          </a:p>
+        </p:txBody>
+      </p:sp>
+      <p:sp>
+        <p:nvSpPr>
+          <p:cNvPr id="145" name="Slide Number"/>
+          <p:cNvSpPr txBox="1">
+            <a:spLocks noGrp="1"/>
+          </p:cNvSpPr>
+          <p:nvPr>
+            <p:ph type="sldNum" sz="quarter" idx="2"/>
+          </p:nvPr>
+        </p:nvSpPr>
+        <p:spPr>
+          <a:xfrm>
+            <a:off x="11172418" y="6414760"/>
+            <a:ext cx="181382" cy="248305"/>
+          </a:xfrm>
+          <a:prstGeom prst="rect">
+            <a:avLst/>
+          </a:prstGeom>
+          <a:extLst>
+            <a:ext uri="{C572A759-6A51-4108-AA02-DFA0A04FC94B}">
+              <ma14:wrappingTextBoxFlag xmlns:ma14="http://schemas.microsoft.com/office/mac/drawingml/2011/main" xmlns:a14="http://schemas.microsoft.com/office/drawing/2010/main" xmlns:m="http://schemas.openxmlformats.org/officeDocument/2006/math" xmlns="" val="1"/>
+            </a:ext>
+          </a:extLst>
+        </p:spPr>
+        <p:txBody>
+          <a:bodyPr/>
+          <a:lstStyle/>
+          <a:p>
+            <a:fld id="{86CB4B4D-7CA3-9044-876B-883B54F8677D}" type="slidenum">
+              <a:t>5</a:t>
+            </a:fld>
+            <a:endParaRPr/>
+          </a:p>
+        </p:txBody>
+      </p:sp>
+    </p:spTree>
+  </p:cSld>
+  <p:clrMapOvr>
+    <a:masterClrMapping/>
+  </p:clrMapOvr>
+  <p:transition spd="med"/>
+</p:sld>
+</file>
+
+<file path=ppt/slides/slide6.xml><?xml version="1.0" encoding="utf-8"?>
+<p:sld xmlns:a="http://schemas.openxmlformats.org/drawingml/2006/main" xmlns:r="http://schemas.openxmlformats.org/officeDocument/2006/relationships" xmlns:p="http://schemas.openxmlformats.org/presentationml/2006/main">
+  <p:cSld>
+    <p:spTree>
+      <p:nvGrpSpPr>
+        <p:cNvPr id="1" name=""/>
+        <p:cNvGrpSpPr/>
+        <p:nvPr/>
+      </p:nvGrpSpPr>
+      <p:grpSpPr>
+        <a:xfrm>
+          <a:off x="0" y="0"/>
+          <a:ext cx="0" cy="0"/>
+          <a:chOff x="0" y="0"/>
+          <a:chExt cx="0" cy="0"/>
+        </a:xfrm>
+      </p:grpSpPr>
+      <p:sp>
+        <p:nvSpPr>
+          <p:cNvPr id="130" name="Title 1"/>
+          <p:cNvSpPr txBox="1">
+            <a:spLocks noGrp="1"/>
+          </p:cNvSpPr>
+          <p:nvPr>
+            <p:ph type="title"/>
+          </p:nvPr>
+        </p:nvSpPr>
+        <p:spPr>
+          <a:xfrm>
+            <a:off x="1480483" y="365125"/>
+            <a:ext cx="9873317" cy="1325563"/>
+          </a:xfrm>
+          <a:prstGeom prst="rect">
+            <a:avLst/>
+          </a:prstGeom>
+        </p:spPr>
+        <p:txBody>
+          <a:bodyPr/>
+          <a:lstStyle/>
+          <a:p>
+            <a:r>
+              <a:t>Best Practices for Generating AI Content</a:t>
+            </a:r>
+          </a:p>
+        </p:txBody>
+      </p:sp>
+      <p:sp>
+        <p:nvSpPr>
+          <p:cNvPr id="131" name="Content Placeholder 2"/>
+          <p:cNvSpPr txBox="1">
+            <a:spLocks noGrp="1"/>
+          </p:cNvSpPr>
+          <p:nvPr>
+            <p:ph type="body" idx="1"/>
+          </p:nvPr>
+        </p:nvSpPr>
+        <p:spPr>
+          <a:xfrm>
+            <a:off x="3177279" y="1817491"/>
+            <a:ext cx="8852186" cy="5214806"/>
+          </a:xfrm>
+          <a:prstGeom prst="rect">
+            <a:avLst/>
+          </a:prstGeom>
+        </p:spPr>
+        <p:txBody>
+          <a:bodyPr/>
+          <a:lstStyle/>
+          <a:p>
+            <a:pPr marL="457200" indent="-317500" defTabSz="457200">
+              <a:lnSpc>
+                <a:spcPct val="100000"/>
+              </a:lnSpc>
+              <a:spcBef>
+                <a:spcPts val="0"/>
+              </a:spcBef>
+              <a:buClr>
+                <a:srgbClr val="1F2328"/>
+              </a:buClr>
+              <a:buFont typeface="TimesNewRomanPSMT"/>
+              <a:buAutoNum type="arabicPeriod"/>
+              <a:defRPr sz="1800">
+                <a:solidFill>
+                  <a:srgbClr val="1F2328"/>
+                </a:solidFill>
+                <a:latin typeface="Helvetica Neue"/>
+                <a:ea typeface="Helvetica Neue"/>
+                <a:cs typeface="Helvetica Neue"/>
+                <a:sym typeface="Helvetica Neue"/>
+              </a:defRPr>
+            </a:pPr>
+            <a:r>
+              <a:rPr b="1" dirty="0">
+                <a:solidFill>
+                  <a:schemeClr val="tx1"/>
+                </a:solidFill>
+                <a:highlight>
+                  <a:srgbClr val="000000"/>
+                </a:highlight>
+                <a:latin typeface="+mn-lt"/>
+                <a:ea typeface="+mn-ea"/>
+                <a:cs typeface="+mn-cs"/>
+                <a:sym typeface="Helvetica"/>
+              </a:rPr>
+              <a:t>Check for Accuracy</a:t>
+            </a:r>
+            <a:r>
+              <a:rPr dirty="0">
+                <a:solidFill>
+                  <a:schemeClr val="tx1"/>
+                </a:solidFill>
+                <a:highlight>
+                  <a:srgbClr val="000000"/>
+                </a:highlight>
+              </a:rPr>
+              <a:t>: Always review AI-generated content for factual accuracy and relevance.</a:t>
+            </a:r>
+          </a:p>
+          <a:p>
+            <a:pPr marL="457200" indent="-317500" defTabSz="457200">
+              <a:lnSpc>
+                <a:spcPct val="100000"/>
+              </a:lnSpc>
+              <a:spcBef>
+                <a:spcPts val="0"/>
+              </a:spcBef>
+              <a:buClr>
+                <a:srgbClr val="1F2328"/>
+              </a:buClr>
+              <a:buFont typeface="TimesNewRomanPSMT"/>
+              <a:buAutoNum type="arabicPeriod"/>
+              <a:defRPr sz="1800">
+                <a:solidFill>
+                  <a:srgbClr val="1F2328"/>
+                </a:solidFill>
+                <a:latin typeface="Helvetica Neue"/>
+                <a:ea typeface="Helvetica Neue"/>
+                <a:cs typeface="Helvetica Neue"/>
+                <a:sym typeface="Helvetica Neue"/>
+              </a:defRPr>
+            </a:pPr>
+            <a:r>
+              <a:rPr b="1" dirty="0">
+                <a:solidFill>
+                  <a:schemeClr val="tx1"/>
+                </a:solidFill>
+                <a:highlight>
+                  <a:srgbClr val="000000"/>
+                </a:highlight>
+                <a:latin typeface="+mn-lt"/>
+                <a:ea typeface="+mn-ea"/>
+                <a:cs typeface="+mn-cs"/>
+                <a:sym typeface="Helvetica"/>
+              </a:rPr>
+              <a:t>Be Specific</a:t>
+            </a:r>
+            <a:r>
+              <a:rPr dirty="0">
+                <a:solidFill>
+                  <a:schemeClr val="tx1"/>
+                </a:solidFill>
+                <a:highlight>
+                  <a:srgbClr val="000000"/>
+                </a:highlight>
+              </a:rPr>
+              <a:t>: Clearly define the content type, audience, and purpose when prompting the AI.</a:t>
+            </a:r>
+          </a:p>
+          <a:p>
+            <a:pPr marL="457200" indent="-317500" defTabSz="457200">
+              <a:lnSpc>
+                <a:spcPct val="100000"/>
+              </a:lnSpc>
+              <a:spcBef>
+                <a:spcPts val="0"/>
+              </a:spcBef>
+              <a:buClr>
+                <a:srgbClr val="1F2328"/>
+              </a:buClr>
+              <a:buFont typeface="TimesNewRomanPSMT"/>
+              <a:buAutoNum type="arabicPeriod"/>
+              <a:defRPr sz="1800">
+                <a:solidFill>
+                  <a:srgbClr val="1F2328"/>
+                </a:solidFill>
+                <a:latin typeface="Helvetica Neue"/>
+                <a:ea typeface="Helvetica Neue"/>
+                <a:cs typeface="Helvetica Neue"/>
+                <a:sym typeface="Helvetica Neue"/>
+              </a:defRPr>
+            </a:pPr>
+            <a:r>
+              <a:rPr b="1" dirty="0">
+                <a:solidFill>
+                  <a:schemeClr val="tx1"/>
+                </a:solidFill>
+                <a:highlight>
+                  <a:srgbClr val="000000"/>
+                </a:highlight>
+                <a:latin typeface="+mn-lt"/>
+                <a:ea typeface="+mn-ea"/>
+                <a:cs typeface="+mn-cs"/>
+                <a:sym typeface="Helvetica"/>
+              </a:rPr>
+              <a:t>Iterate and Refine</a:t>
+            </a:r>
+            <a:r>
+              <a:rPr dirty="0">
+                <a:solidFill>
+                  <a:schemeClr val="tx1"/>
+                </a:solidFill>
+                <a:highlight>
+                  <a:srgbClr val="000000"/>
+                </a:highlight>
+              </a:rPr>
+              <a:t>: Use iterative prompts to refine the generated content. Start broad and narrow down specifics.</a:t>
+            </a:r>
+          </a:p>
+          <a:p>
+            <a:pPr marL="457200" indent="-317500" defTabSz="457200">
+              <a:lnSpc>
+                <a:spcPct val="100000"/>
+              </a:lnSpc>
+              <a:spcBef>
+                <a:spcPts val="0"/>
+              </a:spcBef>
+              <a:buClr>
+                <a:srgbClr val="1F2328"/>
+              </a:buClr>
+              <a:buFont typeface="TimesNewRomanPSMT"/>
+              <a:buAutoNum type="arabicPeriod"/>
+              <a:defRPr sz="1800">
+                <a:solidFill>
+                  <a:srgbClr val="1F2328"/>
+                </a:solidFill>
+                <a:latin typeface="Helvetica Neue"/>
+                <a:ea typeface="Helvetica Neue"/>
+                <a:cs typeface="Helvetica Neue"/>
+                <a:sym typeface="Helvetica Neue"/>
+              </a:defRPr>
+            </a:pPr>
+            <a:r>
+              <a:rPr b="1" dirty="0">
+                <a:solidFill>
+                  <a:schemeClr val="tx1"/>
+                </a:solidFill>
+                <a:highlight>
+                  <a:srgbClr val="000000"/>
+                </a:highlight>
+                <a:latin typeface="+mn-lt"/>
+                <a:ea typeface="+mn-ea"/>
+                <a:cs typeface="+mn-cs"/>
+                <a:sym typeface="Helvetica"/>
+              </a:rPr>
+              <a:t>Provide Context</a:t>
+            </a:r>
+            <a:r>
+              <a:rPr dirty="0">
+                <a:solidFill>
+                  <a:schemeClr val="tx1"/>
+                </a:solidFill>
+                <a:highlight>
+                  <a:srgbClr val="000000"/>
+                </a:highlight>
+              </a:rPr>
+              <a:t>: Give the AI relevant context to generate more accurate and relevant content.</a:t>
+            </a:r>
+          </a:p>
+          <a:p>
+            <a:pPr marL="457200" indent="-317500" defTabSz="457200">
+              <a:lnSpc>
+                <a:spcPct val="100000"/>
+              </a:lnSpc>
+              <a:spcBef>
+                <a:spcPts val="0"/>
+              </a:spcBef>
+              <a:buClr>
+                <a:srgbClr val="1F2328"/>
+              </a:buClr>
+              <a:buFont typeface="TimesNewRomanPSMT"/>
+              <a:buAutoNum type="arabicPeriod"/>
+              <a:defRPr sz="1800">
+                <a:solidFill>
+                  <a:srgbClr val="1F2328"/>
+                </a:solidFill>
+                <a:latin typeface="Helvetica Neue"/>
+                <a:ea typeface="Helvetica Neue"/>
+                <a:cs typeface="Helvetica Neue"/>
+                <a:sym typeface="Helvetica Neue"/>
+              </a:defRPr>
+            </a:pPr>
+            <a:r>
+              <a:rPr b="1" dirty="0">
+                <a:solidFill>
+                  <a:schemeClr val="tx1"/>
+                </a:solidFill>
+                <a:highlight>
+                  <a:srgbClr val="000000"/>
+                </a:highlight>
+                <a:latin typeface="+mn-lt"/>
+                <a:ea typeface="+mn-ea"/>
+                <a:cs typeface="+mn-cs"/>
+                <a:sym typeface="Helvetica"/>
+              </a:rPr>
+              <a:t>Use Multiple Services</a:t>
+            </a:r>
+            <a:r>
+              <a:rPr dirty="0">
+                <a:solidFill>
+                  <a:schemeClr val="tx1"/>
+                </a:solidFill>
+                <a:highlight>
+                  <a:srgbClr val="000000"/>
+                </a:highlight>
+              </a:rPr>
+              <a:t>: Use a combination of tools to leverage different strengths and capabilities, such as google searching for existing scripts or repositories, images, or prompts for AI to generate content or using a text generating model to build a better prompt for image generating.</a:t>
+            </a:r>
+          </a:p>
+          <a:p>
+            <a:pPr marL="457200" indent="-317500" defTabSz="457200">
+              <a:lnSpc>
+                <a:spcPct val="100000"/>
+              </a:lnSpc>
+              <a:spcBef>
+                <a:spcPts val="0"/>
+              </a:spcBef>
+              <a:buClr>
+                <a:srgbClr val="1F2328"/>
+              </a:buClr>
+              <a:buFont typeface="TimesNewRomanPSMT"/>
+              <a:buAutoNum type="arabicPeriod"/>
+              <a:defRPr sz="1800">
+                <a:solidFill>
+                  <a:srgbClr val="1F2328"/>
+                </a:solidFill>
+                <a:latin typeface="Helvetica Neue"/>
+                <a:ea typeface="Helvetica Neue"/>
+                <a:cs typeface="Helvetica Neue"/>
+                <a:sym typeface="Helvetica Neue"/>
+              </a:defRPr>
+            </a:pPr>
+            <a:r>
+              <a:rPr b="1" dirty="0">
+                <a:solidFill>
+                  <a:schemeClr val="tx1"/>
+                </a:solidFill>
+                <a:highlight>
+                  <a:srgbClr val="000000"/>
+                </a:highlight>
+                <a:latin typeface="+mn-lt"/>
+                <a:ea typeface="+mn-ea"/>
+                <a:cs typeface="+mn-cs"/>
+                <a:sym typeface="Helvetica"/>
+              </a:rPr>
+              <a:t>Remind AI of Constraints</a:t>
+            </a:r>
+            <a:r>
+              <a:rPr dirty="0">
+                <a:solidFill>
+                  <a:schemeClr val="tx1"/>
+                </a:solidFill>
+                <a:highlight>
+                  <a:srgbClr val="000000"/>
+                </a:highlight>
+              </a:rPr>
+              <a:t>: If there are specific requirements or constraints, remind the AI in the prompt. For example, word count limits, tone, or style guidelines. Ask it not to be lazy and take it step by step.</a:t>
+            </a:r>
+          </a:p>
+          <a:p>
+            <a:pPr marL="457200" indent="-317500" defTabSz="457200">
+              <a:lnSpc>
+                <a:spcPct val="100000"/>
+              </a:lnSpc>
+              <a:spcBef>
+                <a:spcPts val="0"/>
+              </a:spcBef>
+              <a:buClr>
+                <a:srgbClr val="1F2328"/>
+              </a:buClr>
+              <a:buFont typeface="TimesNewRomanPSMT"/>
+              <a:buAutoNum type="arabicPeriod"/>
+              <a:defRPr sz="1800">
+                <a:solidFill>
+                  <a:srgbClr val="1F2328"/>
+                </a:solidFill>
+                <a:latin typeface="Helvetica Neue"/>
+                <a:ea typeface="Helvetica Neue"/>
+                <a:cs typeface="Helvetica Neue"/>
+                <a:sym typeface="Helvetica Neue"/>
+              </a:defRPr>
+            </a:pPr>
+            <a:r>
+              <a:rPr b="1" dirty="0">
+                <a:solidFill>
+                  <a:schemeClr val="tx1"/>
+                </a:solidFill>
+                <a:highlight>
+                  <a:srgbClr val="000000"/>
+                </a:highlight>
+                <a:latin typeface="+mn-lt"/>
+                <a:ea typeface="+mn-ea"/>
+                <a:cs typeface="+mn-cs"/>
+                <a:sym typeface="Helvetica"/>
+              </a:rPr>
+              <a:t>Make Templates</a:t>
+            </a:r>
+            <a:r>
+              <a:rPr dirty="0">
+                <a:solidFill>
+                  <a:schemeClr val="tx1"/>
+                </a:solidFill>
+                <a:highlight>
+                  <a:srgbClr val="000000"/>
+                </a:highlight>
+              </a:rPr>
+              <a:t>: Create templates with variables for common tasks to speed up the content generation process and maintain consistency.</a:t>
+            </a:r>
+          </a:p>
+        </p:txBody>
+      </p:sp>
+      <p:sp>
+        <p:nvSpPr>
+          <p:cNvPr id="132" name="Content Placeholder 2"/>
+          <p:cNvSpPr txBox="1"/>
+          <p:nvPr/>
+        </p:nvSpPr>
+        <p:spPr>
+          <a:xfrm>
+            <a:off x="49298" y="2054033"/>
+            <a:ext cx="3348332" cy="4351339"/>
+          </a:xfrm>
+          <a:prstGeom prst="rect">
+            <a:avLst/>
+          </a:prstGeom>
+          <a:ln w="12700">
+            <a:miter lim="400000"/>
+          </a:ln>
+          <a:extLst>
+            <a:ext uri="{C572A759-6A51-4108-AA02-DFA0A04FC94B}">
+              <ma14:wrappingTextBoxFlag xmlns="" xmlns:m="http://schemas.openxmlformats.org/officeDocument/2006/math" xmlns:a14="http://schemas.microsoft.com/office/drawing/2010/main" xmlns:ma14="http://schemas.microsoft.com/office/mac/drawingml/2011/main" val="1"/>
+            </a:ext>
+          </a:extLst>
+        </p:spPr>
+        <p:txBody>
+          <a:bodyPr lIns="45719" rIns="45719">
+            <a:normAutofit/>
+          </a:bodyPr>
+          <a:lstStyle/>
+          <a:p>
+            <a:pPr defTabSz="457200">
+              <a:spcBef>
+                <a:spcPts val="1600"/>
+              </a:spcBef>
+              <a:defRPr sz="2000" b="1">
+                <a:solidFill>
+                  <a:srgbClr val="1F2328"/>
+                </a:solidFill>
+                <a:latin typeface="Helvetica Neue"/>
+                <a:ea typeface="Helvetica Neue"/>
+                <a:cs typeface="Helvetica Neue"/>
+                <a:sym typeface="Helvetica Neue"/>
+              </a:defRPr>
+            </a:pPr>
+            <a:r>
+              <a:rPr dirty="0"/>
+              <a:t>General Tips</a:t>
+            </a:r>
+          </a:p>
+          <a:p>
+            <a:pPr defTabSz="457200">
+              <a:defRPr sz="1600">
+                <a:solidFill>
+                  <a:srgbClr val="1F2328"/>
+                </a:solidFill>
+                <a:latin typeface="Helvetica Neue"/>
+                <a:ea typeface="Helvetica Neue"/>
+                <a:cs typeface="Helvetica Neue"/>
+                <a:sym typeface="Helvetica Neue"/>
+              </a:defRPr>
+            </a:pPr>
+            <a:endParaRPr dirty="0"/>
+          </a:p>
+          <a:p>
+            <a:pPr marL="457200" indent="-317500" defTabSz="457200">
+              <a:buClr>
+                <a:srgbClr val="1F2328"/>
+              </a:buClr>
+              <a:buSzPct val="100000"/>
+              <a:buFont typeface="TimesNewRomanPSMT"/>
+              <a:buAutoNum type="arabicPeriod"/>
+              <a:defRPr sz="1600">
+                <a:solidFill>
+                  <a:srgbClr val="1F2328"/>
+                </a:solidFill>
+                <a:latin typeface="Helvetica Neue"/>
+                <a:ea typeface="Helvetica Neue"/>
+                <a:cs typeface="Helvetica Neue"/>
+                <a:sym typeface="Helvetica Neue"/>
+              </a:defRPr>
+            </a:pPr>
+            <a:r>
+              <a:rPr b="1" dirty="0">
+                <a:solidFill>
+                  <a:schemeClr val="tx1"/>
+                </a:solidFill>
+                <a:highlight>
+                  <a:srgbClr val="000000"/>
+                </a:highlight>
+                <a:latin typeface="+mn-lt"/>
+                <a:ea typeface="+mn-ea"/>
+                <a:cs typeface="+mn-cs"/>
+                <a:sym typeface="Helvetica"/>
+              </a:rPr>
+              <a:t>Check for Accuracy</a:t>
+            </a:r>
+          </a:p>
+          <a:p>
+            <a:pPr marL="457200" indent="-317500" defTabSz="457200">
+              <a:buClr>
+                <a:srgbClr val="1F2328"/>
+              </a:buClr>
+              <a:buSzPct val="100000"/>
+              <a:buFont typeface="TimesNewRomanPSMT"/>
+              <a:buAutoNum type="arabicPeriod"/>
+              <a:defRPr sz="1600">
+                <a:solidFill>
+                  <a:srgbClr val="0433FF"/>
+                </a:solidFill>
+                <a:latin typeface="Helvetica Neue"/>
+                <a:ea typeface="Helvetica Neue"/>
+                <a:cs typeface="Helvetica Neue"/>
+                <a:sym typeface="Helvetica Neue"/>
+              </a:defRPr>
+            </a:pPr>
+            <a:r>
+              <a:rPr b="1" dirty="0">
+                <a:solidFill>
+                  <a:schemeClr val="tx1"/>
+                </a:solidFill>
+                <a:highlight>
+                  <a:srgbClr val="000000"/>
+                </a:highlight>
+                <a:latin typeface="+mn-lt"/>
+                <a:ea typeface="+mn-ea"/>
+                <a:cs typeface="+mn-cs"/>
+                <a:sym typeface="Helvetica"/>
+              </a:rPr>
+              <a:t>Be Specific</a:t>
+            </a:r>
+            <a:r>
+              <a:rPr dirty="0">
+                <a:solidFill>
+                  <a:schemeClr val="tx1"/>
+                </a:solidFill>
+                <a:highlight>
+                  <a:srgbClr val="000000"/>
+                </a:highlight>
+              </a:rPr>
+              <a:t>: </a:t>
+            </a:r>
+          </a:p>
+          <a:p>
+            <a:pPr marL="457200" indent="-317500" defTabSz="457200">
+              <a:buClr>
+                <a:srgbClr val="1F2328"/>
+              </a:buClr>
+              <a:buSzPct val="100000"/>
+              <a:buFont typeface="TimesNewRomanPSMT"/>
+              <a:buAutoNum type="arabicPeriod"/>
+              <a:defRPr sz="1600">
+                <a:solidFill>
+                  <a:srgbClr val="FF9300"/>
+                </a:solidFill>
+                <a:latin typeface="Helvetica Neue"/>
+                <a:ea typeface="Helvetica Neue"/>
+                <a:cs typeface="Helvetica Neue"/>
+                <a:sym typeface="Helvetica Neue"/>
+              </a:defRPr>
+            </a:pPr>
+            <a:r>
+              <a:rPr b="1" dirty="0">
+                <a:solidFill>
+                  <a:schemeClr val="tx1"/>
+                </a:solidFill>
+                <a:highlight>
+                  <a:srgbClr val="000000"/>
+                </a:highlight>
+                <a:latin typeface="+mn-lt"/>
+                <a:ea typeface="+mn-ea"/>
+                <a:cs typeface="+mn-cs"/>
+                <a:sym typeface="Helvetica"/>
+              </a:rPr>
+              <a:t>Iterate and Refine</a:t>
+            </a:r>
+            <a:r>
+              <a:rPr dirty="0">
+                <a:solidFill>
+                  <a:schemeClr val="tx1"/>
+                </a:solidFill>
+                <a:highlight>
+                  <a:srgbClr val="000000"/>
+                </a:highlight>
+              </a:rPr>
+              <a:t>: </a:t>
+            </a:r>
+          </a:p>
+          <a:p>
+            <a:pPr marL="457200" indent="-317500" defTabSz="457200">
+              <a:buClr>
+                <a:srgbClr val="1F2328"/>
+              </a:buClr>
+              <a:buSzPct val="100000"/>
+              <a:buFont typeface="TimesNewRomanPSMT"/>
+              <a:buAutoNum type="arabicPeriod"/>
+              <a:defRPr sz="1600">
+                <a:solidFill>
+                  <a:srgbClr val="FF40FF"/>
+                </a:solidFill>
+                <a:latin typeface="Helvetica Neue"/>
+                <a:ea typeface="Helvetica Neue"/>
+                <a:cs typeface="Helvetica Neue"/>
+                <a:sym typeface="Helvetica Neue"/>
+              </a:defRPr>
+            </a:pPr>
+            <a:r>
+              <a:rPr b="1" dirty="0">
+                <a:solidFill>
+                  <a:schemeClr val="tx1"/>
+                </a:solidFill>
+                <a:highlight>
+                  <a:srgbClr val="000000"/>
+                </a:highlight>
+                <a:latin typeface="+mn-lt"/>
+                <a:ea typeface="+mn-ea"/>
+                <a:cs typeface="+mn-cs"/>
+                <a:sym typeface="Helvetica"/>
+              </a:rPr>
+              <a:t>Provide Context</a:t>
+            </a:r>
+            <a:r>
+              <a:rPr dirty="0">
+                <a:solidFill>
+                  <a:schemeClr val="tx1"/>
+                </a:solidFill>
+                <a:highlight>
+                  <a:srgbClr val="000000"/>
+                </a:highlight>
+              </a:rPr>
+              <a:t>:</a:t>
+            </a:r>
+          </a:p>
+          <a:p>
+            <a:pPr marL="457200" indent="-317500" defTabSz="457200">
+              <a:buClr>
+                <a:srgbClr val="1F2328"/>
+              </a:buClr>
+              <a:buSzPct val="100000"/>
+              <a:buFont typeface="TimesNewRomanPSMT"/>
+              <a:buAutoNum type="arabicPeriod"/>
+              <a:defRPr sz="1600">
+                <a:solidFill>
+                  <a:srgbClr val="1F2328"/>
+                </a:solidFill>
+                <a:latin typeface="Helvetica Neue"/>
+                <a:ea typeface="Helvetica Neue"/>
+                <a:cs typeface="Helvetica Neue"/>
+                <a:sym typeface="Helvetica Neue"/>
+              </a:defRPr>
+            </a:pPr>
+            <a:r>
+              <a:rPr b="1" dirty="0">
+                <a:solidFill>
+                  <a:schemeClr val="tx1"/>
+                </a:solidFill>
+                <a:highlight>
+                  <a:srgbClr val="000000"/>
+                </a:highlight>
+                <a:latin typeface="+mn-lt"/>
+                <a:ea typeface="+mn-ea"/>
+                <a:cs typeface="+mn-cs"/>
+                <a:sym typeface="Helvetica"/>
+              </a:rPr>
+              <a:t>Use Multiple Services</a:t>
+            </a:r>
+            <a:r>
+              <a:rPr dirty="0">
+                <a:solidFill>
+                  <a:schemeClr val="tx1"/>
+                </a:solidFill>
+                <a:highlight>
+                  <a:srgbClr val="000000"/>
+                </a:highlight>
+              </a:rPr>
+              <a:t>:</a:t>
+            </a:r>
+          </a:p>
+          <a:p>
+            <a:pPr marL="457200" indent="-317500" defTabSz="457200">
+              <a:buClr>
+                <a:srgbClr val="1F2328"/>
+              </a:buClr>
+              <a:buSzPct val="100000"/>
+              <a:buFont typeface="TimesNewRomanPSMT"/>
+              <a:buAutoNum type="arabicPeriod"/>
+              <a:defRPr sz="1600">
+                <a:solidFill>
+                  <a:srgbClr val="942192"/>
+                </a:solidFill>
+                <a:latin typeface="Helvetica Neue"/>
+                <a:ea typeface="Helvetica Neue"/>
+                <a:cs typeface="Helvetica Neue"/>
+                <a:sym typeface="Helvetica Neue"/>
+              </a:defRPr>
+            </a:pPr>
+            <a:r>
+              <a:rPr b="1" dirty="0">
+                <a:solidFill>
+                  <a:schemeClr val="tx1"/>
+                </a:solidFill>
+                <a:highlight>
+                  <a:srgbClr val="000000"/>
+                </a:highlight>
+                <a:latin typeface="+mn-lt"/>
+                <a:ea typeface="+mn-ea"/>
+                <a:cs typeface="+mn-cs"/>
+                <a:sym typeface="Helvetica"/>
+              </a:rPr>
+              <a:t>Remind AI of Constraints</a:t>
+            </a:r>
+            <a:r>
+              <a:rPr dirty="0">
+                <a:solidFill>
+                  <a:schemeClr val="tx1"/>
+                </a:solidFill>
+                <a:highlight>
+                  <a:srgbClr val="000000"/>
+                </a:highlight>
+              </a:rPr>
+              <a:t>:</a:t>
+            </a:r>
+          </a:p>
+          <a:p>
+            <a:pPr marL="457200" indent="-317500" defTabSz="457200">
+              <a:buClr>
+                <a:srgbClr val="1F2328"/>
+              </a:buClr>
+              <a:buSzPct val="100000"/>
+              <a:buFont typeface="TimesNewRomanPSMT"/>
+              <a:buAutoNum type="arabicPeriod"/>
+              <a:defRPr sz="1600">
+                <a:solidFill>
+                  <a:srgbClr val="1F2328"/>
+                </a:solidFill>
+                <a:latin typeface="Helvetica Neue"/>
+                <a:ea typeface="Helvetica Neue"/>
+                <a:cs typeface="Helvetica Neue"/>
+                <a:sym typeface="Helvetica Neue"/>
+              </a:defRPr>
+            </a:pPr>
+            <a:r>
+              <a:rPr b="1" dirty="0">
+                <a:solidFill>
+                  <a:schemeClr val="tx1"/>
+                </a:solidFill>
+                <a:highlight>
+                  <a:srgbClr val="000000"/>
+                </a:highlight>
+                <a:latin typeface="+mn-lt"/>
+                <a:ea typeface="+mn-ea"/>
+                <a:cs typeface="+mn-cs"/>
+                <a:sym typeface="Helvetica"/>
+              </a:rPr>
+              <a:t>Make Templates</a:t>
+            </a:r>
+            <a:endParaRPr dirty="0">
+              <a:solidFill>
+                <a:schemeClr val="tx1"/>
+              </a:solidFill>
+              <a:highlight>
+                <a:srgbClr val="000000"/>
+              </a:highlight>
+            </a:endParaRPr>
+          </a:p>
+        </p:txBody>
+      </p:sp>
+      <p:sp>
+        <p:nvSpPr>
+          <p:cNvPr id="133" name="Slide Number"/>
+          <p:cNvSpPr txBox="1">
+            <a:spLocks noGrp="1"/>
+          </p:cNvSpPr>
+          <p:nvPr>
+            <p:ph type="sldNum" sz="quarter" idx="2"/>
+          </p:nvPr>
+        </p:nvSpPr>
+        <p:spPr>
+          <a:xfrm>
+            <a:off x="11172418" y="6414760"/>
+            <a:ext cx="181382" cy="248305"/>
+          </a:xfrm>
+          <a:prstGeom prst="rect">
+            <a:avLst/>
+          </a:prstGeom>
+          <a:extLst>
+            <a:ext uri="{C572A759-6A51-4108-AA02-DFA0A04FC94B}">
+              <ma14:wrappingTextBoxFlag xmlns="" xmlns:m="http://schemas.openxmlformats.org/officeDocument/2006/math" xmlns:a14="http://schemas.microsoft.com/office/drawing/2010/main" xmlns:ma14="http://schemas.microsoft.com/office/mac/drawingml/2011/main" val="1"/>
+            </a:ext>
+          </a:extLst>
+        </p:spPr>
+        <p:txBody>
+          <a:bodyPr/>
+          <a:lstStyle/>
+          <a:p>
+            <a:fld id="{86CB4B4D-7CA3-9044-876B-883B54F8677D}" type="slidenum">
+              <a:t>6</a:t>
+            </a:fld>
+            <a:endParaRPr/>
+          </a:p>
+        </p:txBody>
+      </p:sp>
+    </p:spTree>
+    <p:extLst>
+      <p:ext uri="{BB962C8B-B14F-4D97-AF65-F5344CB8AC3E}">
+        <p14:creationId xmlns:p14="http://schemas.microsoft.com/office/powerpoint/2010/main" val="2971887046"/>
+      </p:ext>
+    </p:extLst>
+  </p:cSld>
+  <p:clrMapOvr>
+    <a:masterClrMapping/>
+  </p:clrMapOvr>
+  <p:transition spd="med"/>
+</p:sld>
+</file>
+
+<file path=ppt/slides/slide7.xml><?xml version="1.0" encoding="utf-8"?>
+<p:sld xmlns:a="http://schemas.openxmlformats.org/drawingml/2006/main" xmlns:r="http://schemas.openxmlformats.org/officeDocument/2006/relationships" xmlns:p="http://schemas.openxmlformats.org/presentationml/2006/main">
+  <p:cSld>
+    <p:spTree>
+      <p:nvGrpSpPr>
+        <p:cNvPr id="1" name=""/>
+        <p:cNvGrpSpPr/>
+        <p:nvPr/>
+      </p:nvGrpSpPr>
+      <p:grpSpPr>
+        <a:xfrm>
+          <a:off x="0" y="0"/>
+          <a:ext cx="0" cy="0"/>
+          <a:chOff x="0" y="0"/>
+          <a:chExt cx="0" cy="0"/>
+        </a:xfrm>
+      </p:grpSpPr>
+      <p:sp>
+        <p:nvSpPr>
+          <p:cNvPr id="130" name="Title 1"/>
+          <p:cNvSpPr txBox="1">
+            <a:spLocks noGrp="1"/>
+          </p:cNvSpPr>
+          <p:nvPr>
+            <p:ph type="title"/>
+          </p:nvPr>
+        </p:nvSpPr>
+        <p:spPr>
+          <a:xfrm>
+            <a:off x="1480483" y="365125"/>
+            <a:ext cx="9873317" cy="1325563"/>
+          </a:xfrm>
+          <a:prstGeom prst="rect">
+            <a:avLst/>
+          </a:prstGeom>
+        </p:spPr>
+        <p:txBody>
+          <a:bodyPr/>
+          <a:lstStyle/>
+          <a:p>
+            <a:r>
+              <a:t>Best Practices for Generating AI Content</a:t>
+            </a:r>
+          </a:p>
+        </p:txBody>
+      </p:sp>
+      <p:sp>
+        <p:nvSpPr>
+          <p:cNvPr id="131" name="Content Placeholder 2"/>
+          <p:cNvSpPr txBox="1">
+            <a:spLocks noGrp="1"/>
+          </p:cNvSpPr>
+          <p:nvPr>
+            <p:ph type="body" idx="1"/>
+          </p:nvPr>
+        </p:nvSpPr>
+        <p:spPr>
+          <a:xfrm>
+            <a:off x="3177279" y="1817491"/>
+            <a:ext cx="8852186" cy="5214806"/>
+          </a:xfrm>
+          <a:prstGeom prst="rect">
+            <a:avLst/>
+          </a:prstGeom>
+        </p:spPr>
+        <p:txBody>
+          <a:bodyPr/>
+          <a:lstStyle/>
+          <a:p>
+            <a:pPr marL="457200" indent="-317500" defTabSz="457200">
+              <a:lnSpc>
+                <a:spcPct val="100000"/>
+              </a:lnSpc>
+              <a:spcBef>
+                <a:spcPts val="0"/>
+              </a:spcBef>
+              <a:buClr>
+                <a:srgbClr val="1F2328"/>
+              </a:buClr>
+              <a:buFont typeface="TimesNewRomanPSMT"/>
+              <a:buAutoNum type="arabicPeriod"/>
+              <a:defRPr sz="1800">
+                <a:solidFill>
+                  <a:srgbClr val="1F2328"/>
+                </a:solidFill>
+                <a:latin typeface="Helvetica Neue"/>
+                <a:ea typeface="Helvetica Neue"/>
+                <a:cs typeface="Helvetica Neue"/>
+                <a:sym typeface="Helvetica Neue"/>
+              </a:defRPr>
+            </a:pPr>
+            <a:r>
+              <a:rPr b="1" dirty="0">
+                <a:solidFill>
+                  <a:schemeClr val="tx1"/>
+                </a:solidFill>
+                <a:latin typeface="+mn-lt"/>
+                <a:ea typeface="+mn-ea"/>
+                <a:cs typeface="+mn-cs"/>
+                <a:sym typeface="Helvetica"/>
+              </a:rPr>
+              <a:t>Check for Accuracy</a:t>
+            </a:r>
+            <a:r>
+              <a:rPr dirty="0">
+                <a:solidFill>
+                  <a:schemeClr val="tx1"/>
+                </a:solidFill>
+              </a:rPr>
+              <a:t>: Always review AI-generated content for factual accuracy and relevance.</a:t>
+            </a:r>
+          </a:p>
+          <a:p>
+            <a:pPr marL="457200" indent="-317500" defTabSz="457200">
+              <a:lnSpc>
+                <a:spcPct val="100000"/>
+              </a:lnSpc>
+              <a:spcBef>
+                <a:spcPts val="0"/>
+              </a:spcBef>
+              <a:buClr>
+                <a:srgbClr val="1F2328"/>
+              </a:buClr>
+              <a:buFont typeface="TimesNewRomanPSMT"/>
+              <a:buAutoNum type="arabicPeriod"/>
+              <a:defRPr sz="1800">
+                <a:solidFill>
+                  <a:srgbClr val="1F2328"/>
+                </a:solidFill>
+                <a:latin typeface="Helvetica Neue"/>
+                <a:ea typeface="Helvetica Neue"/>
+                <a:cs typeface="Helvetica Neue"/>
+                <a:sym typeface="Helvetica Neue"/>
+              </a:defRPr>
+            </a:pPr>
+            <a:r>
+              <a:rPr b="1" dirty="0">
+                <a:solidFill>
+                  <a:schemeClr val="tx1"/>
+                </a:solidFill>
+                <a:latin typeface="+mn-lt"/>
+                <a:ea typeface="+mn-ea"/>
+                <a:cs typeface="+mn-cs"/>
+                <a:sym typeface="Helvetica"/>
+              </a:rPr>
+              <a:t>Be Specific</a:t>
+            </a:r>
+            <a:r>
+              <a:rPr dirty="0">
+                <a:solidFill>
+                  <a:schemeClr val="tx1"/>
+                </a:solidFill>
+              </a:rPr>
+              <a:t>: Clearly define the content type, audience, and purpose when prompting the AI.</a:t>
+            </a:r>
+          </a:p>
+          <a:p>
+            <a:pPr marL="457200" indent="-317500" defTabSz="457200">
+              <a:lnSpc>
+                <a:spcPct val="100000"/>
+              </a:lnSpc>
+              <a:spcBef>
+                <a:spcPts val="0"/>
+              </a:spcBef>
+              <a:buClr>
+                <a:srgbClr val="1F2328"/>
+              </a:buClr>
+              <a:buFont typeface="TimesNewRomanPSMT"/>
+              <a:buAutoNum type="arabicPeriod"/>
+              <a:defRPr sz="1800">
+                <a:solidFill>
+                  <a:srgbClr val="1F2328"/>
+                </a:solidFill>
+                <a:latin typeface="Helvetica Neue"/>
+                <a:ea typeface="Helvetica Neue"/>
+                <a:cs typeface="Helvetica Neue"/>
+                <a:sym typeface="Helvetica Neue"/>
+              </a:defRPr>
+            </a:pPr>
+            <a:r>
+              <a:rPr b="1" dirty="0">
+                <a:solidFill>
+                  <a:schemeClr val="tx1"/>
+                </a:solidFill>
+                <a:latin typeface="+mn-lt"/>
+                <a:ea typeface="+mn-ea"/>
+                <a:cs typeface="+mn-cs"/>
+                <a:sym typeface="Helvetica"/>
+              </a:rPr>
+              <a:t>Iterate and Refine</a:t>
+            </a:r>
+            <a:r>
+              <a:rPr dirty="0">
+                <a:solidFill>
+                  <a:schemeClr val="tx1"/>
+                </a:solidFill>
+              </a:rPr>
+              <a:t>: Use iterative prompts to refine the generated content. Start broad and narrow down specifics.</a:t>
+            </a:r>
+          </a:p>
+          <a:p>
+            <a:pPr marL="457200" indent="-317500" defTabSz="457200">
+              <a:lnSpc>
+                <a:spcPct val="100000"/>
+              </a:lnSpc>
+              <a:spcBef>
+                <a:spcPts val="0"/>
+              </a:spcBef>
+              <a:buClr>
+                <a:srgbClr val="1F2328"/>
+              </a:buClr>
+              <a:buFont typeface="TimesNewRomanPSMT"/>
+              <a:buAutoNum type="arabicPeriod"/>
+              <a:defRPr sz="1800">
+                <a:solidFill>
+                  <a:srgbClr val="1F2328"/>
+                </a:solidFill>
+                <a:latin typeface="Helvetica Neue"/>
+                <a:ea typeface="Helvetica Neue"/>
+                <a:cs typeface="Helvetica Neue"/>
+                <a:sym typeface="Helvetica Neue"/>
+              </a:defRPr>
+            </a:pPr>
+            <a:r>
+              <a:rPr b="1" dirty="0">
+                <a:solidFill>
+                  <a:schemeClr val="tx1"/>
+                </a:solidFill>
+                <a:latin typeface="+mn-lt"/>
+                <a:ea typeface="+mn-ea"/>
+                <a:cs typeface="+mn-cs"/>
+                <a:sym typeface="Helvetica"/>
+              </a:rPr>
+              <a:t>Provide Context</a:t>
+            </a:r>
+            <a:r>
+              <a:rPr dirty="0">
+                <a:solidFill>
+                  <a:schemeClr val="tx1"/>
+                </a:solidFill>
+              </a:rPr>
+              <a:t>: Give the AI relevant context to generate more accurate and relevant content.</a:t>
+            </a:r>
+          </a:p>
+          <a:p>
+            <a:pPr marL="457200" indent="-317500" defTabSz="457200">
+              <a:lnSpc>
+                <a:spcPct val="100000"/>
+              </a:lnSpc>
+              <a:spcBef>
+                <a:spcPts val="0"/>
+              </a:spcBef>
+              <a:buClr>
+                <a:srgbClr val="1F2328"/>
+              </a:buClr>
+              <a:buFont typeface="TimesNewRomanPSMT"/>
+              <a:buAutoNum type="arabicPeriod"/>
+              <a:defRPr sz="1800">
+                <a:solidFill>
+                  <a:srgbClr val="1F2328"/>
+                </a:solidFill>
+                <a:latin typeface="Helvetica Neue"/>
+                <a:ea typeface="Helvetica Neue"/>
+                <a:cs typeface="Helvetica Neue"/>
+                <a:sym typeface="Helvetica Neue"/>
+              </a:defRPr>
+            </a:pPr>
+            <a:r>
+              <a:rPr b="1" dirty="0">
+                <a:solidFill>
+                  <a:schemeClr val="tx1"/>
+                </a:solidFill>
+                <a:latin typeface="+mn-lt"/>
+                <a:ea typeface="+mn-ea"/>
+                <a:cs typeface="+mn-cs"/>
+                <a:sym typeface="Helvetica"/>
+              </a:rPr>
+              <a:t>Use Multiple Services</a:t>
+            </a:r>
+            <a:r>
+              <a:rPr dirty="0">
+                <a:solidFill>
+                  <a:schemeClr val="tx1"/>
+                </a:solidFill>
+              </a:rPr>
+              <a:t>: Use a combination of tools to leverage different strengths and capabilities, such as google searching for existing scripts or repositories, images, or prompts for AI to generate content or using a text generating model to build a better prompt for image generating.</a:t>
+            </a:r>
+          </a:p>
+          <a:p>
+            <a:pPr marL="457200" indent="-317500" defTabSz="457200">
+              <a:lnSpc>
+                <a:spcPct val="100000"/>
+              </a:lnSpc>
+              <a:spcBef>
+                <a:spcPts val="0"/>
+              </a:spcBef>
+              <a:buClr>
+                <a:srgbClr val="1F2328"/>
+              </a:buClr>
+              <a:buFont typeface="TimesNewRomanPSMT"/>
+              <a:buAutoNum type="arabicPeriod"/>
+              <a:defRPr sz="1800">
+                <a:solidFill>
+                  <a:srgbClr val="1F2328"/>
+                </a:solidFill>
+                <a:latin typeface="Helvetica Neue"/>
+                <a:ea typeface="Helvetica Neue"/>
+                <a:cs typeface="Helvetica Neue"/>
+                <a:sym typeface="Helvetica Neue"/>
+              </a:defRPr>
+            </a:pPr>
+            <a:r>
+              <a:rPr b="1" dirty="0">
+                <a:solidFill>
+                  <a:schemeClr val="tx1"/>
+                </a:solidFill>
+                <a:latin typeface="+mn-lt"/>
+                <a:ea typeface="+mn-ea"/>
+                <a:cs typeface="+mn-cs"/>
+                <a:sym typeface="Helvetica"/>
+              </a:rPr>
+              <a:t>Remind AI of Constraints</a:t>
+            </a:r>
+            <a:r>
+              <a:rPr dirty="0">
+                <a:solidFill>
+                  <a:schemeClr val="tx1"/>
+                </a:solidFill>
+              </a:rPr>
+              <a:t>: If there are specific requirements or constraints, remind the AI in the prompt. For example, word count limits, tone, or style guidelines. Ask it not to be lazy and take it step by step.</a:t>
+            </a:r>
+          </a:p>
+          <a:p>
+            <a:pPr marL="457200" indent="-317500" defTabSz="457200">
+              <a:lnSpc>
+                <a:spcPct val="100000"/>
+              </a:lnSpc>
+              <a:spcBef>
+                <a:spcPts val="0"/>
+              </a:spcBef>
+              <a:buClr>
+                <a:srgbClr val="1F2328"/>
+              </a:buClr>
+              <a:buFont typeface="TimesNewRomanPSMT"/>
+              <a:buAutoNum type="arabicPeriod"/>
+              <a:defRPr sz="1800">
+                <a:solidFill>
+                  <a:srgbClr val="1F2328"/>
+                </a:solidFill>
+                <a:latin typeface="Helvetica Neue"/>
+                <a:ea typeface="Helvetica Neue"/>
+                <a:cs typeface="Helvetica Neue"/>
+                <a:sym typeface="Helvetica Neue"/>
+              </a:defRPr>
+            </a:pPr>
+            <a:r>
+              <a:rPr b="1" dirty="0">
+                <a:solidFill>
+                  <a:schemeClr val="tx1"/>
+                </a:solidFill>
+                <a:latin typeface="+mn-lt"/>
+                <a:ea typeface="+mn-ea"/>
+                <a:cs typeface="+mn-cs"/>
+                <a:sym typeface="Helvetica"/>
+              </a:rPr>
+              <a:t>Make Templates</a:t>
+            </a:r>
+            <a:r>
+              <a:rPr dirty="0">
+                <a:solidFill>
+                  <a:schemeClr val="tx1"/>
+                </a:solidFill>
+              </a:rPr>
+              <a:t>: Create templates with variables for common tasks to speed up the content generation process and maintain consistency.</a:t>
+            </a:r>
+          </a:p>
+        </p:txBody>
+      </p:sp>
+      <p:sp>
+        <p:nvSpPr>
+          <p:cNvPr id="132" name="Content Placeholder 2"/>
+          <p:cNvSpPr txBox="1"/>
+          <p:nvPr/>
+        </p:nvSpPr>
+        <p:spPr>
+          <a:xfrm>
+            <a:off x="49298" y="2054033"/>
+            <a:ext cx="3348332" cy="4351339"/>
+          </a:xfrm>
+          <a:prstGeom prst="rect">
+            <a:avLst/>
+          </a:prstGeom>
+          <a:ln w="12700">
+            <a:miter lim="400000"/>
+          </a:ln>
+          <a:extLst>
+            <a:ext uri="{C572A759-6A51-4108-AA02-DFA0A04FC94B}">
+              <ma14:wrappingTextBoxFlag xmlns:ma14="http://schemas.microsoft.com/office/mac/drawingml/2011/main" xmlns:a14="http://schemas.microsoft.com/office/drawing/2010/main" xmlns:m="http://schemas.openxmlformats.org/officeDocument/2006/math" xmlns="" val="1"/>
+            </a:ext>
+          </a:extLst>
+        </p:spPr>
+        <p:txBody>
+          <a:bodyPr lIns="45719" rIns="45719">
+            <a:normAutofit/>
+          </a:bodyPr>
+          <a:lstStyle/>
+          <a:p>
+            <a:pPr defTabSz="457200">
+              <a:spcBef>
+                <a:spcPts val="1600"/>
+              </a:spcBef>
+              <a:defRPr sz="2000" b="1">
+                <a:solidFill>
+                  <a:srgbClr val="1F2328"/>
+                </a:solidFill>
+                <a:latin typeface="Helvetica Neue"/>
+                <a:ea typeface="Helvetica Neue"/>
+                <a:cs typeface="Helvetica Neue"/>
+                <a:sym typeface="Helvetica Neue"/>
+              </a:defRPr>
+            </a:pPr>
+            <a:r>
+              <a:t>General Tips</a:t>
+            </a:r>
+          </a:p>
+          <a:p>
+            <a:pPr defTabSz="457200">
+              <a:defRPr sz="1600">
+                <a:solidFill>
+                  <a:srgbClr val="1F2328"/>
+                </a:solidFill>
+                <a:latin typeface="Helvetica Neue"/>
+                <a:ea typeface="Helvetica Neue"/>
+                <a:cs typeface="Helvetica Neue"/>
+                <a:sym typeface="Helvetica Neue"/>
+              </a:defRPr>
+            </a:pPr>
+            <a:endParaRPr/>
+          </a:p>
+          <a:p>
+            <a:pPr marL="457200" indent="-317500" defTabSz="457200">
+              <a:buClr>
+                <a:srgbClr val="1F2328"/>
+              </a:buClr>
+              <a:buSzPct val="100000"/>
+              <a:buFont typeface="TimesNewRomanPSMT"/>
+              <a:buAutoNum type="arabicPeriod"/>
+              <a:defRPr sz="1600">
+                <a:solidFill>
+                  <a:srgbClr val="1F2328"/>
+                </a:solidFill>
+                <a:latin typeface="Helvetica Neue"/>
+                <a:ea typeface="Helvetica Neue"/>
+                <a:cs typeface="Helvetica Neue"/>
+                <a:sym typeface="Helvetica Neue"/>
+              </a:defRPr>
+            </a:pPr>
+            <a:r>
+              <a:rPr b="1">
+                <a:latin typeface="+mn-lt"/>
+                <a:ea typeface="+mn-ea"/>
+                <a:cs typeface="+mn-cs"/>
+                <a:sym typeface="Helvetica"/>
+              </a:rPr>
+              <a:t>Check for Accuracy</a:t>
+            </a:r>
+          </a:p>
+          <a:p>
+            <a:pPr marL="457200" indent="-317500" defTabSz="457200">
+              <a:buClr>
+                <a:srgbClr val="1F2328"/>
+              </a:buClr>
+              <a:buSzPct val="100000"/>
+              <a:buFont typeface="TimesNewRomanPSMT"/>
+              <a:buAutoNum type="arabicPeriod"/>
+              <a:defRPr sz="1600">
+                <a:solidFill>
+                  <a:srgbClr val="0433FF"/>
+                </a:solidFill>
+                <a:latin typeface="Helvetica Neue"/>
+                <a:ea typeface="Helvetica Neue"/>
+                <a:cs typeface="Helvetica Neue"/>
+                <a:sym typeface="Helvetica Neue"/>
+              </a:defRPr>
+            </a:pPr>
+            <a:r>
+              <a:rPr b="1">
+                <a:latin typeface="+mn-lt"/>
+                <a:ea typeface="+mn-ea"/>
+                <a:cs typeface="+mn-cs"/>
+                <a:sym typeface="Helvetica"/>
+              </a:rPr>
+              <a:t>Be Specific</a:t>
+            </a:r>
+            <a:r>
+              <a:t>: </a:t>
+            </a:r>
+          </a:p>
+          <a:p>
+            <a:pPr marL="457200" indent="-317500" defTabSz="457200">
+              <a:buClr>
+                <a:srgbClr val="1F2328"/>
+              </a:buClr>
+              <a:buSzPct val="100000"/>
+              <a:buFont typeface="TimesNewRomanPSMT"/>
+              <a:buAutoNum type="arabicPeriod"/>
+              <a:defRPr sz="1600">
+                <a:solidFill>
+                  <a:srgbClr val="FF9300"/>
+                </a:solidFill>
+                <a:latin typeface="Helvetica Neue"/>
+                <a:ea typeface="Helvetica Neue"/>
+                <a:cs typeface="Helvetica Neue"/>
+                <a:sym typeface="Helvetica Neue"/>
+              </a:defRPr>
+            </a:pPr>
+            <a:r>
+              <a:rPr b="1">
+                <a:latin typeface="+mn-lt"/>
+                <a:ea typeface="+mn-ea"/>
+                <a:cs typeface="+mn-cs"/>
+                <a:sym typeface="Helvetica"/>
+              </a:rPr>
+              <a:t>Iterate and Refine</a:t>
+            </a:r>
+            <a:r>
+              <a:t>: </a:t>
+            </a:r>
+          </a:p>
+          <a:p>
+            <a:pPr marL="457200" indent="-317500" defTabSz="457200">
+              <a:buClr>
+                <a:srgbClr val="1F2328"/>
+              </a:buClr>
+              <a:buSzPct val="100000"/>
+              <a:buFont typeface="TimesNewRomanPSMT"/>
+              <a:buAutoNum type="arabicPeriod"/>
+              <a:defRPr sz="1600">
+                <a:solidFill>
+                  <a:srgbClr val="FF40FF"/>
+                </a:solidFill>
+                <a:latin typeface="Helvetica Neue"/>
+                <a:ea typeface="Helvetica Neue"/>
+                <a:cs typeface="Helvetica Neue"/>
+                <a:sym typeface="Helvetica Neue"/>
+              </a:defRPr>
+            </a:pPr>
+            <a:r>
+              <a:rPr b="1">
+                <a:latin typeface="+mn-lt"/>
+                <a:ea typeface="+mn-ea"/>
+                <a:cs typeface="+mn-cs"/>
+                <a:sym typeface="Helvetica"/>
+              </a:rPr>
+              <a:t>Provide Context</a:t>
+            </a:r>
+            <a:r>
+              <a:t>:</a:t>
+            </a:r>
+          </a:p>
+          <a:p>
+            <a:pPr marL="457200" indent="-317500" defTabSz="457200">
+              <a:buClr>
+                <a:srgbClr val="1F2328"/>
+              </a:buClr>
+              <a:buSzPct val="100000"/>
+              <a:buFont typeface="TimesNewRomanPSMT"/>
+              <a:buAutoNum type="arabicPeriod"/>
+              <a:defRPr sz="1600">
+                <a:solidFill>
+                  <a:srgbClr val="1F2328"/>
+                </a:solidFill>
+                <a:latin typeface="Helvetica Neue"/>
+                <a:ea typeface="Helvetica Neue"/>
+                <a:cs typeface="Helvetica Neue"/>
+                <a:sym typeface="Helvetica Neue"/>
+              </a:defRPr>
+            </a:pPr>
+            <a:r>
+              <a:rPr b="1">
+                <a:latin typeface="+mn-lt"/>
+                <a:ea typeface="+mn-ea"/>
+                <a:cs typeface="+mn-cs"/>
+                <a:sym typeface="Helvetica"/>
+              </a:rPr>
+              <a:t>Use Multiple Services</a:t>
+            </a:r>
+            <a:r>
+              <a:t>:</a:t>
+            </a:r>
+          </a:p>
+          <a:p>
+            <a:pPr marL="457200" indent="-317500" defTabSz="457200">
+              <a:buClr>
+                <a:srgbClr val="1F2328"/>
+              </a:buClr>
+              <a:buSzPct val="100000"/>
+              <a:buFont typeface="TimesNewRomanPSMT"/>
+              <a:buAutoNum type="arabicPeriod"/>
+              <a:defRPr sz="1600">
+                <a:solidFill>
+                  <a:srgbClr val="942192"/>
+                </a:solidFill>
+                <a:latin typeface="Helvetica Neue"/>
+                <a:ea typeface="Helvetica Neue"/>
+                <a:cs typeface="Helvetica Neue"/>
+                <a:sym typeface="Helvetica Neue"/>
+              </a:defRPr>
+            </a:pPr>
+            <a:r>
+              <a:rPr b="1">
+                <a:latin typeface="+mn-lt"/>
+                <a:ea typeface="+mn-ea"/>
+                <a:cs typeface="+mn-cs"/>
+                <a:sym typeface="Helvetica"/>
+              </a:rPr>
+              <a:t>Remind AI of Constraints</a:t>
+            </a:r>
+            <a:r>
+              <a:t>:</a:t>
+            </a:r>
+          </a:p>
+          <a:p>
+            <a:pPr marL="457200" indent="-317500" defTabSz="457200">
+              <a:buClr>
+                <a:srgbClr val="1F2328"/>
+              </a:buClr>
+              <a:buSzPct val="100000"/>
+              <a:buFont typeface="TimesNewRomanPSMT"/>
+              <a:buAutoNum type="arabicPeriod"/>
+              <a:defRPr sz="1600">
+                <a:solidFill>
+                  <a:srgbClr val="1F2328"/>
+                </a:solidFill>
+                <a:latin typeface="Helvetica Neue"/>
+                <a:ea typeface="Helvetica Neue"/>
+                <a:cs typeface="Helvetica Neue"/>
+                <a:sym typeface="Helvetica Neue"/>
+              </a:defRPr>
+            </a:pPr>
+            <a:r>
+              <a:rPr b="1">
+                <a:latin typeface="+mn-lt"/>
+                <a:ea typeface="+mn-ea"/>
+                <a:cs typeface="+mn-cs"/>
+                <a:sym typeface="Helvetica"/>
+              </a:rPr>
+              <a:t>Make Templates</a:t>
+            </a:r>
+            <a:r>
+              <a:t>:</a:t>
+            </a:r>
+          </a:p>
+        </p:txBody>
+      </p:sp>
+      <p:sp>
+        <p:nvSpPr>
+          <p:cNvPr id="133" name="Slide Number"/>
+          <p:cNvSpPr txBox="1">
+            <a:spLocks noGrp="1"/>
+          </p:cNvSpPr>
+          <p:nvPr>
+            <p:ph type="sldNum" sz="quarter" idx="2"/>
+          </p:nvPr>
+        </p:nvSpPr>
+        <p:spPr>
+          <a:xfrm>
+            <a:off x="11172418" y="6414760"/>
+            <a:ext cx="181382" cy="248305"/>
+          </a:xfrm>
+          <a:prstGeom prst="rect">
+            <a:avLst/>
+          </a:prstGeom>
+          <a:extLst>
+            <a:ext uri="{C572A759-6A51-4108-AA02-DFA0A04FC94B}">
+              <ma14:wrappingTextBoxFlag xmlns:ma14="http://schemas.microsoft.com/office/mac/drawingml/2011/main" xmlns:a14="http://schemas.microsoft.com/office/drawing/2010/main" xmlns:m="http://schemas.openxmlformats.org/officeDocument/2006/math" xmlns="" val="1"/>
+            </a:ext>
+          </a:extLst>
+        </p:spPr>
+        <p:txBody>
+          <a:bodyPr/>
+          <a:lstStyle/>
+          <a:p>
+            <a:fld id="{86CB4B4D-7CA3-9044-876B-883B54F8677D}" type="slidenum">
+              <a:t>7</a:t>
+            </a:fld>
+            <a:endParaRPr/>
+          </a:p>
+        </p:txBody>
+      </p:sp>
+    </p:spTree>
+    <p:extLst>
+      <p:ext uri="{BB962C8B-B14F-4D97-AF65-F5344CB8AC3E}">
+        <p14:creationId xmlns:p14="http://schemas.microsoft.com/office/powerpoint/2010/main" val="159830991"/>
+      </p:ext>
+    </p:extLst>
+  </p:cSld>
+  <p:clrMapOvr>
+    <a:masterClrMapping/>
+  </p:clrMapOvr>
+  <p:transition spd="med"/>
+</p:sld>
+</file>
+
+<file path=ppt/slides/slide8.xml><?xml version="1.0" encoding="utf-8"?>
+<p:sld xmlns:a="http://schemas.openxmlformats.org/drawingml/2006/main" xmlns:r="http://schemas.openxmlformats.org/officeDocument/2006/relationships" xmlns:p="http://schemas.openxmlformats.org/presentationml/2006/main">
+  <p:cSld>
+    <p:spTree>
+      <p:nvGrpSpPr>
+        <p:cNvPr id="1" name=""/>
+        <p:cNvGrpSpPr/>
+        <p:nvPr/>
+      </p:nvGrpSpPr>
+      <p:grpSpPr>
+        <a:xfrm>
+          <a:off x="0" y="0"/>
+          <a:ext cx="0" cy="0"/>
+          <a:chOff x="0" y="0"/>
+          <a:chExt cx="0" cy="0"/>
+        </a:xfrm>
+      </p:grpSpPr>
+      <p:pic>
+        <p:nvPicPr>
+          <p:cNvPr id="151" name="Picture 7" descr="Picture 7"/>
+          <p:cNvPicPr>
+            <a:picLocks noChangeAspect="1"/>
+          </p:cNvPicPr>
+          <p:nvPr/>
+        </p:nvPicPr>
+        <p:blipFill>
+          <a:blip r:embed="rId2"/>
+          <a:stretch>
+            <a:fillRect/>
+          </a:stretch>
+        </p:blipFill>
+        <p:spPr>
+          <a:xfrm>
+            <a:off x="609479" y="1604519"/>
+            <a:ext cx="10972442" cy="3977282"/>
+          </a:xfrm>
+          <a:prstGeom prst="rect">
+            <a:avLst/>
+          </a:prstGeom>
+          <a:ln w="12700">
+            <a:miter lim="400000"/>
+          </a:ln>
+        </p:spPr>
+      </p:pic>
+      <p:sp>
+        <p:nvSpPr>
+          <p:cNvPr id="152" name="Title 4"/>
+          <p:cNvSpPr txBox="1">
+            <a:spLocks noGrp="1"/>
+          </p:cNvSpPr>
+          <p:nvPr>
+            <p:ph type="title"/>
+          </p:nvPr>
+        </p:nvSpPr>
+        <p:spPr>
+          <a:xfrm>
+            <a:off x="1453319" y="262439"/>
+            <a:ext cx="9018362" cy="907455"/>
+          </a:xfrm>
+          <a:prstGeom prst="rect">
+            <a:avLst/>
+          </a:prstGeom>
+        </p:spPr>
+        <p:txBody>
+          <a:bodyPr anchor="t"/>
+          <a:lstStyle/>
+          <a:p>
+            <a:r>
+              <a:t>Why Does It Matter To You?</a:t>
+            </a:r>
+          </a:p>
+        </p:txBody>
+      </p:sp>
+      <p:sp>
+        <p:nvSpPr>
+          <p:cNvPr id="153" name="Slide Number"/>
+          <p:cNvSpPr txBox="1">
+            <a:spLocks noGrp="1"/>
+          </p:cNvSpPr>
+          <p:nvPr>
+            <p:ph type="sldNum" sz="quarter" idx="2"/>
+          </p:nvPr>
+        </p:nvSpPr>
+        <p:spPr>
+          <a:xfrm>
+            <a:off x="11172418" y="6414760"/>
+            <a:ext cx="181382" cy="248305"/>
+          </a:xfrm>
+          <a:prstGeom prst="rect">
+            <a:avLst/>
+          </a:prstGeom>
+          <a:extLst>
+            <a:ext uri="{C572A759-6A51-4108-AA02-DFA0A04FC94B}">
+              <ma14:wrappingTextBoxFlag xmlns:ma14="http://schemas.microsoft.com/office/mac/drawingml/2011/main" xmlns:a14="http://schemas.microsoft.com/office/drawing/2010/main" xmlns:m="http://schemas.openxmlformats.org/officeDocument/2006/math" xmlns="" val="1"/>
+            </a:ext>
+          </a:extLst>
+        </p:spPr>
+        <p:txBody>
+          <a:bodyPr/>
+          <a:lstStyle/>
+          <a:p>
+            <a:fld id="{86CB4B4D-7CA3-9044-876B-883B54F8677D}" type="slidenum">
+              <a:t>8</a:t>
+            </a:fld>
+            <a:endParaRPr/>
+          </a:p>
+        </p:txBody>
+      </p:sp>
+    </p:spTree>
+  </p:cSld>
+  <p:clrMapOvr>
+    <a:masterClrMapping/>
+  </p:clrMapOvr>
+  <p:transition spd="med"/>
+</p:sld>
+</file>
+
+<file path=ppt/slides/slide9.xml><?xml version="1.0" encoding="utf-8"?>
+<p:sld xmlns:a="http://schemas.openxmlformats.org/drawingml/2006/main" xmlns:r="http://schemas.openxmlformats.org/officeDocument/2006/relationships" xmlns:p="http://schemas.openxmlformats.org/presentationml/2006/main">
+  <p:cSld>
+    <p:spTree>
+      <p:nvGrpSpPr>
+        <p:cNvPr id="1" name=""/>
+        <p:cNvGrpSpPr/>
+        <p:nvPr/>
+      </p:nvGrpSpPr>
+      <p:grpSpPr>
+        <a:xfrm>
+          <a:off x="0" y="0"/>
+          <a:ext cx="0" cy="0"/>
+          <a:chOff x="0" y="0"/>
+          <a:chExt cx="0" cy="0"/>
+        </a:xfrm>
+      </p:grpSpPr>
+      <p:sp>
+        <p:nvSpPr>
+          <p:cNvPr id="147" name="AI Tool Master Lists"/>
+          <p:cNvSpPr txBox="1">
+            <a:spLocks noGrp="1"/>
+          </p:cNvSpPr>
+          <p:nvPr>
+            <p:ph type="title"/>
+          </p:nvPr>
+        </p:nvSpPr>
+        <p:spPr>
+          <a:prstGeom prst="rect">
+            <a:avLst/>
+          </a:prstGeom>
+        </p:spPr>
+        <p:txBody>
+          <a:bodyPr/>
+          <a:lstStyle/>
+          <a:p>
+            <a:r>
+              <a:t>AI Tool Master Lists</a:t>
+            </a:r>
+          </a:p>
+        </p:txBody>
+      </p:sp>
+      <p:sp>
+        <p:nvSpPr>
+          <p:cNvPr id="148" name="(&quot;AI tools&quot; OR &quot;GPT tools&quot; OR &quot;AI resources&quot; OR &quot;AI catalog&quot; OR &quot;AI list&quot; OR &quot;AI repository&quot; OR &quot;generative AI&quot;) (&quot;list&quot; OR &quot;collection&quot; OR &quot;catalog&quot; OR &quot;repository&quot; OR &quot;guide&quot;)…"/>
+          <p:cNvSpPr txBox="1">
+            <a:spLocks noGrp="1"/>
+          </p:cNvSpPr>
+          <p:nvPr>
+            <p:ph type="body" idx="1"/>
+          </p:nvPr>
+        </p:nvSpPr>
+        <p:spPr>
+          <a:prstGeom prst="rect">
+            <a:avLst/>
+          </a:prstGeom>
+        </p:spPr>
+        <p:txBody>
+          <a:bodyPr/>
+          <a:lstStyle/>
+          <a:p>
+            <a:r>
+              <a:t>("AI tools" OR "GPT tools" OR "AI resources" OR "AI catalog" OR "AI list" OR "AI repository" OR "generative AI") ("list" OR "collection" OR "catalog" OR "repository" OR "guide") </a:t>
+            </a:r>
+          </a:p>
+          <a:p>
+            <a:r>
+              <a:t>AI Master List Tool - </a:t>
+            </a:r>
+            <a:r>
+              <a:rPr u="sng">
+                <a:solidFill>
+                  <a:srgbClr val="0563C1"/>
+                </a:solidFill>
+                <a:uFill>
+                  <a:solidFill>
+                    <a:srgbClr val="0563C1"/>
+                  </a:solidFill>
+                </a:uFill>
+                <a:hlinkClick r:id="rId2"/>
+              </a:rPr>
+              <a:t>https://doc.clickup.com/25598832/d/h/rd6vg-14247/0b79ca1dc0f7429/rd6vg-12207</a:t>
+            </a:r>
+            <a:r>
+              <a:t> </a:t>
+            </a:r>
+          </a:p>
+          <a:p>
+            <a:r>
+              <a:t>AI Catalog Repo - </a:t>
+            </a:r>
+            <a:r>
+              <a:rPr u="sng">
+                <a:solidFill>
+                  <a:srgbClr val="0563C1"/>
+                </a:solidFill>
+                <a:uFill>
+                  <a:solidFill>
+                    <a:srgbClr val="0563C1"/>
+                  </a:solidFill>
+                </a:uFill>
+                <a:hlinkClick r:id="rId3"/>
+              </a:rPr>
+              <a:t>https://github.com/mehmetkahya0/ai-catalog</a:t>
+            </a:r>
+            <a:r>
+              <a:t> </a:t>
+            </a:r>
+          </a:p>
+          <a:p>
+            <a:r>
+              <a:t>- Awesome Generative AI - </a:t>
+            </a:r>
+            <a:r>
+              <a:rPr u="sng">
+                <a:solidFill>
+                  <a:srgbClr val="0563C1"/>
+                </a:solidFill>
+                <a:uFill>
+                  <a:solidFill>
+                    <a:srgbClr val="0563C1"/>
+                  </a:solidFill>
+                </a:uFill>
+                <a:hlinkClick r:id="rId4"/>
+              </a:rPr>
+              <a:t>https://github.com/amusi/awesome-ai-awesomeness</a:t>
+            </a:r>
+            <a:r>
+              <a:t> </a:t>
+            </a:r>
+          </a:p>
+          <a:p>
+            <a:r>
+              <a:t>FutureTools - </a:t>
+            </a:r>
+            <a:r>
+              <a:rPr u="sng">
+                <a:solidFill>
+                  <a:srgbClr val="0563C1"/>
+                </a:solidFill>
+                <a:uFill>
+                  <a:solidFill>
+                    <a:srgbClr val="0563C1"/>
+                  </a:solidFill>
+                </a:uFill>
+                <a:hlinkClick r:id="rId5"/>
+              </a:rPr>
+              <a:t>https://futuretools.io</a:t>
+            </a:r>
+            <a:r>
+              <a:t> </a:t>
+            </a:r>
+          </a:p>
+        </p:txBody>
+      </p:sp>
+      <p:sp>
+        <p:nvSpPr>
+          <p:cNvPr id="149" name="Slide Number"/>
+          <p:cNvSpPr txBox="1">
+            <a:spLocks noGrp="1"/>
+          </p:cNvSpPr>
+          <p:nvPr>
+            <p:ph type="sldNum" sz="quarter" idx="2"/>
+          </p:nvPr>
+        </p:nvSpPr>
+        <p:spPr>
+          <a:xfrm>
+            <a:off x="11172418" y="6414760"/>
+            <a:ext cx="181382" cy="248305"/>
+          </a:xfrm>
+          <a:prstGeom prst="rect">
+            <a:avLst/>
+          </a:prstGeom>
+          <a:extLst>
+            <a:ext uri="{C572A759-6A51-4108-AA02-DFA0A04FC94B}">
+              <ma14:wrappingTextBoxFlag xmlns:ma14="http://schemas.microsoft.com/office/mac/drawingml/2011/main" xmlns:a14="http://schemas.microsoft.com/office/drawing/2010/main" xmlns:m="http://schemas.openxmlformats.org/officeDocument/2006/math" xmlns="" val="1"/>
+            </a:ext>
+          </a:extLst>
+        </p:spPr>
+        <p:txBody>
+          <a:bodyPr/>
+          <a:lstStyle/>
+          <a:p>
+            <a:fld id="{86CB4B4D-7CA3-9044-876B-883B54F8677D}" type="slidenum">
+              <a:t>9</a:t>
+            </a:fld>
+            <a:endParaRPr/>
+          </a:p>
+        </p:txBody>
+      </p:sp>
+    </p:spTree>
+  </p:cSld>
+  <p:clrMapOvr>
+    <a:masterClrMapping/>
+  </p:clrMapOvr>
+  <p:transition spd="med"/>
+</p:sld>
+</file>
+
 <file path=ppt/theme/theme1.xml><?xml version="1.0" encoding="utf-8"?>
-<a:theme xmlns:a="http://schemas.openxmlformats.org/drawingml/2006/main" xmlns:r="http://schemas.openxmlformats.org/officeDocument/2006/relationships" name="1_Custom Design">
+<a:theme xmlns:a="http://schemas.openxmlformats.org/drawingml/2006/main" name="1_Custom Design">
   <a:themeElements>
     <a:clrScheme name="1_Custom Design">
       <a:dk1>
@@ -4989,7 +6654,7 @@
         <a:effectLst/>
         <a:sp3d/>
       </a:spPr>
-      <a:bodyPr rot="0" spcFirstLastPara="1" vertOverflow="overflow" horzOverflow="overflow" vert="horz" wrap="square" lIns="45719" tIns="45719" rIns="45719" bIns="45719" numCol="1" spcCol="38100" rtlCol="0" anchor="ctr" upright="0">
+      <a:bodyPr rot="0" spcFirstLastPara="1" vertOverflow="overflow" horzOverflow="overflow" vert="horz" wrap="square" lIns="45719" tIns="45719" rIns="45719" bIns="45719" numCol="1" spcCol="38100" rtlCol="0" anchor="ctr">
         <a:spAutoFit/>
       </a:bodyPr>
       <a:lstStyle>
@@ -5008,7 +6673,7 @@
           <a:buFontTx/>
           <a:buNone/>
           <a:tabLst/>
-          <a:defRPr b="0" baseline="0" cap="none" i="0" spc="0" strike="noStrike" sz="1800" u="none" kumimoji="0" normalizeH="0">
+          <a:defRPr kumimoji="0" sz="1800" b="0" i="0" u="none" strike="noStrike" cap="none" spc="0" normalizeH="0" baseline="0">
             <a:ln>
               <a:noFill/>
             </a:ln>
@@ -5038,7 +6703,7 @@
           <a:buFontTx/>
           <a:buNone/>
           <a:tabLst/>
-          <a:defRPr b="0" baseline="0" cap="none" i="0" spc="0" strike="noStrike" sz="1800" u="none" kumimoji="0" normalizeH="0">
+          <a:defRPr kumimoji="0" sz="1800" b="0" i="0" u="none" strike="noStrike" cap="none" spc="0" normalizeH="0" baseline="0">
             <a:ln>
               <a:noFill/>
             </a:ln>
@@ -5064,7 +6729,7 @@
           <a:buFontTx/>
           <a:buNone/>
           <a:tabLst/>
-          <a:defRPr b="0" baseline="0" cap="none" i="0" spc="0" strike="noStrike" sz="1800" u="none" kumimoji="0" normalizeH="0">
+          <a:defRPr kumimoji="0" sz="1800" b="0" i="0" u="none" strike="noStrike" cap="none" spc="0" normalizeH="0" baseline="0">
             <a:ln>
               <a:noFill/>
             </a:ln>
@@ -5090,7 +6755,7 @@
           <a:buFontTx/>
           <a:buNone/>
           <a:tabLst/>
-          <a:defRPr b="0" baseline="0" cap="none" i="0" spc="0" strike="noStrike" sz="1800" u="none" kumimoji="0" normalizeH="0">
+          <a:defRPr kumimoji="0" sz="1800" b="0" i="0" u="none" strike="noStrike" cap="none" spc="0" normalizeH="0" baseline="0">
             <a:ln>
               <a:noFill/>
             </a:ln>
@@ -5116,7 +6781,7 @@
           <a:buFontTx/>
           <a:buNone/>
           <a:tabLst/>
-          <a:defRPr b="0" baseline="0" cap="none" i="0" spc="0" strike="noStrike" sz="1800" u="none" kumimoji="0" normalizeH="0">
+          <a:defRPr kumimoji="0" sz="1800" b="0" i="0" u="none" strike="noStrike" cap="none" spc="0" normalizeH="0" baseline="0">
             <a:ln>
               <a:noFill/>
             </a:ln>
@@ -5142,7 +6807,7 @@
           <a:buFontTx/>
           <a:buNone/>
           <a:tabLst/>
-          <a:defRPr b="0" baseline="0" cap="none" i="0" spc="0" strike="noStrike" sz="1800" u="none" kumimoji="0" normalizeH="0">
+          <a:defRPr kumimoji="0" sz="1800" b="0" i="0" u="none" strike="noStrike" cap="none" spc="0" normalizeH="0" baseline="0">
             <a:ln>
               <a:noFill/>
             </a:ln>
@@ -5168,7 +6833,7 @@
           <a:buFontTx/>
           <a:buNone/>
           <a:tabLst/>
-          <a:defRPr b="0" baseline="0" cap="none" i="0" spc="0" strike="noStrike" sz="1800" u="none" kumimoji="0" normalizeH="0">
+          <a:defRPr kumimoji="0" sz="1800" b="0" i="0" u="none" strike="noStrike" cap="none" spc="0" normalizeH="0" baseline="0">
             <a:ln>
               <a:noFill/>
             </a:ln>
@@ -5194,7 +6859,7 @@
           <a:buFontTx/>
           <a:buNone/>
           <a:tabLst/>
-          <a:defRPr b="0" baseline="0" cap="none" i="0" spc="0" strike="noStrike" sz="1800" u="none" kumimoji="0" normalizeH="0">
+          <a:defRPr kumimoji="0" sz="1800" b="0" i="0" u="none" strike="noStrike" cap="none" spc="0" normalizeH="0" baseline="0">
             <a:ln>
               <a:noFill/>
             </a:ln>
@@ -5220,7 +6885,7 @@
           <a:buFontTx/>
           <a:buNone/>
           <a:tabLst/>
-          <a:defRPr b="0" baseline="0" cap="none" i="0" spc="0" strike="noStrike" sz="1800" u="none" kumimoji="0" normalizeH="0">
+          <a:defRPr kumimoji="0" sz="1800" b="0" i="0" u="none" strike="noStrike" cap="none" spc="0" normalizeH="0" baseline="0">
             <a:ln>
               <a:noFill/>
             </a:ln>
@@ -5246,7 +6911,7 @@
           <a:buFontTx/>
           <a:buNone/>
           <a:tabLst/>
-          <a:defRPr b="0" baseline="0" cap="none" i="0" spc="0" strike="noStrike" sz="1800" u="none" kumimoji="0" normalizeH="0">
+          <a:defRPr kumimoji="0" sz="1800" b="0" i="0" u="none" strike="noStrike" cap="none" spc="0" normalizeH="0" baseline="0">
             <a:ln>
               <a:noFill/>
             </a:ln>
@@ -5259,9 +6924,15 @@
         </a:lvl9pPr>
       </a:lstStyle>
       <a:style>
-        <a:lnRef idx="0"/>
-        <a:fillRef idx="0"/>
-        <a:effectRef idx="0"/>
+        <a:lnRef idx="0">
+          <a:scrgbClr r="0" g="0" b="0"/>
+        </a:lnRef>
+        <a:fillRef idx="0">
+          <a:scrgbClr r="0" g="0" b="0"/>
+        </a:fillRef>
+        <a:effectRef idx="0">
+          <a:scrgbClr r="0" g="0" b="0"/>
+        </a:effectRef>
         <a:fontRef idx="none"/>
       </a:style>
     </a:spDef>
@@ -5278,7 +6949,7 @@
         <a:effectLst/>
         <a:sp3d/>
       </a:spPr>
-      <a:bodyPr rot="0" spcFirstLastPara="1" vertOverflow="overflow" horzOverflow="overflow" vert="horz" wrap="square" lIns="91439" tIns="45719" rIns="91439" bIns="45719" numCol="1" spcCol="38100" rtlCol="0" anchor="t" upright="0">
+      <a:bodyPr rot="0" spcFirstLastPara="1" vertOverflow="overflow" horzOverflow="overflow" vert="horz" wrap="square" lIns="91439" tIns="45719" rIns="91439" bIns="45719" numCol="1" spcCol="38100" rtlCol="0" anchor="t">
         <a:noAutofit/>
       </a:bodyPr>
       <a:lstStyle>
@@ -5297,7 +6968,7 @@
           <a:buFontTx/>
           <a:buNone/>
           <a:tabLst/>
-          <a:defRPr b="0" baseline="0" cap="none" i="0" spc="0" strike="noStrike" sz="1800" u="none" kumimoji="0" normalizeH="0">
+          <a:defRPr kumimoji="0" sz="1800" b="0" i="0" u="none" strike="noStrike" cap="none" spc="0" normalizeH="0" baseline="0">
             <a:ln>
               <a:noFill/>
             </a:ln>
@@ -5323,7 +6994,7 @@
           <a:buFontTx/>
           <a:buNone/>
           <a:tabLst/>
-          <a:defRPr b="0" baseline="0" cap="none" i="0" spc="0" strike="noStrike" sz="1800" u="none" kumimoji="0" normalizeH="0">
+          <a:defRPr kumimoji="0" sz="1800" b="0" i="0" u="none" strike="noStrike" cap="none" spc="0" normalizeH="0" baseline="0">
             <a:ln>
               <a:noFill/>
             </a:ln>
@@ -5349,7 +7020,7 @@
           <a:buFontTx/>
           <a:buNone/>
           <a:tabLst/>
-          <a:defRPr b="0" baseline="0" cap="none" i="0" spc="0" strike="noStrike" sz="1800" u="none" kumimoji="0" normalizeH="0">
+          <a:defRPr kumimoji="0" sz="1800" b="0" i="0" u="none" strike="noStrike" cap="none" spc="0" normalizeH="0" baseline="0">
             <a:ln>
               <a:noFill/>
             </a:ln>
@@ -5375,7 +7046,7 @@
           <a:buFontTx/>
           <a:buNone/>
           <a:tabLst/>
-          <a:defRPr b="0" baseline="0" cap="none" i="0" spc="0" strike="noStrike" sz="1800" u="none" kumimoji="0" normalizeH="0">
+          <a:defRPr kumimoji="0" sz="1800" b="0" i="0" u="none" strike="noStrike" cap="none" spc="0" normalizeH="0" baseline="0">
             <a:ln>
               <a:noFill/>
             </a:ln>
@@ -5401,7 +7072,7 @@
           <a:buFontTx/>
           <a:buNone/>
           <a:tabLst/>
-          <a:defRPr b="0" baseline="0" cap="none" i="0" spc="0" strike="noStrike" sz="1800" u="none" kumimoji="0" normalizeH="0">
+          <a:defRPr kumimoji="0" sz="1800" b="0" i="0" u="none" strike="noStrike" cap="none" spc="0" normalizeH="0" baseline="0">
             <a:ln>
               <a:noFill/>
             </a:ln>
@@ -5427,7 +7098,7 @@
           <a:buFontTx/>
           <a:buNone/>
           <a:tabLst/>
-          <a:defRPr b="0" baseline="0" cap="none" i="0" spc="0" strike="noStrike" sz="1800" u="none" kumimoji="0" normalizeH="0">
+          <a:defRPr kumimoji="0" sz="1800" b="0" i="0" u="none" strike="noStrike" cap="none" spc="0" normalizeH="0" baseline="0">
             <a:ln>
               <a:noFill/>
             </a:ln>
@@ -5453,7 +7124,7 @@
           <a:buFontTx/>
           <a:buNone/>
           <a:tabLst/>
-          <a:defRPr b="0" baseline="0" cap="none" i="0" spc="0" strike="noStrike" sz="1800" u="none" kumimoji="0" normalizeH="0">
+          <a:defRPr kumimoji="0" sz="1800" b="0" i="0" u="none" strike="noStrike" cap="none" spc="0" normalizeH="0" baseline="0">
             <a:ln>
               <a:noFill/>
             </a:ln>
@@ -5479,7 +7150,7 @@
           <a:buFontTx/>
           <a:buNone/>
           <a:tabLst/>
-          <a:defRPr b="0" baseline="0" cap="none" i="0" spc="0" strike="noStrike" sz="1800" u="none" kumimoji="0" normalizeH="0">
+          <a:defRPr kumimoji="0" sz="1800" b="0" i="0" u="none" strike="noStrike" cap="none" spc="0" normalizeH="0" baseline="0">
             <a:ln>
               <a:noFill/>
             </a:ln>
@@ -5505,7 +7176,7 @@
           <a:buFontTx/>
           <a:buNone/>
           <a:tabLst/>
-          <a:defRPr b="0" baseline="0" cap="none" i="0" spc="0" strike="noStrike" sz="1800" u="none" kumimoji="0" normalizeH="0">
+          <a:defRPr kumimoji="0" sz="1800" b="0" i="0" u="none" strike="noStrike" cap="none" spc="0" normalizeH="0" baseline="0">
             <a:ln>
               <a:noFill/>
             </a:ln>
@@ -5531,7 +7202,7 @@
           <a:buFontTx/>
           <a:buNone/>
           <a:tabLst/>
-          <a:defRPr b="0" baseline="0" cap="none" i="0" spc="0" strike="noStrike" sz="1800" u="none" kumimoji="0" normalizeH="0">
+          <a:defRPr kumimoji="0" sz="1800" b="0" i="0" u="none" strike="noStrike" cap="none" spc="0" normalizeH="0" baseline="0">
             <a:ln>
               <a:noFill/>
             </a:ln>
@@ -5544,9 +7215,15 @@
         </a:lvl9pPr>
       </a:lstStyle>
       <a:style>
-        <a:lnRef idx="0"/>
-        <a:fillRef idx="0"/>
-        <a:effectRef idx="0"/>
+        <a:lnRef idx="0">
+          <a:scrgbClr r="0" g="0" b="0"/>
+        </a:lnRef>
+        <a:fillRef idx="0">
+          <a:scrgbClr r="0" g="0" b="0"/>
+        </a:fillRef>
+        <a:effectRef idx="0">
+          <a:scrgbClr r="0" g="0" b="0"/>
+        </a:effectRef>
         <a:fontRef idx="none"/>
       </a:style>
     </a:lnDef>
@@ -5560,7 +7237,7 @@
         <a:effectLst/>
         <a:sp3d/>
       </a:spPr>
-      <a:bodyPr rot="0" spcFirstLastPara="1" vertOverflow="overflow" horzOverflow="overflow" vert="horz" wrap="square" lIns="45719" tIns="45719" rIns="45719" bIns="45719" numCol="1" spcCol="38100" rtlCol="0" anchor="t" upright="0">
+      <a:bodyPr rot="0" spcFirstLastPara="1" vertOverflow="overflow" horzOverflow="overflow" vert="horz" wrap="square" lIns="45719" tIns="45719" rIns="45719" bIns="45719" numCol="1" spcCol="38100" rtlCol="0" anchor="t">
         <a:spAutoFit/>
       </a:bodyPr>
       <a:lstStyle>
@@ -5579,7 +7256,7 @@
           <a:buFontTx/>
           <a:buNone/>
           <a:tabLst/>
-          <a:defRPr b="0" baseline="0" cap="none" i="0" spc="0" strike="noStrike" sz="1800" u="none" kumimoji="0" normalizeH="0">
+          <a:defRPr kumimoji="0" sz="1800" b="0" i="0" u="none" strike="noStrike" cap="none" spc="0" normalizeH="0" baseline="0">
             <a:ln>
               <a:noFill/>
             </a:ln>
@@ -5609,7 +7286,7 @@
           <a:buFontTx/>
           <a:buNone/>
           <a:tabLst/>
-          <a:defRPr b="0" baseline="0" cap="none" i="0" spc="0" strike="noStrike" sz="1800" u="none" kumimoji="0" normalizeH="0">
+          <a:defRPr kumimoji="0" sz="1800" b="0" i="0" u="none" strike="noStrike" cap="none" spc="0" normalizeH="0" baseline="0">
             <a:ln>
               <a:noFill/>
             </a:ln>
@@ -5635,7 +7312,7 @@
           <a:buFontTx/>
           <a:buNone/>
           <a:tabLst/>
-          <a:defRPr b="0" baseline="0" cap="none" i="0" spc="0" strike="noStrike" sz="1800" u="none" kumimoji="0" normalizeH="0">
+          <a:defRPr kumimoji="0" sz="1800" b="0" i="0" u="none" strike="noStrike" cap="none" spc="0" normalizeH="0" baseline="0">
             <a:ln>
               <a:noFill/>
             </a:ln>
@@ -5661,7 +7338,7 @@
           <a:buFontTx/>
           <a:buNone/>
           <a:tabLst/>
-          <a:defRPr b="0" baseline="0" cap="none" i="0" spc="0" strike="noStrike" sz="1800" u="none" kumimoji="0" normalizeH="0">
+          <a:defRPr kumimoji="0" sz="1800" b="0" i="0" u="none" strike="noStrike" cap="none" spc="0" normalizeH="0" baseline="0">
             <a:ln>
               <a:noFill/>
             </a:ln>
@@ -5687,7 +7364,7 @@
           <a:buFontTx/>
           <a:buNone/>
           <a:tabLst/>
-          <a:defRPr b="0" baseline="0" cap="none" i="0" spc="0" strike="noStrike" sz="1800" u="none" kumimoji="0" normalizeH="0">
+          <a:defRPr kumimoji="0" sz="1800" b="0" i="0" u="none" strike="noStrike" cap="none" spc="0" normalizeH="0" baseline="0">
             <a:ln>
               <a:noFill/>
             </a:ln>
@@ -5713,7 +7390,7 @@
           <a:buFontTx/>
           <a:buNone/>
           <a:tabLst/>
-          <a:defRPr b="0" baseline="0" cap="none" i="0" spc="0" strike="noStrike" sz="1800" u="none" kumimoji="0" normalizeH="0">
+          <a:defRPr kumimoji="0" sz="1800" b="0" i="0" u="none" strike="noStrike" cap="none" spc="0" normalizeH="0" baseline="0">
             <a:ln>
               <a:noFill/>
             </a:ln>
@@ -5739,7 +7416,7 @@
           <a:buFontTx/>
           <a:buNone/>
           <a:tabLst/>
-          <a:defRPr b="0" baseline="0" cap="none" i="0" spc="0" strike="noStrike" sz="1800" u="none" kumimoji="0" normalizeH="0">
+          <a:defRPr kumimoji="0" sz="1800" b="0" i="0" u="none" strike="noStrike" cap="none" spc="0" normalizeH="0" baseline="0">
             <a:ln>
               <a:noFill/>
             </a:ln>
@@ -5765,7 +7442,7 @@
           <a:buFontTx/>
           <a:buNone/>
           <a:tabLst/>
-          <a:defRPr b="0" baseline="0" cap="none" i="0" spc="0" strike="noStrike" sz="1800" u="none" kumimoji="0" normalizeH="0">
+          <a:defRPr kumimoji="0" sz="1800" b="0" i="0" u="none" strike="noStrike" cap="none" spc="0" normalizeH="0" baseline="0">
             <a:ln>
               <a:noFill/>
             </a:ln>
@@ -5791,7 +7468,7 @@
           <a:buFontTx/>
           <a:buNone/>
           <a:tabLst/>
-          <a:defRPr b="0" baseline="0" cap="none" i="0" spc="0" strike="noStrike" sz="1800" u="none" kumimoji="0" normalizeH="0">
+          <a:defRPr kumimoji="0" sz="1800" b="0" i="0" u="none" strike="noStrike" cap="none" spc="0" normalizeH="0" baseline="0">
             <a:ln>
               <a:noFill/>
             </a:ln>
@@ -5817,7 +7494,7 @@
           <a:buFontTx/>
           <a:buNone/>
           <a:tabLst/>
-          <a:defRPr b="0" baseline="0" cap="none" i="0" spc="0" strike="noStrike" sz="1800" u="none" kumimoji="0" normalizeH="0">
+          <a:defRPr kumimoji="0" sz="1800" b="0" i="0" u="none" strike="noStrike" cap="none" spc="0" normalizeH="0" baseline="0">
             <a:ln>
               <a:noFill/>
             </a:ln>
@@ -5830,18 +7507,25 @@
         </a:lvl9pPr>
       </a:lstStyle>
       <a:style>
-        <a:lnRef idx="0"/>
-        <a:fillRef idx="0"/>
-        <a:effectRef idx="0"/>
+        <a:lnRef idx="0">
+          <a:scrgbClr r="0" g="0" b="0"/>
+        </a:lnRef>
+        <a:fillRef idx="0">
+          <a:scrgbClr r="0" g="0" b="0"/>
+        </a:fillRef>
+        <a:effectRef idx="0">
+          <a:scrgbClr r="0" g="0" b="0"/>
+        </a:effectRef>
         <a:fontRef idx="none"/>
       </a:style>
     </a:txDef>
   </a:objectDefaults>
+  <a:extraClrSchemeLst/>
 </a:theme>
 </file>
 
 <file path=ppt/theme/theme2.xml><?xml version="1.0" encoding="utf-8"?>
-<a:theme xmlns:a="http://schemas.openxmlformats.org/drawingml/2006/main" xmlns:r="http://schemas.openxmlformats.org/officeDocument/2006/relationships" name="1_Custom Design">
+<a:theme xmlns:a="http://schemas.openxmlformats.org/drawingml/2006/main" name="1_Custom Design">
   <a:themeElements>
     <a:clrScheme name="1_Custom Design">
       <a:dk1>
@@ -6043,7 +7727,7 @@
         <a:effectLst/>
         <a:sp3d/>
       </a:spPr>
-      <a:bodyPr rot="0" spcFirstLastPara="1" vertOverflow="overflow" horzOverflow="overflow" vert="horz" wrap="square" lIns="45719" tIns="45719" rIns="45719" bIns="45719" numCol="1" spcCol="38100" rtlCol="0" anchor="ctr" upright="0">
+      <a:bodyPr rot="0" spcFirstLastPara="1" vertOverflow="overflow" horzOverflow="overflow" vert="horz" wrap="square" lIns="45719" tIns="45719" rIns="45719" bIns="45719" numCol="1" spcCol="38100" rtlCol="0" anchor="ctr">
         <a:spAutoFit/>
       </a:bodyPr>
       <a:lstStyle>
@@ -6062,7 +7746,7 @@
           <a:buFontTx/>
           <a:buNone/>
           <a:tabLst/>
-          <a:defRPr b="0" baseline="0" cap="none" i="0" spc="0" strike="noStrike" sz="1800" u="none" kumimoji="0" normalizeH="0">
+          <a:defRPr kumimoji="0" sz="1800" b="0" i="0" u="none" strike="noStrike" cap="none" spc="0" normalizeH="0" baseline="0">
             <a:ln>
               <a:noFill/>
             </a:ln>
@@ -6092,7 +7776,7 @@
           <a:buFontTx/>
           <a:buNone/>
           <a:tabLst/>
-          <a:defRPr b="0" baseline="0" cap="none" i="0" spc="0" strike="noStrike" sz="1800" u="none" kumimoji="0" normalizeH="0">
+          <a:defRPr kumimoji="0" sz="1800" b="0" i="0" u="none" strike="noStrike" cap="none" spc="0" normalizeH="0" baseline="0">
             <a:ln>
               <a:noFill/>
             </a:ln>
@@ -6118,7 +7802,7 @@
           <a:buFontTx/>
           <a:buNone/>
           <a:tabLst/>
-          <a:defRPr b="0" baseline="0" cap="none" i="0" spc="0" strike="noStrike" sz="1800" u="none" kumimoji="0" normalizeH="0">
+          <a:defRPr kumimoji="0" sz="1800" b="0" i="0" u="none" strike="noStrike" cap="none" spc="0" normalizeH="0" baseline="0">
             <a:ln>
               <a:noFill/>
             </a:ln>
@@ -6144,7 +7828,7 @@
           <a:buFontTx/>
           <a:buNone/>
           <a:tabLst/>
-          <a:defRPr b="0" baseline="0" cap="none" i="0" spc="0" strike="noStrike" sz="1800" u="none" kumimoji="0" normalizeH="0">
+          <a:defRPr kumimoji="0" sz="1800" b="0" i="0" u="none" strike="noStrike" cap="none" spc="0" normalizeH="0" baseline="0">
             <a:ln>
               <a:noFill/>
             </a:ln>
@@ -6170,7 +7854,7 @@
           <a:buFontTx/>
           <a:buNone/>
           <a:tabLst/>
-          <a:defRPr b="0" baseline="0" cap="none" i="0" spc="0" strike="noStrike" sz="1800" u="none" kumimoji="0" normalizeH="0">
+          <a:defRPr kumimoji="0" sz="1800" b="0" i="0" u="none" strike="noStrike" cap="none" spc="0" normalizeH="0" baseline="0">
             <a:ln>
               <a:noFill/>
             </a:ln>
@@ -6196,7 +7880,7 @@
           <a:buFontTx/>
           <a:buNone/>
           <a:tabLst/>
-          <a:defRPr b="0" baseline="0" cap="none" i="0" spc="0" strike="noStrike" sz="1800" u="none" kumimoji="0" normalizeH="0">
+          <a:defRPr kumimoji="0" sz="1800" b="0" i="0" u="none" strike="noStrike" cap="none" spc="0" normalizeH="0" baseline="0">
             <a:ln>
               <a:noFill/>
             </a:ln>
@@ -6222,7 +7906,7 @@
           <a:buFontTx/>
           <a:buNone/>
           <a:tabLst/>
-          <a:defRPr b="0" baseline="0" cap="none" i="0" spc="0" strike="noStrike" sz="1800" u="none" kumimoji="0" normalizeH="0">
+          <a:defRPr kumimoji="0" sz="1800" b="0" i="0" u="none" strike="noStrike" cap="none" spc="0" normalizeH="0" baseline="0">
             <a:ln>
               <a:noFill/>
             </a:ln>
@@ -6248,7 +7932,7 @@
           <a:buFontTx/>
           <a:buNone/>
           <a:tabLst/>
-          <a:defRPr b="0" baseline="0" cap="none" i="0" spc="0" strike="noStrike" sz="1800" u="none" kumimoji="0" normalizeH="0">
+          <a:defRPr kumimoji="0" sz="1800" b="0" i="0" u="none" strike="noStrike" cap="none" spc="0" normalizeH="0" baseline="0">
             <a:ln>
               <a:noFill/>
             </a:ln>
@@ -6274,7 +7958,7 @@
           <a:buFontTx/>
           <a:buNone/>
           <a:tabLst/>
-          <a:defRPr b="0" baseline="0" cap="none" i="0" spc="0" strike="noStrike" sz="1800" u="none" kumimoji="0" normalizeH="0">
+          <a:defRPr kumimoji="0" sz="1800" b="0" i="0" u="none" strike="noStrike" cap="none" spc="0" normalizeH="0" baseline="0">
             <a:ln>
               <a:noFill/>
             </a:ln>
@@ -6300,7 +7984,7 @@
           <a:buFontTx/>
           <a:buNone/>
           <a:tabLst/>
-          <a:defRPr b="0" baseline="0" cap="none" i="0" spc="0" strike="noStrike" sz="1800" u="none" kumimoji="0" normalizeH="0">
+          <a:defRPr kumimoji="0" sz="1800" b="0" i="0" u="none" strike="noStrike" cap="none" spc="0" normalizeH="0" baseline="0">
             <a:ln>
               <a:noFill/>
             </a:ln>
@@ -6313,9 +7997,15 @@
         </a:lvl9pPr>
       </a:lstStyle>
       <a:style>
-        <a:lnRef idx="0"/>
-        <a:fillRef idx="0"/>
-        <a:effectRef idx="0"/>
+        <a:lnRef idx="0">
+          <a:scrgbClr r="0" g="0" b="0"/>
+        </a:lnRef>
+        <a:fillRef idx="0">
+          <a:scrgbClr r="0" g="0" b="0"/>
+        </a:fillRef>
+        <a:effectRef idx="0">
+          <a:scrgbClr r="0" g="0" b="0"/>
+        </a:effectRef>
         <a:fontRef idx="none"/>
       </a:style>
     </a:spDef>
@@ -6332,7 +8022,7 @@
         <a:effectLst/>
         <a:sp3d/>
       </a:spPr>
-      <a:bodyPr rot="0" spcFirstLastPara="1" vertOverflow="overflow" horzOverflow="overflow" vert="horz" wrap="square" lIns="91439" tIns="45719" rIns="91439" bIns="45719" numCol="1" spcCol="38100" rtlCol="0" anchor="t" upright="0">
+      <a:bodyPr rot="0" spcFirstLastPara="1" vertOverflow="overflow" horzOverflow="overflow" vert="horz" wrap="square" lIns="91439" tIns="45719" rIns="91439" bIns="45719" numCol="1" spcCol="38100" rtlCol="0" anchor="t">
         <a:noAutofit/>
       </a:bodyPr>
       <a:lstStyle>
@@ -6351,7 +8041,7 @@
           <a:buFontTx/>
           <a:buNone/>
           <a:tabLst/>
-          <a:defRPr b="0" baseline="0" cap="none" i="0" spc="0" strike="noStrike" sz="1800" u="none" kumimoji="0" normalizeH="0">
+          <a:defRPr kumimoji="0" sz="1800" b="0" i="0" u="none" strike="noStrike" cap="none" spc="0" normalizeH="0" baseline="0">
             <a:ln>
               <a:noFill/>
             </a:ln>
@@ -6377,7 +8067,7 @@
           <a:buFontTx/>
           <a:buNone/>
           <a:tabLst/>
-          <a:defRPr b="0" baseline="0" cap="none" i="0" spc="0" strike="noStrike" sz="1800" u="none" kumimoji="0" normalizeH="0">
+          <a:defRPr kumimoji="0" sz="1800" b="0" i="0" u="none" strike="noStrike" cap="none" spc="0" normalizeH="0" baseline="0">
             <a:ln>
               <a:noFill/>
             </a:ln>
@@ -6403,7 +8093,7 @@
           <a:buFontTx/>
           <a:buNone/>
           <a:tabLst/>
-          <a:defRPr b="0" baseline="0" cap="none" i="0" spc="0" strike="noStrike" sz="1800" u="none" kumimoji="0" normalizeH="0">
+          <a:defRPr kumimoji="0" sz="1800" b="0" i="0" u="none" strike="noStrike" cap="none" spc="0" normalizeH="0" baseline="0">
             <a:ln>
               <a:noFill/>
             </a:ln>
@@ -6429,7 +8119,7 @@
           <a:buFontTx/>
           <a:buNone/>
           <a:tabLst/>
-          <a:defRPr b="0" baseline="0" cap="none" i="0" spc="0" strike="noStrike" sz="1800" u="none" kumimoji="0" normalizeH="0">
+          <a:defRPr kumimoji="0" sz="1800" b="0" i="0" u="none" strike="noStrike" cap="none" spc="0" normalizeH="0" baseline="0">
             <a:ln>
               <a:noFill/>
             </a:ln>
@@ -6455,7 +8145,7 @@
           <a:buFontTx/>
           <a:buNone/>
           <a:tabLst/>
-          <a:defRPr b="0" baseline="0" cap="none" i="0" spc="0" strike="noStrike" sz="1800" u="none" kumimoji="0" normalizeH="0">
+          <a:defRPr kumimoji="0" sz="1800" b="0" i="0" u="none" strike="noStrike" cap="none" spc="0" normalizeH="0" baseline="0">
             <a:ln>
               <a:noFill/>
             </a:ln>
@@ -6481,7 +8171,7 @@
           <a:buFontTx/>
           <a:buNone/>
           <a:tabLst/>
-          <a:defRPr b="0" baseline="0" cap="none" i="0" spc="0" strike="noStrike" sz="1800" u="none" kumimoji="0" normalizeH="0">
+          <a:defRPr kumimoji="0" sz="1800" b="0" i="0" u="none" strike="noStrike" cap="none" spc="0" normalizeH="0" baseline="0">
             <a:ln>
               <a:noFill/>
             </a:ln>
@@ -6507,7 +8197,7 @@
           <a:buFontTx/>
           <a:buNone/>
           <a:tabLst/>
-          <a:defRPr b="0" baseline="0" cap="none" i="0" spc="0" strike="noStrike" sz="1800" u="none" kumimoji="0" normalizeH="0">
+          <a:defRPr kumimoji="0" sz="1800" b="0" i="0" u="none" strike="noStrike" cap="none" spc="0" normalizeH="0" baseline="0">
             <a:ln>
               <a:noFill/>
             </a:ln>
@@ -6533,7 +8223,7 @@
           <a:buFontTx/>
           <a:buNone/>
           <a:tabLst/>
-          <a:defRPr b="0" baseline="0" cap="none" i="0" spc="0" strike="noStrike" sz="1800" u="none" kumimoji="0" normalizeH="0">
+          <a:defRPr kumimoji="0" sz="1800" b="0" i="0" u="none" strike="noStrike" cap="none" spc="0" normalizeH="0" baseline="0">
             <a:ln>
               <a:noFill/>
             </a:ln>
@@ -6559,7 +8249,7 @@
           <a:buFontTx/>
           <a:buNone/>
           <a:tabLst/>
-          <a:defRPr b="0" baseline="0" cap="none" i="0" spc="0" strike="noStrike" sz="1800" u="none" kumimoji="0" normalizeH="0">
+          <a:defRPr kumimoji="0" sz="1800" b="0" i="0" u="none" strike="noStrike" cap="none" spc="0" normalizeH="0" baseline="0">
             <a:ln>
               <a:noFill/>
             </a:ln>
@@ -6585,7 +8275,7 @@
           <a:buFontTx/>
           <a:buNone/>
           <a:tabLst/>
-          <a:defRPr b="0" baseline="0" cap="none" i="0" spc="0" strike="noStrike" sz="1800" u="none" kumimoji="0" normalizeH="0">
+          <a:defRPr kumimoji="0" sz="1800" b="0" i="0" u="none" strike="noStrike" cap="none" spc="0" normalizeH="0" baseline="0">
             <a:ln>
               <a:noFill/>
             </a:ln>
@@ -6598,9 +8288,15 @@
         </a:lvl9pPr>
       </a:lstStyle>
       <a:style>
-        <a:lnRef idx="0"/>
-        <a:fillRef idx="0"/>
-        <a:effectRef idx="0"/>
+        <a:lnRef idx="0">
+          <a:scrgbClr r="0" g="0" b="0"/>
+        </a:lnRef>
+        <a:fillRef idx="0">
+          <a:scrgbClr r="0" g="0" b="0"/>
+        </a:fillRef>
+        <a:effectRef idx="0">
+          <a:scrgbClr r="0" g="0" b="0"/>
+        </a:effectRef>
         <a:fontRef idx="none"/>
       </a:style>
     </a:lnDef>
@@ -6614,7 +8310,7 @@
         <a:effectLst/>
         <a:sp3d/>
       </a:spPr>
-      <a:bodyPr rot="0" spcFirstLastPara="1" vertOverflow="overflow" horzOverflow="overflow" vert="horz" wrap="square" lIns="45719" tIns="45719" rIns="45719" bIns="45719" numCol="1" spcCol="38100" rtlCol="0" anchor="t" upright="0">
+      <a:bodyPr rot="0" spcFirstLastPara="1" vertOverflow="overflow" horzOverflow="overflow" vert="horz" wrap="square" lIns="45719" tIns="45719" rIns="45719" bIns="45719" numCol="1" spcCol="38100" rtlCol="0" anchor="t">
         <a:spAutoFit/>
       </a:bodyPr>
       <a:lstStyle>
@@ -6633,7 +8329,7 @@
           <a:buFontTx/>
           <a:buNone/>
           <a:tabLst/>
-          <a:defRPr b="0" baseline="0" cap="none" i="0" spc="0" strike="noStrike" sz="1800" u="none" kumimoji="0" normalizeH="0">
+          <a:defRPr kumimoji="0" sz="1800" b="0" i="0" u="none" strike="noStrike" cap="none" spc="0" normalizeH="0" baseline="0">
             <a:ln>
               <a:noFill/>
             </a:ln>
@@ -6663,7 +8359,7 @@
           <a:buFontTx/>
           <a:buNone/>
           <a:tabLst/>
-          <a:defRPr b="0" baseline="0" cap="none" i="0" spc="0" strike="noStrike" sz="1800" u="none" kumimoji="0" normalizeH="0">
+          <a:defRPr kumimoji="0" sz="1800" b="0" i="0" u="none" strike="noStrike" cap="none" spc="0" normalizeH="0" baseline="0">
             <a:ln>
               <a:noFill/>
             </a:ln>
@@ -6689,7 +8385,7 @@
           <a:buFontTx/>
           <a:buNone/>
           <a:tabLst/>
-          <a:defRPr b="0" baseline="0" cap="none" i="0" spc="0" strike="noStrike" sz="1800" u="none" kumimoji="0" normalizeH="0">
+          <a:defRPr kumimoji="0" sz="1800" b="0" i="0" u="none" strike="noStrike" cap="none" spc="0" normalizeH="0" baseline="0">
             <a:ln>
               <a:noFill/>
             </a:ln>
@@ -6715,7 +8411,7 @@
           <a:buFontTx/>
           <a:buNone/>
           <a:tabLst/>
-          <a:defRPr b="0" baseline="0" cap="none" i="0" spc="0" strike="noStrike" sz="1800" u="none" kumimoji="0" normalizeH="0">
+          <a:defRPr kumimoji="0" sz="1800" b="0" i="0" u="none" strike="noStrike" cap="none" spc="0" normalizeH="0" baseline="0">
             <a:ln>
               <a:noFill/>
             </a:ln>
@@ -6741,7 +8437,7 @@
           <a:buFontTx/>
           <a:buNone/>
           <a:tabLst/>
-          <a:defRPr b="0" baseline="0" cap="none" i="0" spc="0" strike="noStrike" sz="1800" u="none" kumimoji="0" normalizeH="0">
+          <a:defRPr kumimoji="0" sz="1800" b="0" i="0" u="none" strike="noStrike" cap="none" spc="0" normalizeH="0" baseline="0">
             <a:ln>
               <a:noFill/>
             </a:ln>
@@ -6767,7 +8463,7 @@
           <a:buFontTx/>
           <a:buNone/>
           <a:tabLst/>
-          <a:defRPr b="0" baseline="0" cap="none" i="0" spc="0" strike="noStrike" sz="1800" u="none" kumimoji="0" normalizeH="0">
+          <a:defRPr kumimoji="0" sz="1800" b="0" i="0" u="none" strike="noStrike" cap="none" spc="0" normalizeH="0" baseline="0">
             <a:ln>
               <a:noFill/>
             </a:ln>
@@ -6793,7 +8489,7 @@
           <a:buFontTx/>
           <a:buNone/>
           <a:tabLst/>
-          <a:defRPr b="0" baseline="0" cap="none" i="0" spc="0" strike="noStrike" sz="1800" u="none" kumimoji="0" normalizeH="0">
+          <a:defRPr kumimoji="0" sz="1800" b="0" i="0" u="none" strike="noStrike" cap="none" spc="0" normalizeH="0" baseline="0">
             <a:ln>
               <a:noFill/>
             </a:ln>
@@ -6819,7 +8515,7 @@
           <a:buFontTx/>
           <a:buNone/>
           <a:tabLst/>
-          <a:defRPr b="0" baseline="0" cap="none" i="0" spc="0" strike="noStrike" sz="1800" u="none" kumimoji="0" normalizeH="0">
+          <a:defRPr kumimoji="0" sz="1800" b="0" i="0" u="none" strike="noStrike" cap="none" spc="0" normalizeH="0" baseline="0">
             <a:ln>
               <a:noFill/>
             </a:ln>
@@ -6845,7 +8541,7 @@
           <a:buFontTx/>
           <a:buNone/>
           <a:tabLst/>
-          <a:defRPr b="0" baseline="0" cap="none" i="0" spc="0" strike="noStrike" sz="1800" u="none" kumimoji="0" normalizeH="0">
+          <a:defRPr kumimoji="0" sz="1800" b="0" i="0" u="none" strike="noStrike" cap="none" spc="0" normalizeH="0" baseline="0">
             <a:ln>
               <a:noFill/>
             </a:ln>
@@ -6871,7 +8567,7 @@
           <a:buFontTx/>
           <a:buNone/>
           <a:tabLst/>
-          <a:defRPr b="0" baseline="0" cap="none" i="0" spc="0" strike="noStrike" sz="1800" u="none" kumimoji="0" normalizeH="0">
+          <a:defRPr kumimoji="0" sz="1800" b="0" i="0" u="none" strike="noStrike" cap="none" spc="0" normalizeH="0" baseline="0">
             <a:ln>
               <a:noFill/>
             </a:ln>
@@ -6884,12 +8580,19 @@
         </a:lvl9pPr>
       </a:lstStyle>
       <a:style>
-        <a:lnRef idx="0"/>
-        <a:fillRef idx="0"/>
-        <a:effectRef idx="0"/>
+        <a:lnRef idx="0">
+          <a:scrgbClr r="0" g="0" b="0"/>
+        </a:lnRef>
+        <a:fillRef idx="0">
+          <a:scrgbClr r="0" g="0" b="0"/>
+        </a:fillRef>
+        <a:effectRef idx="0">
+          <a:scrgbClr r="0" g="0" b="0"/>
+        </a:effectRef>
         <a:fontRef idx="none"/>
       </a:style>
     </a:txDef>
   </a:objectDefaults>
+  <a:extraClrSchemeLst/>
 </a:theme>
 </file>